--- a/project/AohuaCheng_Working Memory.pptx
+++ b/project/AohuaCheng_Working Memory.pptx
@@ -5,7 +5,7 @@
     <p:sldMasterId id="2147483648" r:id="rId1"/>
   </p:sldMasterIdLst>
   <p:notesMasterIdLst>
-    <p:notesMasterId r:id="rId15"/>
+    <p:notesMasterId r:id="rId17"/>
   </p:notesMasterIdLst>
   <p:sldIdLst>
     <p:sldId id="256" r:id="rId2"/>
@@ -15,12 +15,14 @@
     <p:sldId id="270" r:id="rId6"/>
     <p:sldId id="268" r:id="rId7"/>
     <p:sldId id="267" r:id="rId8"/>
-    <p:sldId id="269" r:id="rId9"/>
-    <p:sldId id="266" r:id="rId10"/>
-    <p:sldId id="261" r:id="rId11"/>
-    <p:sldId id="262" r:id="rId12"/>
-    <p:sldId id="263" r:id="rId13"/>
-    <p:sldId id="264" r:id="rId14"/>
+    <p:sldId id="271" r:id="rId9"/>
+    <p:sldId id="269" r:id="rId10"/>
+    <p:sldId id="266" r:id="rId11"/>
+    <p:sldId id="261" r:id="rId12"/>
+    <p:sldId id="272" r:id="rId13"/>
+    <p:sldId id="262" r:id="rId14"/>
+    <p:sldId id="263" r:id="rId15"/>
+    <p:sldId id="264" r:id="rId16"/>
   </p:sldIdLst>
   <p:sldSz cx="12192000" cy="6858000"/>
   <p:notesSz cx="6858000" cy="9144000"/>
@@ -258,7 +260,7 @@
       <p15:sldGuideLst xmlns:p15="http://schemas.microsoft.com/office/powerpoint/2012/main"/>
     </p:ext>
     <p:ext uri="http://customooxmlschemas.google.com/">
-      <go:slidesCustomData xmlns="" xmlns:mc="http://schemas.openxmlformats.org/markup-compatibility/2006" xmlns:mv="urn:schemas-microsoft-com:mac:vml" xmlns:c="http://schemas.openxmlformats.org/drawingml/2006/chart" xmlns:dgm="http://schemas.openxmlformats.org/drawingml/2006/diagram" xmlns:o="urn:schemas-microsoft-com:office:office" xmlns:v="urn:schemas-microsoft-com:vml" xmlns:pvml="urn:schemas-microsoft-com:office:powerpoint" xmlns:com="http://schemas.openxmlformats.org/drawingml/2006/compatibility" xmlns:p14="http://schemas.microsoft.com/office/powerpoint/2010/main" xmlns:p15="http://schemas.microsoft.com/office/powerpoint/2012/main" xmlns:ahyp="http://schemas.microsoft.com/office/drawing/2018/hyperlinkcolor" xmlns:go="http://customooxmlschemas.google.com/" r:id="rId16" roundtripDataSignature="AMtx7mginj5P1OjKcxYlJPh/VZA42S4F5Q=="/>
+      <go:slidesCustomData xmlns:go="http://customooxmlschemas.google.com/" xmlns:ahyp="http://schemas.microsoft.com/office/drawing/2018/hyperlinkcolor" xmlns:p15="http://schemas.microsoft.com/office/powerpoint/2012/main" xmlns:p14="http://schemas.microsoft.com/office/powerpoint/2010/main" xmlns:com="http://schemas.openxmlformats.org/drawingml/2006/compatibility" xmlns:pvml="urn:schemas-microsoft-com:office:powerpoint" xmlns:v="urn:schemas-microsoft-com:vml" xmlns:o="urn:schemas-microsoft-com:office:office" xmlns:dgm="http://schemas.openxmlformats.org/drawingml/2006/diagram" xmlns:c="http://schemas.openxmlformats.org/drawingml/2006/chart" xmlns:mv="urn:schemas-microsoft-com:mac:vml" xmlns:mc="http://schemas.openxmlformats.org/markup-compatibility/2006" xmlns="" r:id="rId18" roundtripDataSignature="AMtx7mginj5P1OjKcxYlJPh/VZA42S4F5Q=="/>
     </p:ext>
   </p:extLst>
 </p:presentation>
@@ -952,6 +954,115 @@
   <p:cSld>
     <p:spTree>
       <p:nvGrpSpPr>
+        <p:cNvPr id="1" name="Shape 106"/>
+        <p:cNvGrpSpPr/>
+        <p:nvPr/>
+      </p:nvGrpSpPr>
+      <p:grpSpPr>
+        <a:xfrm>
+          <a:off x="0" y="0"/>
+          <a:ext cx="0" cy="0"/>
+          <a:chOff x="0" y="0"/>
+          <a:chExt cx="0" cy="0"/>
+        </a:xfrm>
+      </p:grpSpPr>
+      <p:sp>
+        <p:nvSpPr>
+          <p:cNvPr id="107" name="Google Shape;107;p20:notes"/>
+          <p:cNvSpPr txBox="1">
+            <a:spLocks noGrp="1"/>
+          </p:cNvSpPr>
+          <p:nvPr>
+            <p:ph type="body" idx="1"/>
+          </p:nvPr>
+        </p:nvSpPr>
+        <p:spPr>
+          <a:xfrm>
+            <a:off x="685800" y="4343400"/>
+            <a:ext cx="5486400" cy="4114800"/>
+          </a:xfrm>
+          <a:prstGeom prst="rect">
+            <a:avLst/>
+          </a:prstGeom>
+        </p:spPr>
+        <p:txBody>
+          <a:bodyPr spcFirstLastPara="1" wrap="square" lIns="91425" tIns="91425" rIns="91425" bIns="91425" anchor="t" anchorCtr="0">
+            <a:noAutofit/>
+          </a:bodyPr>
+          <a:lstStyle/>
+          <a:p>
+            <a:pPr marL="0" lvl="0" indent="0" algn="l" rtl="0">
+              <a:spcBef>
+                <a:spcPts val="0"/>
+              </a:spcBef>
+              <a:spcAft>
+                <a:spcPts val="0"/>
+              </a:spcAft>
+              <a:buNone/>
+            </a:pPr>
+            <a:endParaRPr/>
+          </a:p>
+        </p:txBody>
+      </p:sp>
+      <p:sp>
+        <p:nvSpPr>
+          <p:cNvPr id="108" name="Google Shape;108;p20:notes"/>
+          <p:cNvSpPr>
+            <a:spLocks noGrp="1" noRot="1" noChangeAspect="1"/>
+          </p:cNvSpPr>
+          <p:nvPr>
+            <p:ph type="sldImg" idx="2"/>
+          </p:nvPr>
+        </p:nvSpPr>
+        <p:spPr>
+          <a:xfrm>
+            <a:off x="381000" y="685800"/>
+            <a:ext cx="6096000" cy="3429000"/>
+          </a:xfrm>
+          <a:custGeom>
+            <a:avLst/>
+            <a:gdLst/>
+            <a:ahLst/>
+            <a:cxnLst/>
+            <a:rect l="l" t="t" r="r" b="b"/>
+            <a:pathLst>
+              <a:path w="120000" h="120000" extrusionOk="0">
+                <a:moveTo>
+                  <a:pt x="0" y="0"/>
+                </a:moveTo>
+                <a:lnTo>
+                  <a:pt x="120000" y="0"/>
+                </a:lnTo>
+                <a:lnTo>
+                  <a:pt x="120000" y="120000"/>
+                </a:lnTo>
+                <a:lnTo>
+                  <a:pt x="0" y="120000"/>
+                </a:lnTo>
+                <a:close/>
+              </a:path>
+            </a:pathLst>
+          </a:custGeom>
+        </p:spPr>
+      </p:sp>
+    </p:spTree>
+    <p:extLst>
+      <p:ext uri="{BB962C8B-B14F-4D97-AF65-F5344CB8AC3E}">
+        <p14:creationId xmlns:p14="http://schemas.microsoft.com/office/powerpoint/2010/main" val="839091950"/>
+      </p:ext>
+    </p:extLst>
+  </p:cSld>
+  <p:clrMapOvr>
+    <a:masterClrMapping/>
+  </p:clrMapOvr>
+</p:notes>
+</file>
+
+<file path=ppt/notesSlides/notesSlide11.xml><?xml version="1.0" encoding="utf-8"?>
+<p:notes xmlns:a="http://schemas.openxmlformats.org/drawingml/2006/main" xmlns:r="http://schemas.openxmlformats.org/officeDocument/2006/relationships" xmlns:p="http://schemas.openxmlformats.org/presentationml/2006/main" showMasterSp="0" showMasterPhAnim="0">
+  <p:cSld>
+    <p:spTree>
+      <p:nvGrpSpPr>
         <p:cNvPr id="1" name="Shape 112"/>
         <p:cNvGrpSpPr/>
         <p:nvPr/>
@@ -1051,7 +1162,116 @@
 </p:notes>
 </file>
 
-<file path=ppt/notesSlides/notesSlide11.xml><?xml version="1.0" encoding="utf-8"?>
+<file path=ppt/notesSlides/notesSlide12.xml><?xml version="1.0" encoding="utf-8"?>
+<p:notes xmlns:a="http://schemas.openxmlformats.org/drawingml/2006/main" xmlns:r="http://schemas.openxmlformats.org/officeDocument/2006/relationships" xmlns:p="http://schemas.openxmlformats.org/presentationml/2006/main" showMasterSp="0" showMasterPhAnim="0">
+  <p:cSld>
+    <p:spTree>
+      <p:nvGrpSpPr>
+        <p:cNvPr id="1" name="Shape 112"/>
+        <p:cNvGrpSpPr/>
+        <p:nvPr/>
+      </p:nvGrpSpPr>
+      <p:grpSpPr>
+        <a:xfrm>
+          <a:off x="0" y="0"/>
+          <a:ext cx="0" cy="0"/>
+          <a:chOff x="0" y="0"/>
+          <a:chExt cx="0" cy="0"/>
+        </a:xfrm>
+      </p:grpSpPr>
+      <p:sp>
+        <p:nvSpPr>
+          <p:cNvPr id="113" name="Google Shape;113;p21:notes"/>
+          <p:cNvSpPr txBox="1">
+            <a:spLocks noGrp="1"/>
+          </p:cNvSpPr>
+          <p:nvPr>
+            <p:ph type="body" idx="1"/>
+          </p:nvPr>
+        </p:nvSpPr>
+        <p:spPr>
+          <a:xfrm>
+            <a:off x="685800" y="4343400"/>
+            <a:ext cx="5486400" cy="4114800"/>
+          </a:xfrm>
+          <a:prstGeom prst="rect">
+            <a:avLst/>
+          </a:prstGeom>
+        </p:spPr>
+        <p:txBody>
+          <a:bodyPr spcFirstLastPara="1" wrap="square" lIns="91425" tIns="91425" rIns="91425" bIns="91425" anchor="t" anchorCtr="0">
+            <a:noAutofit/>
+          </a:bodyPr>
+          <a:lstStyle/>
+          <a:p>
+            <a:pPr marL="0" lvl="0" indent="0" algn="l" rtl="0">
+              <a:spcBef>
+                <a:spcPts val="0"/>
+              </a:spcBef>
+              <a:spcAft>
+                <a:spcPts val="0"/>
+              </a:spcAft>
+              <a:buNone/>
+            </a:pPr>
+            <a:endParaRPr/>
+          </a:p>
+        </p:txBody>
+      </p:sp>
+      <p:sp>
+        <p:nvSpPr>
+          <p:cNvPr id="114" name="Google Shape;114;p21:notes"/>
+          <p:cNvSpPr>
+            <a:spLocks noGrp="1" noRot="1" noChangeAspect="1"/>
+          </p:cNvSpPr>
+          <p:nvPr>
+            <p:ph type="sldImg" idx="2"/>
+          </p:nvPr>
+        </p:nvSpPr>
+        <p:spPr>
+          <a:xfrm>
+            <a:off x="381000" y="685800"/>
+            <a:ext cx="6096000" cy="3429000"/>
+          </a:xfrm>
+          <a:custGeom>
+            <a:avLst/>
+            <a:gdLst/>
+            <a:ahLst/>
+            <a:cxnLst/>
+            <a:rect l="l" t="t" r="r" b="b"/>
+            <a:pathLst>
+              <a:path w="120000" h="120000" extrusionOk="0">
+                <a:moveTo>
+                  <a:pt x="0" y="0"/>
+                </a:moveTo>
+                <a:lnTo>
+                  <a:pt x="120000" y="0"/>
+                </a:lnTo>
+                <a:lnTo>
+                  <a:pt x="120000" y="120000"/>
+                </a:lnTo>
+                <a:lnTo>
+                  <a:pt x="0" y="120000"/>
+                </a:lnTo>
+                <a:close/>
+              </a:path>
+            </a:pathLst>
+          </a:custGeom>
+        </p:spPr>
+      </p:sp>
+    </p:spTree>
+    <p:extLst>
+      <p:ext uri="{BB962C8B-B14F-4D97-AF65-F5344CB8AC3E}">
+        <p14:creationId xmlns:p14="http://schemas.microsoft.com/office/powerpoint/2010/main" val="4163160932"/>
+      </p:ext>
+    </p:extLst>
+  </p:cSld>
+  <p:clrMapOvr>
+    <a:masterClrMapping/>
+  </p:clrMapOvr>
+</p:notes>
+</file>
+
+<file path=ppt/notesSlides/notesSlide13.xml><?xml version="1.0" encoding="utf-8"?>
 <p:notes xmlns:a="http://schemas.openxmlformats.org/drawingml/2006/main" xmlns:r="http://schemas.openxmlformats.org/officeDocument/2006/relationships" xmlns:p="http://schemas.openxmlformats.org/presentationml/2006/main" showMasterSp="0" showMasterPhAnim="0">
   <p:cSld>
     <p:spTree>
@@ -1155,7 +1375,7 @@
 </p:notes>
 </file>
 
-<file path=ppt/notesSlides/notesSlide12.xml><?xml version="1.0" encoding="utf-8"?>
+<file path=ppt/notesSlides/notesSlide14.xml><?xml version="1.0" encoding="utf-8"?>
 <p:notes xmlns:a="http://schemas.openxmlformats.org/drawingml/2006/main" xmlns:r="http://schemas.openxmlformats.org/officeDocument/2006/relationships" xmlns:p="http://schemas.openxmlformats.org/presentationml/2006/main" showMasterSp="0" showMasterPhAnim="0">
   <p:cSld>
     <p:spTree>
@@ -1277,7 +1497,7 @@
 </p:notes>
 </file>
 
-<file path=ppt/notesSlides/notesSlide13.xml><?xml version="1.0" encoding="utf-8"?>
+<file path=ppt/notesSlides/notesSlide15.xml><?xml version="1.0" encoding="utf-8"?>
 <p:notes xmlns:a="http://schemas.openxmlformats.org/drawingml/2006/main" xmlns:r="http://schemas.openxmlformats.org/officeDocument/2006/relationships" xmlns:p="http://schemas.openxmlformats.org/presentationml/2006/main" showMasterSp="0" showMasterPhAnim="0">
   <p:cSld>
     <p:spTree>
@@ -2124,7 +2344,7 @@
     </p:spTree>
     <p:extLst>
       <p:ext uri="{BB962C8B-B14F-4D97-AF65-F5344CB8AC3E}">
-        <p14:creationId xmlns:p14="http://schemas.microsoft.com/office/powerpoint/2010/main" val="884124035"/>
+        <p14:creationId xmlns:p14="http://schemas.microsoft.com/office/powerpoint/2010/main" val="2343829352"/>
       </p:ext>
     </p:extLst>
   </p:cSld>
@@ -2233,7 +2453,7 @@
     </p:spTree>
     <p:extLst>
       <p:ext uri="{BB962C8B-B14F-4D97-AF65-F5344CB8AC3E}">
-        <p14:creationId xmlns:p14="http://schemas.microsoft.com/office/powerpoint/2010/main" val="839091950"/>
+        <p14:creationId xmlns:p14="http://schemas.microsoft.com/office/powerpoint/2010/main" val="884124035"/>
       </p:ext>
     </p:extLst>
   </p:cSld>
@@ -15160,6 +15380,1142 @@
   <p:cSld>
     <p:spTree>
       <p:nvGrpSpPr>
+        <p:cNvPr id="1" name="Shape 109"/>
+        <p:cNvGrpSpPr/>
+        <p:nvPr/>
+      </p:nvGrpSpPr>
+      <p:grpSpPr>
+        <a:xfrm>
+          <a:off x="0" y="0"/>
+          <a:ext cx="0" cy="0"/>
+          <a:chOff x="0" y="0"/>
+          <a:chExt cx="0" cy="0"/>
+        </a:xfrm>
+      </p:grpSpPr>
+      <p:sp>
+        <p:nvSpPr>
+          <p:cNvPr id="110" name="Google Shape;110;p20"/>
+          <p:cNvSpPr txBox="1">
+            <a:spLocks noGrp="1"/>
+          </p:cNvSpPr>
+          <p:nvPr>
+            <p:ph type="title"/>
+          </p:nvPr>
+        </p:nvSpPr>
+        <p:spPr>
+          <a:xfrm>
+            <a:off x="838200" y="365125"/>
+            <a:ext cx="10515600" cy="1325563"/>
+          </a:xfrm>
+          <a:prstGeom prst="rect">
+            <a:avLst/>
+          </a:prstGeom>
+          <a:noFill/>
+          <a:ln>
+            <a:noFill/>
+          </a:ln>
+        </p:spPr>
+        <p:txBody>
+          <a:bodyPr spcFirstLastPara="1" wrap="square" lIns="91425" tIns="45700" rIns="91425" bIns="45700" anchor="ctr" anchorCtr="0">
+            <a:normAutofit/>
+          </a:bodyPr>
+          <a:lstStyle/>
+          <a:p>
+            <a:pPr marL="0" lvl="0" indent="0" algn="l" rtl="0">
+              <a:lnSpc>
+                <a:spcPct val="90000"/>
+              </a:lnSpc>
+              <a:spcBef>
+                <a:spcPts val="0"/>
+              </a:spcBef>
+              <a:spcAft>
+                <a:spcPts val="0"/>
+              </a:spcAft>
+              <a:buClr>
+                <a:schemeClr val="dk1"/>
+              </a:buClr>
+              <a:buSzPts val="1800"/>
+              <a:buNone/>
+            </a:pPr>
+            <a:r>
+              <a:rPr lang="zh-CN">
+                <a:solidFill>
+                  <a:srgbClr val="174473"/>
+                </a:solidFill>
+              </a:rPr>
+              <a:t>Results</a:t>
+            </a:r>
+            <a:endParaRPr/>
+          </a:p>
+        </p:txBody>
+      </p:sp>
+      <p:cxnSp>
+        <p:nvCxnSpPr>
+          <p:cNvPr id="111" name="Google Shape;111;p20"/>
+          <p:cNvCxnSpPr/>
+          <p:nvPr/>
+        </p:nvCxnSpPr>
+        <p:spPr>
+          <a:xfrm>
+            <a:off x="838200" y="1400175"/>
+            <a:ext cx="9163050" cy="0"/>
+          </a:xfrm>
+          <a:prstGeom prst="straightConnector1">
+            <a:avLst/>
+          </a:prstGeom>
+          <a:noFill/>
+          <a:ln w="38100" cap="flat" cmpd="sng">
+            <a:solidFill>
+              <a:srgbClr val="174473"/>
+            </a:solidFill>
+            <a:prstDash val="solid"/>
+            <a:round/>
+            <a:headEnd type="none" w="sm" len="sm"/>
+            <a:tailEnd type="none" w="sm" len="sm"/>
+          </a:ln>
+        </p:spPr>
+      </p:cxnSp>
+      <p:sp>
+        <p:nvSpPr>
+          <p:cNvPr id="4" name="Google Shape;105;ge9f2884d2e_2_8">
+            <a:extLst>
+              <a:ext uri="{FF2B5EF4-FFF2-40B4-BE49-F238E27FC236}">
+                <a16:creationId xmlns:a16="http://schemas.microsoft.com/office/drawing/2014/main" id="{ED81B6DA-02D6-4910-A36E-3F80CB5A4013}"/>
+              </a:ext>
+            </a:extLst>
+          </p:cNvPr>
+          <p:cNvSpPr txBox="1"/>
+          <p:nvPr/>
+        </p:nvSpPr>
+        <p:spPr>
+          <a:xfrm>
+            <a:off x="838200" y="2443146"/>
+            <a:ext cx="5257800" cy="3688672"/>
+          </a:xfrm>
+          <a:prstGeom prst="rect">
+            <a:avLst/>
+          </a:prstGeom>
+          <a:noFill/>
+          <a:ln>
+            <a:noFill/>
+          </a:ln>
+        </p:spPr>
+        <p:txBody>
+          <a:bodyPr spcFirstLastPara="1" wrap="square" lIns="91425" tIns="91425" rIns="91425" bIns="91425" anchor="t" anchorCtr="0">
+            <a:spAutoFit/>
+          </a:bodyPr>
+          <a:lstStyle/>
+          <a:p>
+            <a:pPr>
+              <a:lnSpc>
+                <a:spcPct val="115000"/>
+              </a:lnSpc>
+            </a:pPr>
+            <a:r>
+              <a:rPr lang="en-US" altLang="zh-CN" sz="1800" dirty="0">
+                <a:solidFill>
+                  <a:schemeClr val="dk1"/>
+                </a:solidFill>
+              </a:rPr>
+              <a:t>Robustness to noise and two-item memory. The first item is loaded into memory at t = 0 (dark shading). The second item is loaded into memory at t = 2.7 s. Teal shading indicates a random nonspecific input to 15% of the excitatory neurons. (A) Periodic sequence of nonspecific external inputs is used to refresh the memory (gray shading). (B) Persistent PSs. Dots, </a:t>
+            </a:r>
+            <a:r>
+              <a:rPr lang="en-US" altLang="zh-CN" sz="1800" dirty="0" err="1">
+                <a:solidFill>
+                  <a:schemeClr val="dk1"/>
+                </a:solidFill>
+              </a:rPr>
+              <a:t>rasters</a:t>
+            </a:r>
+            <a:r>
+              <a:rPr lang="en-US" altLang="zh-CN" sz="1800" dirty="0">
+                <a:solidFill>
+                  <a:schemeClr val="dk1"/>
+                </a:solidFill>
+              </a:rPr>
+              <a:t> of 10% of the first (0 to 79) and second (80 to 159) populations' neurons; red and blue curves, same</a:t>
+            </a:r>
+          </a:p>
+          <a:p>
+            <a:pPr>
+              <a:lnSpc>
+                <a:spcPct val="115000"/>
+              </a:lnSpc>
+            </a:pPr>
+            <a:r>
+              <a:rPr lang="en-US" altLang="zh-CN" sz="1800" dirty="0">
+                <a:solidFill>
+                  <a:schemeClr val="dk1"/>
+                </a:solidFill>
+              </a:rPr>
+              <a:t>as in Fig. 2.</a:t>
+            </a:r>
+          </a:p>
+        </p:txBody>
+      </p:sp>
+      <p:pic>
+        <p:nvPicPr>
+          <p:cNvPr id="3" name="图片 2">
+            <a:extLst>
+              <a:ext uri="{FF2B5EF4-FFF2-40B4-BE49-F238E27FC236}">
+                <a16:creationId xmlns:a16="http://schemas.microsoft.com/office/drawing/2014/main" id="{69558E13-9AC3-4FCF-B66E-E155AB5CA2C4}"/>
+              </a:ext>
+            </a:extLst>
+          </p:cNvPr>
+          <p:cNvPicPr>
+            <a:picLocks noChangeAspect="1"/>
+          </p:cNvPicPr>
+          <p:nvPr/>
+        </p:nvPicPr>
+        <p:blipFill>
+          <a:blip r:embed="rId3"/>
+          <a:stretch>
+            <a:fillRect/>
+          </a:stretch>
+        </p:blipFill>
+        <p:spPr>
+          <a:xfrm>
+            <a:off x="6096000" y="1538516"/>
+            <a:ext cx="4849368" cy="4958220"/>
+          </a:xfrm>
+          <a:prstGeom prst="rect">
+            <a:avLst/>
+          </a:prstGeom>
+        </p:spPr>
+      </p:pic>
+      <p:sp>
+        <p:nvSpPr>
+          <p:cNvPr id="7" name="Google Shape;105;ge9f2884d2e_2_8">
+            <a:extLst>
+              <a:ext uri="{FF2B5EF4-FFF2-40B4-BE49-F238E27FC236}">
+                <a16:creationId xmlns:a16="http://schemas.microsoft.com/office/drawing/2014/main" id="{B56BEFCB-6231-470E-A2EF-CDF528C2E29D}"/>
+              </a:ext>
+            </a:extLst>
+          </p:cNvPr>
+          <p:cNvSpPr txBox="1"/>
+          <p:nvPr/>
+        </p:nvSpPr>
+        <p:spPr>
+          <a:xfrm>
+            <a:off x="838200" y="1566660"/>
+            <a:ext cx="3496056" cy="503184"/>
+          </a:xfrm>
+          <a:prstGeom prst="rect">
+            <a:avLst/>
+          </a:prstGeom>
+          <a:noFill/>
+          <a:ln>
+            <a:noFill/>
+          </a:ln>
+        </p:spPr>
+        <p:txBody>
+          <a:bodyPr spcFirstLastPara="1" wrap="square" lIns="91425" tIns="91425" rIns="91425" bIns="91425" anchor="t" anchorCtr="0">
+            <a:spAutoFit/>
+          </a:bodyPr>
+          <a:lstStyle/>
+          <a:p>
+            <a:pPr>
+              <a:lnSpc>
+                <a:spcPct val="115000"/>
+              </a:lnSpc>
+            </a:pPr>
+            <a:r>
+              <a:rPr lang="en-US" altLang="zh-CN" sz="1800" dirty="0">
+                <a:solidFill>
+                  <a:schemeClr val="dk1"/>
+                </a:solidFill>
+              </a:rPr>
+              <a:t>Two-item Network stimulation</a:t>
+            </a:r>
+          </a:p>
+        </p:txBody>
+      </p:sp>
+    </p:spTree>
+    <p:extLst>
+      <p:ext uri="{BB962C8B-B14F-4D97-AF65-F5344CB8AC3E}">
+        <p14:creationId xmlns:p14="http://schemas.microsoft.com/office/powerpoint/2010/main" val="3231462266"/>
+      </p:ext>
+    </p:extLst>
+  </p:cSld>
+  <p:clrMapOvr>
+    <a:masterClrMapping/>
+  </p:clrMapOvr>
+</p:sld>
+</file>
+
+<file path=ppt/slides/slide11.xml><?xml version="1.0" encoding="utf-8"?>
+<p:sld xmlns:a="http://schemas.openxmlformats.org/drawingml/2006/main" xmlns:r="http://schemas.openxmlformats.org/officeDocument/2006/relationships" xmlns:p="http://schemas.openxmlformats.org/presentationml/2006/main">
+  <p:cSld>
+    <p:spTree>
+      <p:nvGrpSpPr>
+        <p:cNvPr id="1" name="Shape 115"/>
+        <p:cNvGrpSpPr/>
+        <p:nvPr/>
+      </p:nvGrpSpPr>
+      <p:grpSpPr>
+        <a:xfrm>
+          <a:off x="0" y="0"/>
+          <a:ext cx="0" cy="0"/>
+          <a:chOff x="0" y="0"/>
+          <a:chExt cx="0" cy="0"/>
+        </a:xfrm>
+      </p:grpSpPr>
+      <p:sp>
+        <p:nvSpPr>
+          <p:cNvPr id="116" name="Google Shape;116;p21"/>
+          <p:cNvSpPr txBox="1">
+            <a:spLocks noGrp="1"/>
+          </p:cNvSpPr>
+          <p:nvPr>
+            <p:ph type="title"/>
+          </p:nvPr>
+        </p:nvSpPr>
+        <p:spPr>
+          <a:xfrm>
+            <a:off x="838200" y="365125"/>
+            <a:ext cx="10515600" cy="1325563"/>
+          </a:xfrm>
+          <a:prstGeom prst="rect">
+            <a:avLst/>
+          </a:prstGeom>
+          <a:noFill/>
+          <a:ln>
+            <a:noFill/>
+          </a:ln>
+        </p:spPr>
+        <p:txBody>
+          <a:bodyPr spcFirstLastPara="1" wrap="square" lIns="91425" tIns="45700" rIns="91425" bIns="45700" anchor="ctr" anchorCtr="0">
+            <a:normAutofit/>
+          </a:bodyPr>
+          <a:lstStyle/>
+          <a:p>
+            <a:pPr marL="0" lvl="0" indent="0" algn="l" rtl="0">
+              <a:lnSpc>
+                <a:spcPct val="90000"/>
+              </a:lnSpc>
+              <a:spcBef>
+                <a:spcPts val="0"/>
+              </a:spcBef>
+              <a:spcAft>
+                <a:spcPts val="0"/>
+              </a:spcAft>
+              <a:buClr>
+                <a:schemeClr val="dk1"/>
+              </a:buClr>
+              <a:buSzPts val="1800"/>
+              <a:buNone/>
+            </a:pPr>
+            <a:r>
+              <a:rPr lang="zh-CN" dirty="0">
+                <a:solidFill>
+                  <a:srgbClr val="174473"/>
+                </a:solidFill>
+              </a:rPr>
+              <a:t>Discussion</a:t>
+            </a:r>
+            <a:r>
+              <a:rPr lang="en-US" altLang="zh-CN" dirty="0">
+                <a:solidFill>
+                  <a:srgbClr val="174473"/>
+                </a:solidFill>
+              </a:rPr>
+              <a:t>-Bifurcation</a:t>
+            </a:r>
+            <a:endParaRPr dirty="0"/>
+          </a:p>
+        </p:txBody>
+      </p:sp>
+      <p:cxnSp>
+        <p:nvCxnSpPr>
+          <p:cNvPr id="117" name="Google Shape;117;p21"/>
+          <p:cNvCxnSpPr/>
+          <p:nvPr/>
+        </p:nvCxnSpPr>
+        <p:spPr>
+          <a:xfrm>
+            <a:off x="838200" y="1400175"/>
+            <a:ext cx="9163050" cy="0"/>
+          </a:xfrm>
+          <a:prstGeom prst="straightConnector1">
+            <a:avLst/>
+          </a:prstGeom>
+          <a:noFill/>
+          <a:ln w="38100" cap="flat" cmpd="sng">
+            <a:solidFill>
+              <a:srgbClr val="174473"/>
+            </a:solidFill>
+            <a:prstDash val="solid"/>
+            <a:round/>
+            <a:headEnd type="none" w="sm" len="sm"/>
+            <a:tailEnd type="none" w="sm" len="sm"/>
+          </a:ln>
+        </p:spPr>
+      </p:cxnSp>
+      <p:pic>
+        <p:nvPicPr>
+          <p:cNvPr id="7" name="图片 6">
+            <a:extLst>
+              <a:ext uri="{FF2B5EF4-FFF2-40B4-BE49-F238E27FC236}">
+                <a16:creationId xmlns:a16="http://schemas.microsoft.com/office/drawing/2014/main" id="{684CFDA2-8D4A-43D1-BC8A-79D2E6DDAFA2}"/>
+              </a:ext>
+            </a:extLst>
+          </p:cNvPr>
+          <p:cNvPicPr>
+            <a:picLocks noChangeAspect="1"/>
+          </p:cNvPicPr>
+          <p:nvPr/>
+        </p:nvPicPr>
+        <p:blipFill>
+          <a:blip r:embed="rId3"/>
+          <a:stretch>
+            <a:fillRect/>
+          </a:stretch>
+        </p:blipFill>
+        <p:spPr>
+          <a:xfrm>
+            <a:off x="6546705" y="1584156"/>
+            <a:ext cx="4062112" cy="5140327"/>
+          </a:xfrm>
+          <a:prstGeom prst="rect">
+            <a:avLst/>
+          </a:prstGeom>
+        </p:spPr>
+      </p:pic>
+      <p:sp>
+        <p:nvSpPr>
+          <p:cNvPr id="10" name="Google Shape;105;ge9f2884d2e_2_8">
+            <a:extLst>
+              <a:ext uri="{FF2B5EF4-FFF2-40B4-BE49-F238E27FC236}">
+                <a16:creationId xmlns:a16="http://schemas.microsoft.com/office/drawing/2014/main" id="{A0734097-07FB-45BB-9841-BE81F23DACFB}"/>
+              </a:ext>
+            </a:extLst>
+          </p:cNvPr>
+          <p:cNvSpPr txBox="1"/>
+          <p:nvPr/>
+        </p:nvSpPr>
+        <p:spPr>
+          <a:xfrm>
+            <a:off x="838199" y="1566660"/>
+            <a:ext cx="5633621" cy="821733"/>
+          </a:xfrm>
+          <a:prstGeom prst="rect">
+            <a:avLst/>
+          </a:prstGeom>
+          <a:noFill/>
+          <a:ln>
+            <a:noFill/>
+          </a:ln>
+        </p:spPr>
+        <p:txBody>
+          <a:bodyPr spcFirstLastPara="1" wrap="square" lIns="91425" tIns="91425" rIns="91425" bIns="91425" anchor="t" anchorCtr="0">
+            <a:spAutoFit/>
+          </a:bodyPr>
+          <a:lstStyle/>
+          <a:p>
+            <a:pPr>
+              <a:lnSpc>
+                <a:spcPct val="115000"/>
+              </a:lnSpc>
+            </a:pPr>
+            <a:r>
+              <a:rPr lang="en-US" altLang="zh-CN" sz="1800" dirty="0">
+                <a:solidFill>
+                  <a:schemeClr val="dk1"/>
+                </a:solidFill>
+              </a:rPr>
+              <a:t>A B bistable: steady state / a limit cycle solution</a:t>
+            </a:r>
+          </a:p>
+          <a:p>
+            <a:pPr>
+              <a:lnSpc>
+                <a:spcPct val="115000"/>
+              </a:lnSpc>
+            </a:pPr>
+            <a:endParaRPr lang="en-US" altLang="zh-CN" sz="1800" dirty="0">
+              <a:solidFill>
+                <a:schemeClr val="dk1"/>
+              </a:solidFill>
+            </a:endParaRPr>
+          </a:p>
+        </p:txBody>
+      </p:sp>
+      <p:pic>
+        <p:nvPicPr>
+          <p:cNvPr id="9" name="图片 8">
+            <a:extLst>
+              <a:ext uri="{FF2B5EF4-FFF2-40B4-BE49-F238E27FC236}">
+                <a16:creationId xmlns:a16="http://schemas.microsoft.com/office/drawing/2014/main" id="{94F0AD16-BCAC-4786-9FD1-F6B954CF4AE5}"/>
+              </a:ext>
+            </a:extLst>
+          </p:cNvPr>
+          <p:cNvPicPr>
+            <a:picLocks noChangeAspect="1"/>
+          </p:cNvPicPr>
+          <p:nvPr/>
+        </p:nvPicPr>
+        <p:blipFill>
+          <a:blip r:embed="rId4"/>
+          <a:stretch>
+            <a:fillRect/>
+          </a:stretch>
+        </p:blipFill>
+        <p:spPr>
+          <a:xfrm>
+            <a:off x="671004" y="2120698"/>
+            <a:ext cx="2895600" cy="1543050"/>
+          </a:xfrm>
+          <a:prstGeom prst="rect">
+            <a:avLst/>
+          </a:prstGeom>
+        </p:spPr>
+      </p:pic>
+      <p:pic>
+        <p:nvPicPr>
+          <p:cNvPr id="12" name="图片 11">
+            <a:extLst>
+              <a:ext uri="{FF2B5EF4-FFF2-40B4-BE49-F238E27FC236}">
+                <a16:creationId xmlns:a16="http://schemas.microsoft.com/office/drawing/2014/main" id="{2DAD78F1-2865-47C9-922C-76A9A14639A5}"/>
+              </a:ext>
+            </a:extLst>
+          </p:cNvPr>
+          <p:cNvPicPr>
+            <a:picLocks noChangeAspect="1"/>
+          </p:cNvPicPr>
+          <p:nvPr/>
+        </p:nvPicPr>
+        <p:blipFill>
+          <a:blip r:embed="rId5"/>
+          <a:stretch>
+            <a:fillRect/>
+          </a:stretch>
+        </p:blipFill>
+        <p:spPr>
+          <a:xfrm>
+            <a:off x="4572000" y="3017330"/>
+            <a:ext cx="847725" cy="257175"/>
+          </a:xfrm>
+          <a:prstGeom prst="rect">
+            <a:avLst/>
+          </a:prstGeom>
+        </p:spPr>
+      </p:pic>
+      <mc:AlternateContent xmlns:mc="http://schemas.openxmlformats.org/markup-compatibility/2006">
+        <mc:Choice xmlns:a14="http://schemas.microsoft.com/office/drawing/2010/main" Requires="a14">
+          <p:sp>
+            <p:nvSpPr>
+              <p:cNvPr id="16" name="文本框 15">
+                <a:extLst>
+                  <a:ext uri="{FF2B5EF4-FFF2-40B4-BE49-F238E27FC236}">
+                    <a16:creationId xmlns:a16="http://schemas.microsoft.com/office/drawing/2014/main" id="{B6F39975-3F23-426A-A010-AF250213045C}"/>
+                  </a:ext>
+                </a:extLst>
+              </p:cNvPr>
+              <p:cNvSpPr txBox="1"/>
+              <p:nvPr/>
+            </p:nvSpPr>
+            <p:spPr>
+              <a:xfrm>
+                <a:off x="3697804" y="2067397"/>
+                <a:ext cx="3056507" cy="562718"/>
+              </a:xfrm>
+              <a:prstGeom prst="rect">
+                <a:avLst/>
+              </a:prstGeom>
+              <a:noFill/>
+            </p:spPr>
+            <p:txBody>
+              <a:bodyPr wrap="square">
+                <a:spAutoFit/>
+              </a:bodyPr>
+              <a:lstStyle/>
+              <a:p>
+                <a:pPr>
+                  <a:lnSpc>
+                    <a:spcPct val="115000"/>
+                  </a:lnSpc>
+                </a:pPr>
+                <a14:m>
+                  <m:oMathPara xmlns:m="http://schemas.openxmlformats.org/officeDocument/2006/math">
+                    <m:oMathParaPr>
+                      <m:jc m:val="centerGroup"/>
+                    </m:oMathParaPr>
+                    <m:oMath xmlns:m="http://schemas.openxmlformats.org/officeDocument/2006/math">
+                      <m:sSub>
+                        <m:sSubPr>
+                          <m:ctrlPr>
+                            <a:rPr lang="en-US" altLang="zh-CN" b="0" i="1" smtClean="0">
+                              <a:solidFill>
+                                <a:schemeClr val="dk1"/>
+                              </a:solidFill>
+                              <a:latin typeface="Cambria Math" panose="02040503050406030204" pitchFamily="18" charset="0"/>
+                            </a:rPr>
+                          </m:ctrlPr>
+                        </m:sSubPr>
+                        <m:e>
+                          <m:r>
+                            <a:rPr lang="en-US" altLang="zh-CN" b="0" i="1" smtClean="0">
+                              <a:solidFill>
+                                <a:schemeClr val="dk1"/>
+                              </a:solidFill>
+                              <a:latin typeface="Cambria Math" panose="02040503050406030204" pitchFamily="18" charset="0"/>
+                            </a:rPr>
+                            <m:t>𝜏</m:t>
+                          </m:r>
+                        </m:e>
+                        <m:sub>
+                          <m:r>
+                            <a:rPr lang="en-US" altLang="zh-CN" b="0" i="1" smtClean="0">
+                              <a:solidFill>
+                                <a:schemeClr val="dk1"/>
+                              </a:solidFill>
+                              <a:latin typeface="Cambria Math" panose="02040503050406030204" pitchFamily="18" charset="0"/>
+                            </a:rPr>
+                            <m:t>𝑚</m:t>
+                          </m:r>
+                        </m:sub>
+                      </m:sSub>
+                      <m:f>
+                        <m:fPr>
+                          <m:ctrlPr>
+                            <a:rPr lang="en-US" altLang="zh-CN" b="0" i="1" smtClean="0">
+                              <a:solidFill>
+                                <a:schemeClr val="dk1"/>
+                              </a:solidFill>
+                              <a:latin typeface="Cambria Math" panose="02040503050406030204" pitchFamily="18" charset="0"/>
+                            </a:rPr>
+                          </m:ctrlPr>
+                        </m:fPr>
+                        <m:num>
+                          <m:r>
+                            <a:rPr lang="en-US" altLang="zh-CN" b="0" i="1" smtClean="0">
+                              <a:solidFill>
+                                <a:schemeClr val="dk1"/>
+                              </a:solidFill>
+                              <a:latin typeface="Cambria Math" panose="02040503050406030204" pitchFamily="18" charset="0"/>
+                            </a:rPr>
+                            <m:t>𝑑</m:t>
+                          </m:r>
+                          <m:sSub>
+                            <m:sSubPr>
+                              <m:ctrlPr>
+                                <a:rPr lang="en-US" altLang="zh-CN" b="0" i="1" smtClean="0">
+                                  <a:solidFill>
+                                    <a:schemeClr val="dk1"/>
+                                  </a:solidFill>
+                                  <a:latin typeface="Cambria Math" panose="02040503050406030204" pitchFamily="18" charset="0"/>
+                                </a:rPr>
+                              </m:ctrlPr>
+                            </m:sSubPr>
+                            <m:e>
+                              <m:r>
+                                <a:rPr lang="en-US" altLang="zh-CN" b="0" i="1" smtClean="0">
+                                  <a:solidFill>
+                                    <a:schemeClr val="dk1"/>
+                                  </a:solidFill>
+                                  <a:latin typeface="Cambria Math" panose="02040503050406030204" pitchFamily="18" charset="0"/>
+                                </a:rPr>
+                                <m:t>𝑉</m:t>
+                              </m:r>
+                            </m:e>
+                            <m:sub>
+                              <m:r>
+                                <a:rPr lang="en-US" altLang="zh-CN" b="0" i="1" smtClean="0">
+                                  <a:solidFill>
+                                    <a:schemeClr val="dk1"/>
+                                  </a:solidFill>
+                                  <a:latin typeface="Cambria Math" panose="02040503050406030204" pitchFamily="18" charset="0"/>
+                                </a:rPr>
+                                <m:t>𝑖</m:t>
+                              </m:r>
+                            </m:sub>
+                          </m:sSub>
+                        </m:num>
+                        <m:den>
+                          <m:r>
+                            <a:rPr lang="en-US" altLang="zh-CN" b="0" i="1" smtClean="0">
+                              <a:solidFill>
+                                <a:schemeClr val="dk1"/>
+                              </a:solidFill>
+                              <a:latin typeface="Cambria Math" panose="02040503050406030204" pitchFamily="18" charset="0"/>
+                            </a:rPr>
+                            <m:t>𝑑𝑡</m:t>
+                          </m:r>
+                        </m:den>
+                      </m:f>
+                      <m:r>
+                        <a:rPr lang="en-US" altLang="zh-CN" b="0" i="1" smtClean="0">
+                          <a:solidFill>
+                            <a:schemeClr val="dk1"/>
+                          </a:solidFill>
+                          <a:latin typeface="Cambria Math" panose="02040503050406030204" pitchFamily="18" charset="0"/>
+                        </a:rPr>
+                        <m:t>=−</m:t>
+                      </m:r>
+                      <m:sSub>
+                        <m:sSubPr>
+                          <m:ctrlPr>
+                            <a:rPr lang="en-US" altLang="zh-CN" b="0" i="1" smtClean="0">
+                              <a:solidFill>
+                                <a:schemeClr val="dk1"/>
+                              </a:solidFill>
+                              <a:latin typeface="Cambria Math" panose="02040503050406030204" pitchFamily="18" charset="0"/>
+                            </a:rPr>
+                          </m:ctrlPr>
+                        </m:sSubPr>
+                        <m:e>
+                          <m:r>
+                            <a:rPr lang="en-US" altLang="zh-CN" b="0" i="1" smtClean="0">
+                              <a:solidFill>
+                                <a:schemeClr val="dk1"/>
+                              </a:solidFill>
+                              <a:latin typeface="Cambria Math" panose="02040503050406030204" pitchFamily="18" charset="0"/>
+                            </a:rPr>
+                            <m:t>𝑉</m:t>
+                          </m:r>
+                        </m:e>
+                        <m:sub>
+                          <m:r>
+                            <a:rPr lang="en-US" altLang="zh-CN" b="0" i="1" smtClean="0">
+                              <a:solidFill>
+                                <a:schemeClr val="dk1"/>
+                              </a:solidFill>
+                              <a:latin typeface="Cambria Math" panose="02040503050406030204" pitchFamily="18" charset="0"/>
+                            </a:rPr>
+                            <m:t>𝑖</m:t>
+                          </m:r>
+                        </m:sub>
+                      </m:sSub>
+                      <m:r>
+                        <a:rPr lang="en-US" altLang="zh-CN" b="0" i="1" smtClean="0">
+                          <a:solidFill>
+                            <a:schemeClr val="dk1"/>
+                          </a:solidFill>
+                          <a:latin typeface="Cambria Math" panose="02040503050406030204" pitchFamily="18" charset="0"/>
+                        </a:rPr>
+                        <m:t>+</m:t>
+                      </m:r>
+                      <m:sSubSup>
+                        <m:sSubSupPr>
+                          <m:ctrlPr>
+                            <a:rPr lang="en-US" altLang="zh-CN" b="0" i="1" smtClean="0">
+                              <a:solidFill>
+                                <a:schemeClr val="dk1"/>
+                              </a:solidFill>
+                              <a:latin typeface="Cambria Math" panose="02040503050406030204" pitchFamily="18" charset="0"/>
+                            </a:rPr>
+                          </m:ctrlPr>
+                        </m:sSubSupPr>
+                        <m:e>
+                          <m:r>
+                            <a:rPr lang="en-US" altLang="zh-CN" b="0" i="1" smtClean="0">
+                              <a:solidFill>
+                                <a:schemeClr val="dk1"/>
+                              </a:solidFill>
+                              <a:latin typeface="Cambria Math" panose="02040503050406030204" pitchFamily="18" charset="0"/>
+                            </a:rPr>
+                            <m:t>𝐼</m:t>
+                          </m:r>
+                        </m:e>
+                        <m:sub>
+                          <m:r>
+                            <a:rPr lang="en-US" altLang="zh-CN" b="0" i="1" smtClean="0">
+                              <a:solidFill>
+                                <a:schemeClr val="dk1"/>
+                              </a:solidFill>
+                              <a:latin typeface="Cambria Math" panose="02040503050406030204" pitchFamily="18" charset="0"/>
+                            </a:rPr>
+                            <m:t>𝑖</m:t>
+                          </m:r>
+                        </m:sub>
+                        <m:sup>
+                          <m:d>
+                            <m:dPr>
+                              <m:ctrlPr>
+                                <a:rPr lang="en-US" altLang="zh-CN" b="0" i="1" smtClean="0">
+                                  <a:solidFill>
+                                    <a:schemeClr val="dk1"/>
+                                  </a:solidFill>
+                                  <a:latin typeface="Cambria Math" panose="02040503050406030204" pitchFamily="18" charset="0"/>
+                                </a:rPr>
+                              </m:ctrlPr>
+                            </m:dPr>
+                            <m:e>
+                              <m:r>
+                                <a:rPr lang="en-US" altLang="zh-CN" b="0" i="1" smtClean="0">
+                                  <a:solidFill>
+                                    <a:schemeClr val="dk1"/>
+                                  </a:solidFill>
+                                  <a:latin typeface="Cambria Math" panose="02040503050406030204" pitchFamily="18" charset="0"/>
+                                </a:rPr>
+                                <m:t>𝑟𝑒𝑐</m:t>
+                              </m:r>
+                            </m:e>
+                          </m:d>
+                        </m:sup>
+                      </m:sSubSup>
+                      <m:d>
+                        <m:dPr>
+                          <m:ctrlPr>
+                            <a:rPr lang="en-US" altLang="zh-CN" b="0" i="1" smtClean="0">
+                              <a:solidFill>
+                                <a:schemeClr val="dk1"/>
+                              </a:solidFill>
+                              <a:latin typeface="Cambria Math" panose="02040503050406030204" pitchFamily="18" charset="0"/>
+                            </a:rPr>
+                          </m:ctrlPr>
+                        </m:dPr>
+                        <m:e>
+                          <m:r>
+                            <a:rPr lang="en-US" altLang="zh-CN" b="0" i="1" smtClean="0">
+                              <a:solidFill>
+                                <a:schemeClr val="dk1"/>
+                              </a:solidFill>
+                              <a:latin typeface="Cambria Math" panose="02040503050406030204" pitchFamily="18" charset="0"/>
+                            </a:rPr>
+                            <m:t>𝑡</m:t>
+                          </m:r>
+                        </m:e>
+                      </m:d>
+                      <m:r>
+                        <a:rPr lang="en-US" altLang="zh-CN" b="0" i="1" smtClean="0">
+                          <a:solidFill>
+                            <a:schemeClr val="dk1"/>
+                          </a:solidFill>
+                          <a:latin typeface="Cambria Math" panose="02040503050406030204" pitchFamily="18" charset="0"/>
+                        </a:rPr>
+                        <m:t>+</m:t>
+                      </m:r>
+                      <m:sSubSup>
+                        <m:sSubSupPr>
+                          <m:ctrlPr>
+                            <a:rPr lang="en-US" altLang="zh-CN" b="0" i="1" smtClean="0">
+                              <a:solidFill>
+                                <a:schemeClr val="dk1"/>
+                              </a:solidFill>
+                              <a:latin typeface="Cambria Math" panose="02040503050406030204" pitchFamily="18" charset="0"/>
+                            </a:rPr>
+                          </m:ctrlPr>
+                        </m:sSubSupPr>
+                        <m:e>
+                          <m:r>
+                            <a:rPr lang="en-US" altLang="zh-CN" b="0" i="1" smtClean="0">
+                              <a:solidFill>
+                                <a:schemeClr val="dk1"/>
+                              </a:solidFill>
+                              <a:latin typeface="Cambria Math" panose="02040503050406030204" pitchFamily="18" charset="0"/>
+                            </a:rPr>
+                            <m:t>𝐼</m:t>
+                          </m:r>
+                        </m:e>
+                        <m:sub>
+                          <m:r>
+                            <a:rPr lang="en-US" altLang="zh-CN" b="0" i="1" smtClean="0">
+                              <a:solidFill>
+                                <a:schemeClr val="dk1"/>
+                              </a:solidFill>
+                              <a:latin typeface="Cambria Math" panose="02040503050406030204" pitchFamily="18" charset="0"/>
+                            </a:rPr>
+                            <m:t>𝑖</m:t>
+                          </m:r>
+                        </m:sub>
+                        <m:sup>
+                          <m:r>
+                            <a:rPr lang="en-US" altLang="zh-CN" b="0" i="1" smtClean="0">
+                              <a:solidFill>
+                                <a:schemeClr val="dk1"/>
+                              </a:solidFill>
+                              <a:latin typeface="Cambria Math" panose="02040503050406030204" pitchFamily="18" charset="0"/>
+                            </a:rPr>
+                            <m:t>(</m:t>
+                          </m:r>
+                          <m:r>
+                            <a:rPr lang="en-US" altLang="zh-CN" b="0" i="1" smtClean="0">
+                              <a:solidFill>
+                                <a:schemeClr val="dk1"/>
+                              </a:solidFill>
+                              <a:latin typeface="Cambria Math" panose="02040503050406030204" pitchFamily="18" charset="0"/>
+                            </a:rPr>
+                            <m:t>𝑒𝑥𝑡</m:t>
+                          </m:r>
+                          <m:r>
+                            <a:rPr lang="en-US" altLang="zh-CN" b="0" i="1" smtClean="0">
+                              <a:solidFill>
+                                <a:schemeClr val="dk1"/>
+                              </a:solidFill>
+                              <a:latin typeface="Cambria Math" panose="02040503050406030204" pitchFamily="18" charset="0"/>
+                            </a:rPr>
+                            <m:t>)</m:t>
+                          </m:r>
+                        </m:sup>
+                      </m:sSubSup>
+                      <m:r>
+                        <a:rPr lang="en-US" altLang="zh-CN" b="0" i="1" smtClean="0">
+                          <a:solidFill>
+                            <a:schemeClr val="dk1"/>
+                          </a:solidFill>
+                          <a:latin typeface="Cambria Math" panose="02040503050406030204" pitchFamily="18" charset="0"/>
+                        </a:rPr>
+                        <m:t>(</m:t>
+                      </m:r>
+                      <m:r>
+                        <a:rPr lang="en-US" altLang="zh-CN" b="0" i="1" smtClean="0">
+                          <a:solidFill>
+                            <a:schemeClr val="dk1"/>
+                          </a:solidFill>
+                          <a:latin typeface="Cambria Math" panose="02040503050406030204" pitchFamily="18" charset="0"/>
+                        </a:rPr>
+                        <m:t>𝑡</m:t>
+                      </m:r>
+                      <m:r>
+                        <a:rPr lang="en-US" altLang="zh-CN" b="0" i="1" smtClean="0">
+                          <a:solidFill>
+                            <a:schemeClr val="dk1"/>
+                          </a:solidFill>
+                          <a:latin typeface="Cambria Math" panose="02040503050406030204" pitchFamily="18" charset="0"/>
+                        </a:rPr>
+                        <m:t>)</m:t>
+                      </m:r>
+                    </m:oMath>
+                  </m:oMathPara>
+                </a14:m>
+                <a:endParaRPr lang="en-US" altLang="zh-CN" b="0" i="1" dirty="0">
+                  <a:solidFill>
+                    <a:schemeClr val="dk1"/>
+                  </a:solidFill>
+                  <a:latin typeface="Cambria Math" panose="02040503050406030204" pitchFamily="18" charset="0"/>
+                </a:endParaRPr>
+              </a:p>
+            </p:txBody>
+          </p:sp>
+        </mc:Choice>
+        <mc:Fallback>
+          <p:sp>
+            <p:nvSpPr>
+              <p:cNvPr id="16" name="文本框 15">
+                <a:extLst>
+                  <a:ext uri="{FF2B5EF4-FFF2-40B4-BE49-F238E27FC236}">
+                    <a16:creationId xmlns:a16="http://schemas.microsoft.com/office/drawing/2014/main" id="{B6F39975-3F23-426A-A010-AF250213045C}"/>
+                  </a:ext>
+                </a:extLst>
+              </p:cNvPr>
+              <p:cNvSpPr txBox="1">
+                <a:spLocks noRot="1" noChangeAspect="1" noMove="1" noResize="1" noEditPoints="1" noAdjustHandles="1" noChangeArrowheads="1" noChangeShapeType="1" noTextEdit="1"/>
+              </p:cNvSpPr>
+              <p:nvPr/>
+            </p:nvSpPr>
+            <p:spPr>
+              <a:xfrm>
+                <a:off x="3697804" y="2067397"/>
+                <a:ext cx="3056507" cy="562718"/>
+              </a:xfrm>
+              <a:prstGeom prst="rect">
+                <a:avLst/>
+              </a:prstGeom>
+              <a:blipFill>
+                <a:blip r:embed="rId6"/>
+                <a:stretch>
+                  <a:fillRect/>
+                </a:stretch>
+              </a:blipFill>
+            </p:spPr>
+            <p:txBody>
+              <a:bodyPr/>
+              <a:lstStyle/>
+              <a:p>
+                <a:r>
+                  <a:rPr lang="zh-CN" altLang="en-US">
+                    <a:noFill/>
+                  </a:rPr>
+                  <a:t> </a:t>
+                </a:r>
+              </a:p>
+            </p:txBody>
+          </p:sp>
+        </mc:Fallback>
+      </mc:AlternateContent>
+      <p:cxnSp>
+        <p:nvCxnSpPr>
+          <p:cNvPr id="15" name="直接箭头连接符 14">
+            <a:extLst>
+              <a:ext uri="{FF2B5EF4-FFF2-40B4-BE49-F238E27FC236}">
+                <a16:creationId xmlns:a16="http://schemas.microsoft.com/office/drawing/2014/main" id="{33E45705-F713-4A50-A6C4-CE7ED62AEFE5}"/>
+              </a:ext>
+            </a:extLst>
+          </p:cNvPr>
+          <p:cNvCxnSpPr>
+            <a:cxnSpLocks/>
+          </p:cNvCxnSpPr>
+          <p:nvPr/>
+        </p:nvCxnSpPr>
+        <p:spPr>
+          <a:xfrm flipV="1">
+            <a:off x="3612356" y="2383293"/>
+            <a:ext cx="170895" cy="5100"/>
+          </a:xfrm>
+          <a:prstGeom prst="straightConnector1">
+            <a:avLst/>
+          </a:prstGeom>
+          <a:ln w="28575">
+            <a:solidFill>
+              <a:schemeClr val="accent1"/>
+            </a:solidFill>
+            <a:tailEnd type="triangle"/>
+          </a:ln>
+        </p:spPr>
+        <p:style>
+          <a:lnRef idx="1">
+            <a:schemeClr val="accent1"/>
+          </a:lnRef>
+          <a:fillRef idx="0">
+            <a:schemeClr val="accent1"/>
+          </a:fillRef>
+          <a:effectRef idx="0">
+            <a:schemeClr val="accent1"/>
+          </a:effectRef>
+          <a:fontRef idx="minor">
+            <a:schemeClr val="tx1"/>
+          </a:fontRef>
+        </p:style>
+      </p:cxnSp>
+      <p:sp>
+        <p:nvSpPr>
+          <p:cNvPr id="23" name="文本框 22">
+            <a:extLst>
+              <a:ext uri="{FF2B5EF4-FFF2-40B4-BE49-F238E27FC236}">
+                <a16:creationId xmlns:a16="http://schemas.microsoft.com/office/drawing/2014/main" id="{4CD0F421-7B33-4CCF-A897-2724B237AA36}"/>
+              </a:ext>
+            </a:extLst>
+          </p:cNvPr>
+          <p:cNvSpPr txBox="1"/>
+          <p:nvPr/>
+        </p:nvSpPr>
+        <p:spPr>
+          <a:xfrm>
+            <a:off x="452185" y="5400714"/>
+            <a:ext cx="6094520" cy="738664"/>
+          </a:xfrm>
+          <a:prstGeom prst="rect">
+            <a:avLst/>
+          </a:prstGeom>
+          <a:noFill/>
+        </p:spPr>
+        <p:txBody>
+          <a:bodyPr wrap="square">
+            <a:spAutoFit/>
+          </a:bodyPr>
+          <a:lstStyle/>
+          <a:p>
+            <a:r>
+              <a:rPr lang="zh-CN" altLang="en-US" dirty="0"/>
+              <a:t>Bifurcation diagram showing E as a function of E0. Solid and dashed lines mark stable and unstable steady states respectively. The shaded area denotes the range of external input with a stable limit cycle solution.</a:t>
+            </a:r>
+          </a:p>
+        </p:txBody>
+      </p:sp>
+      <p:pic>
+        <p:nvPicPr>
+          <p:cNvPr id="24" name="图片 23">
+            <a:extLst>
+              <a:ext uri="{FF2B5EF4-FFF2-40B4-BE49-F238E27FC236}">
+                <a16:creationId xmlns:a16="http://schemas.microsoft.com/office/drawing/2014/main" id="{0FB58A8E-0F5E-43BC-B93B-8F92D12F4075}"/>
+              </a:ext>
+            </a:extLst>
+          </p:cNvPr>
+          <p:cNvPicPr>
+            <a:picLocks noChangeAspect="1"/>
+          </p:cNvPicPr>
+          <p:nvPr/>
+        </p:nvPicPr>
+        <p:blipFill>
+          <a:blip r:embed="rId7"/>
+          <a:stretch>
+            <a:fillRect/>
+          </a:stretch>
+        </p:blipFill>
+        <p:spPr>
+          <a:xfrm>
+            <a:off x="1959768" y="3830609"/>
+            <a:ext cx="3105150" cy="371475"/>
+          </a:xfrm>
+          <a:prstGeom prst="rect">
+            <a:avLst/>
+          </a:prstGeom>
+        </p:spPr>
+      </p:pic>
+      <p:pic>
+        <p:nvPicPr>
+          <p:cNvPr id="25" name="图片 24">
+            <a:extLst>
+              <a:ext uri="{FF2B5EF4-FFF2-40B4-BE49-F238E27FC236}">
+                <a16:creationId xmlns:a16="http://schemas.microsoft.com/office/drawing/2014/main" id="{35081749-F943-4DDE-BEB4-B85A46CBB262}"/>
+              </a:ext>
+            </a:extLst>
+          </p:cNvPr>
+          <p:cNvPicPr>
+            <a:picLocks noChangeAspect="1"/>
+          </p:cNvPicPr>
+          <p:nvPr/>
+        </p:nvPicPr>
+        <p:blipFill>
+          <a:blip r:embed="rId8"/>
+          <a:stretch>
+            <a:fillRect/>
+          </a:stretch>
+        </p:blipFill>
+        <p:spPr>
+          <a:xfrm>
+            <a:off x="2361207" y="4304124"/>
+            <a:ext cx="2276475" cy="314325"/>
+          </a:xfrm>
+          <a:prstGeom prst="rect">
+            <a:avLst/>
+          </a:prstGeom>
+        </p:spPr>
+      </p:pic>
+      <p:pic>
+        <p:nvPicPr>
+          <p:cNvPr id="26" name="图片 25">
+            <a:extLst>
+              <a:ext uri="{FF2B5EF4-FFF2-40B4-BE49-F238E27FC236}">
+                <a16:creationId xmlns:a16="http://schemas.microsoft.com/office/drawing/2014/main" id="{5C45EFE9-5D5F-4A3B-8BB5-30F351DAE55F}"/>
+              </a:ext>
+            </a:extLst>
+          </p:cNvPr>
+          <p:cNvPicPr>
+            <a:picLocks noChangeAspect="1"/>
+          </p:cNvPicPr>
+          <p:nvPr/>
+        </p:nvPicPr>
+        <p:blipFill>
+          <a:blip r:embed="rId9"/>
+          <a:stretch>
+            <a:fillRect/>
+          </a:stretch>
+        </p:blipFill>
+        <p:spPr>
+          <a:xfrm>
+            <a:off x="1959768" y="4828890"/>
+            <a:ext cx="3305175" cy="504825"/>
+          </a:xfrm>
+          <a:prstGeom prst="rect">
+            <a:avLst/>
+          </a:prstGeom>
+        </p:spPr>
+      </p:pic>
+    </p:spTree>
+  </p:cSld>
+  <p:clrMapOvr>
+    <a:masterClrMapping/>
+  </p:clrMapOvr>
+</p:sld>
+</file>
+
+<file path=ppt/slides/slide12.xml><?xml version="1.0" encoding="utf-8"?>
+<p:sld xmlns:a="http://schemas.openxmlformats.org/drawingml/2006/main" xmlns:r="http://schemas.openxmlformats.org/officeDocument/2006/relationships" xmlns:p="http://schemas.openxmlformats.org/presentationml/2006/main">
+  <p:cSld>
+    <p:spTree>
+      <p:nvGrpSpPr>
         <p:cNvPr id="1" name="Shape 115"/>
         <p:cNvGrpSpPr/>
         <p:nvPr/>
@@ -15269,8 +16625,8 @@
         </p:nvSpPr>
         <p:spPr>
           <a:xfrm>
-            <a:off x="838200" y="2381036"/>
-            <a:ext cx="6983027" cy="2095928"/>
+            <a:off x="790484" y="2017859"/>
+            <a:ext cx="6983027" cy="2733026"/>
           </a:xfrm>
           <a:prstGeom prst="rect">
             <a:avLst/>
@@ -15297,21 +16653,14 @@
                   <a:schemeClr val="dk1"/>
                 </a:solidFill>
               </a:rPr>
-              <a:t>•  More explanation about the simulation, Bifurcation analysis</a:t>
+              <a:t>•  Do I understand this paper correctly? Is calcium levels really a good explanation for memory recall in PFC?</a:t>
             </a:r>
           </a:p>
           <a:p>
-            <a:pPr marL="0" lvl="0" indent="0" algn="l" rtl="0">
+            <a:pPr>
               <a:lnSpc>
                 <a:spcPct val="115000"/>
               </a:lnSpc>
-              <a:spcBef>
-                <a:spcPts val="0"/>
-              </a:spcBef>
-              <a:spcAft>
-                <a:spcPts val="0"/>
-              </a:spcAft>
-              <a:buNone/>
             </a:pPr>
             <a:endParaRPr lang="en-US" altLang="zh-CN" sz="1800" dirty="0">
               <a:solidFill>
@@ -15331,7 +16680,7 @@
                   <a:schemeClr val="dk1"/>
                 </a:solidFill>
               </a:rPr>
-              <a:t>•  Memory recall : The Ebbinghaus Forgetting Curve</a:t>
+              <a:t>•  Bifurcation analysis and more parameter tunning</a:t>
             </a:r>
           </a:p>
           <a:p>
@@ -15374,7 +16723,7 @@
                   <a:schemeClr val="dk1"/>
                 </a:solidFill>
               </a:rPr>
-              <a:t> by </a:t>
+              <a:t>, Memory recall (The Ebbinghaus Forgetting Curve) by </a:t>
             </a:r>
             <a:r>
               <a:rPr lang="en-US" altLang="zh-CN" sz="1800" dirty="0" err="1">
@@ -15384,11 +16733,14 @@
               </a:rPr>
               <a:t>brainpy</a:t>
             </a:r>
-            <a:endParaRPr lang="en-US" altLang="zh-CN" sz="1800" dirty="0">
-              <a:solidFill>
-                <a:schemeClr val="dk1"/>
-              </a:solidFill>
-            </a:endParaRPr>
+            <a:r>
+              <a:rPr lang="en-US" altLang="zh-CN" sz="1800" dirty="0">
+                <a:solidFill>
+                  <a:schemeClr val="dk1"/>
+                </a:solidFill>
+              </a:rPr>
+              <a:t> </a:t>
+            </a:r>
           </a:p>
           <a:p>
             <a:pPr>
@@ -15425,7 +16777,7 @@
         </p:blipFill>
         <p:spPr>
           <a:xfrm>
-            <a:off x="7892248" y="1857172"/>
+            <a:off x="7910003" y="1690688"/>
             <a:ext cx="3834703" cy="3184225"/>
           </a:xfrm>
           <a:prstGeom prst="rect">
@@ -15433,7 +16785,42 @@
           </a:prstGeom>
         </p:spPr>
       </p:pic>
+      <p:pic>
+        <p:nvPicPr>
+          <p:cNvPr id="5" name="图片 4">
+            <a:extLst>
+              <a:ext uri="{FF2B5EF4-FFF2-40B4-BE49-F238E27FC236}">
+                <a16:creationId xmlns:a16="http://schemas.microsoft.com/office/drawing/2014/main" id="{3AE18C20-4EE0-41DD-870D-36C2586FA96D}"/>
+              </a:ext>
+            </a:extLst>
+          </p:cNvPr>
+          <p:cNvPicPr>
+            <a:picLocks noChangeAspect="1"/>
+          </p:cNvPicPr>
+          <p:nvPr/>
+        </p:nvPicPr>
+        <p:blipFill>
+          <a:blip r:embed="rId4"/>
+          <a:stretch>
+            <a:fillRect/>
+          </a:stretch>
+        </p:blipFill>
+        <p:spPr>
+          <a:xfrm>
+            <a:off x="1547812" y="5041397"/>
+            <a:ext cx="9096375" cy="1666875"/>
+          </a:xfrm>
+          <a:prstGeom prst="rect">
+            <a:avLst/>
+          </a:prstGeom>
+        </p:spPr>
+      </p:pic>
     </p:spTree>
+    <p:extLst>
+      <p:ext uri="{BB962C8B-B14F-4D97-AF65-F5344CB8AC3E}">
+        <p14:creationId xmlns:p14="http://schemas.microsoft.com/office/powerpoint/2010/main" val="1406783527"/>
+      </p:ext>
+    </p:extLst>
   </p:cSld>
   <p:clrMapOvr>
     <a:masterClrMapping/>
@@ -15441,7 +16828,7 @@
 </p:sld>
 </file>
 
-<file path=ppt/slides/slide11.xml><?xml version="1.0" encoding="utf-8"?>
+<file path=ppt/slides/slide13.xml><?xml version="1.0" encoding="utf-8"?>
 <p:sld xmlns:a="http://schemas.openxmlformats.org/drawingml/2006/main" xmlns:r="http://schemas.openxmlformats.org/officeDocument/2006/relationships" xmlns:p="http://schemas.openxmlformats.org/presentationml/2006/main">
   <p:cSld>
     <p:spTree>
@@ -15573,71 +16960,58 @@
           <a:lstStyle/>
           <a:p>
             <a:r>
-              <a:rPr lang="zh-CN" altLang="en-US" sz="1800" dirty="0"/>
+              <a:rPr lang="en-GB" altLang="zh-CN" sz="1800" dirty="0"/>
               <a:t>Thank </a:t>
             </a:r>
             <a:r>
-              <a:rPr lang="en-US" altLang="zh-CN" sz="1800" dirty="0" err="1"/>
+              <a:rPr lang="en-GB" altLang="zh-CN" sz="1800" dirty="0" err="1"/>
+              <a:t>Chaoming</a:t>
+            </a:r>
+            <a:r>
+              <a:rPr lang="en-GB" altLang="zh-CN" sz="1800" dirty="0"/>
+              <a:t> Wang, </a:t>
+            </a:r>
+            <a:r>
+              <a:rPr lang="en-GB" altLang="zh-CN" sz="1800" dirty="0" err="1"/>
               <a:t>Zilong</a:t>
             </a:r>
             <a:r>
-              <a:rPr lang="en-US" altLang="zh-CN" sz="1800" dirty="0"/>
+              <a:rPr lang="en-GB" altLang="zh-CN" sz="1800" dirty="0"/>
               <a:t> Ji, </a:t>
             </a:r>
             <a:r>
-              <a:rPr lang="en-US" altLang="zh-CN" sz="1800" dirty="0" err="1"/>
-              <a:t>XiaoLiu</a:t>
+              <a:rPr lang="en-GB" altLang="zh-CN" sz="1800" dirty="0" err="1"/>
+              <a:t>XiaoLiu’s</a:t>
             </a:r>
             <a:r>
-              <a:rPr lang="en-US" altLang="zh-CN" sz="1800" dirty="0"/>
-              <a:t>, </a:t>
+              <a:rPr lang="en-GB" altLang="zh-CN" sz="1800" dirty="0"/>
+              <a:t> help for tutorials and the project. </a:t>
             </a:r>
-            <a:r>
-              <a:rPr lang="en-US" altLang="zh-CN" sz="1800" dirty="0" err="1"/>
-              <a:t>Chaoming</a:t>
-            </a:r>
-            <a:r>
-              <a:rPr lang="en-US" altLang="zh-CN" sz="1800" dirty="0"/>
-              <a:t> Wang’s help for tutorials and project.</a:t>
-            </a:r>
-            <a:r>
-              <a:rPr lang="zh-CN" altLang="en-US" sz="1800" dirty="0"/>
-              <a:t> </a:t>
-            </a:r>
-            <a:endParaRPr lang="en-US" altLang="zh-CN" sz="1800" dirty="0"/>
           </a:p>
           <a:p>
-            <a:endParaRPr lang="en-US" altLang="zh-CN" sz="1800" dirty="0"/>
+            <a:endParaRPr lang="en-GB" altLang="zh-CN" sz="1800" dirty="0"/>
           </a:p>
           <a:p>
             <a:r>
-              <a:rPr lang="en-US" altLang="zh-CN" sz="1800" dirty="0"/>
+              <a:rPr lang="en-GB" altLang="zh-CN" sz="1800" dirty="0"/>
               <a:t>Thank Professors for exciting lectures to broaden our horizon of CN and AI.</a:t>
             </a:r>
           </a:p>
           <a:p>
-            <a:endParaRPr lang="en-US" altLang="zh-CN" sz="1800" dirty="0"/>
+            <a:endParaRPr lang="en-GB" altLang="zh-CN" sz="1800" dirty="0"/>
           </a:p>
           <a:p>
             <a:r>
-              <a:rPr lang="en-US" altLang="zh-CN" sz="1800" dirty="0"/>
-              <a:t>Thank Prof. Si Wu, Jun Zhang .</a:t>
-            </a:r>
-            <a:r>
-              <a:rPr lang="en-US" altLang="zh-CN" sz="1800" dirty="0" err="1"/>
-              <a:t>etc</a:t>
-            </a:r>
-            <a:r>
-              <a:rPr lang="en-US" altLang="zh-CN" sz="1800" dirty="0"/>
-              <a:t> for organizing such a wonderful summer school.</a:t>
+              <a:rPr lang="en-GB" altLang="zh-CN" sz="1800" dirty="0"/>
+              <a:t>Thank Prof. Si Wu, Jun Zhang .etc for organizing such a wonderful summer school.</a:t>
             </a:r>
           </a:p>
           <a:p>
-            <a:endParaRPr lang="en-US" altLang="zh-CN" sz="1800" dirty="0"/>
+            <a:endParaRPr lang="en-GB" altLang="zh-CN" sz="1800" dirty="0"/>
           </a:p>
           <a:p>
             <a:r>
-              <a:rPr lang="en-US" altLang="zh-CN" sz="1800" dirty="0"/>
+              <a:rPr lang="en-GB" altLang="zh-CN" sz="1800" dirty="0"/>
               <a:t>Thank peers for discussing and having a good time in CSHA.</a:t>
             </a:r>
             <a:endParaRPr lang="zh-CN" altLang="en-US" sz="1800" dirty="0"/>
@@ -15652,7 +17026,7 @@
 </p:sld>
 </file>
 
-<file path=ppt/slides/slide12.xml><?xml version="1.0" encoding="utf-8"?>
+<file path=ppt/slides/slide14.xml><?xml version="1.0" encoding="utf-8"?>
 <p:sld xmlns:a="http://schemas.openxmlformats.org/drawingml/2006/main" xmlns:r="http://schemas.openxmlformats.org/officeDocument/2006/relationships" xmlns:p="http://schemas.openxmlformats.org/presentationml/2006/main">
   <p:cSld>
     <p:bg>
@@ -15966,7 +17340,7 @@
 </p:sld>
 </file>
 
-<file path=ppt/slides/slide13.xml><?xml version="1.0" encoding="utf-8"?>
+<file path=ppt/slides/slide15.xml><?xml version="1.0" encoding="utf-8"?>
 <p:sld xmlns:a="http://schemas.openxmlformats.org/drawingml/2006/main" xmlns:r="http://schemas.openxmlformats.org/officeDocument/2006/relationships" xmlns:p="http://schemas.openxmlformats.org/presentationml/2006/main">
   <p:cSld>
     <p:spTree>
@@ -16135,7 +17509,7 @@
               <a:buNone/>
             </a:pPr>
             <a:r>
-              <a:rPr lang="zh-CN" sz="1600" b="1" i="0" u="none" strike="noStrike" cap="none">
+              <a:rPr lang="zh-CN" sz="1600" b="1" i="0" u="none" strike="noStrike" cap="none" dirty="0">
                 <a:solidFill>
                   <a:srgbClr val="174473"/>
                 </a:solidFill>
@@ -16146,7 +17520,7 @@
               </a:rPr>
               <a:t>Memory for our AIBC2021～</a:t>
             </a:r>
-            <a:endParaRPr sz="1600" b="1" i="0" u="none" strike="noStrike" cap="none">
+            <a:endParaRPr sz="1600" b="1" i="0" u="none" strike="noStrike" cap="none" dirty="0">
               <a:solidFill>
                 <a:srgbClr val="174473"/>
               </a:solidFill>
@@ -16169,7 +17543,7 @@
               </a:spcAft>
               <a:buNone/>
             </a:pPr>
-            <a:endParaRPr sz="1600" b="1" i="0" u="none" strike="noStrike" cap="none">
+            <a:endParaRPr sz="1600" b="1" i="0" u="none" strike="noStrike" cap="none" dirty="0">
               <a:solidFill>
                 <a:srgbClr val="174473"/>
               </a:solidFill>
@@ -16193,7 +17567,7 @@
               <a:buNone/>
             </a:pPr>
             <a:r>
-              <a:rPr lang="zh-CN" sz="1600" b="1" i="0" u="none" strike="noStrike" cap="none">
+              <a:rPr lang="zh-CN" sz="1600" b="1" i="0" u="none" strike="noStrike" cap="none" dirty="0">
                 <a:solidFill>
                   <a:srgbClr val="174473"/>
                 </a:solidFill>
@@ -16205,7 +17579,7 @@
               <a:t>Do</a:t>
             </a:r>
             <a:r>
-              <a:rPr lang="zh-CN" sz="1600" b="1" i="0" u="none" strike="sngStrike" cap="none">
+              <a:rPr lang="zh-CN" sz="1600" b="1" i="0" u="none" strike="sngStrike" cap="none" dirty="0">
                 <a:solidFill>
                   <a:srgbClr val="174473"/>
                 </a:solidFill>
@@ -16217,7 +17591,7 @@
               <a:t>n‘t Qu</a:t>
             </a:r>
             <a:r>
-              <a:rPr lang="zh-CN" sz="1600" b="1" i="0" u="none" strike="noStrike" cap="none">
+              <a:rPr lang="zh-CN" sz="1600" b="1" i="0" u="none" strike="noStrike" cap="none" dirty="0">
                 <a:solidFill>
                   <a:srgbClr val="174473"/>
                 </a:solidFill>
@@ -16228,7 +17602,7 @@
               </a:rPr>
               <a:t>it！</a:t>
             </a:r>
-            <a:endParaRPr sz="1600" b="1" i="0" u="none" strike="noStrike" cap="none">
+            <a:endParaRPr sz="1600" b="1" i="0" u="none" strike="noStrike" cap="none" dirty="0">
               <a:solidFill>
                 <a:srgbClr val="174473"/>
               </a:solidFill>
@@ -16251,7 +17625,7 @@
               </a:spcAft>
               <a:buNone/>
             </a:pPr>
-            <a:endParaRPr sz="1600" b="1">
+            <a:endParaRPr sz="1600" b="1" dirty="0">
               <a:solidFill>
                 <a:srgbClr val="174473"/>
               </a:solidFill>
@@ -16276,14 +17650,14 @@
               <a:buNone/>
             </a:pPr>
             <a:r>
-              <a:rPr lang="zh-CN" sz="1800">
+              <a:rPr lang="zh-CN" sz="1800" dirty="0">
                 <a:solidFill>
                   <a:schemeClr val="dk1"/>
                 </a:solidFill>
               </a:rPr>
               <a:t>Tips：</a:t>
             </a:r>
-            <a:endParaRPr sz="1800">
+            <a:endParaRPr sz="1800" dirty="0">
               <a:solidFill>
                 <a:schemeClr val="dk1"/>
               </a:solidFill>
@@ -16308,14 +17682,14 @@
               <a:buNone/>
             </a:pPr>
             <a:r>
-              <a:rPr lang="zh-CN" sz="1800">
+              <a:rPr lang="zh-CN" sz="1800" dirty="0">
                 <a:solidFill>
                   <a:schemeClr val="dk1"/>
                 </a:solidFill>
               </a:rPr>
               <a:t>1，可以体现AI和Brain Computing的交叉</a:t>
             </a:r>
-            <a:endParaRPr sz="1800">
+            <a:endParaRPr sz="1800" dirty="0">
               <a:solidFill>
                 <a:schemeClr val="dk1"/>
               </a:solidFill>
@@ -16340,14 +17714,14 @@
               <a:buNone/>
             </a:pPr>
             <a:r>
-              <a:rPr lang="zh-CN" sz="1800">
+              <a:rPr lang="zh-CN" sz="1800" dirty="0">
                 <a:solidFill>
                   <a:schemeClr val="dk1"/>
                 </a:solidFill>
               </a:rPr>
               <a:t>2，可以体现2021的元素（今年是我们第一届summer school，是元年）</a:t>
             </a:r>
-            <a:endParaRPr sz="1800">
+            <a:endParaRPr sz="1800" dirty="0">
               <a:solidFill>
                 <a:schemeClr val="dk1"/>
               </a:solidFill>
@@ -16368,14 +17742,14 @@
               <a:buNone/>
             </a:pPr>
             <a:r>
-              <a:rPr lang="zh-CN" sz="1800">
+              <a:rPr lang="zh-CN" sz="1800" dirty="0">
                 <a:solidFill>
                   <a:schemeClr val="dk1"/>
                 </a:solidFill>
               </a:rPr>
               <a:t>3，可以体现online课程的特殊性</a:t>
             </a:r>
-            <a:endParaRPr sz="1800">
+            <a:endParaRPr sz="1800" dirty="0">
               <a:solidFill>
                 <a:schemeClr val="dk1"/>
               </a:solidFill>
@@ -16396,14 +17770,14 @@
               <a:buNone/>
             </a:pPr>
             <a:r>
-              <a:rPr lang="zh-CN" sz="1800">
+              <a:rPr lang="zh-CN" sz="1800" dirty="0">
                 <a:solidFill>
                   <a:schemeClr val="dk1"/>
                 </a:solidFill>
               </a:rPr>
               <a:t>4，可以体现你对AIBC2021的感受</a:t>
             </a:r>
-            <a:endParaRPr sz="1800">
+            <a:endParaRPr sz="1800" dirty="0">
               <a:solidFill>
                 <a:schemeClr val="dk1"/>
               </a:solidFill>
@@ -16428,14 +17802,14 @@
               <a:buNone/>
             </a:pPr>
             <a:r>
-              <a:rPr lang="zh-CN" sz="1800">
+              <a:rPr lang="zh-CN" sz="1800" dirty="0">
                 <a:solidFill>
                   <a:schemeClr val="dk1"/>
                 </a:solidFill>
               </a:rPr>
               <a:t>5，...</a:t>
             </a:r>
-            <a:endParaRPr sz="1800">
+            <a:endParaRPr sz="1800" dirty="0">
               <a:solidFill>
                 <a:schemeClr val="dk1"/>
               </a:solidFill>
@@ -16454,7 +17828,7 @@
               </a:spcAft>
               <a:buNone/>
             </a:pPr>
-            <a:endParaRPr sz="2400" b="1">
+            <a:endParaRPr sz="2400" b="1" dirty="0">
               <a:solidFill>
                 <a:srgbClr val="174473"/>
               </a:solidFill>
@@ -16623,7 +17997,7 @@
         <p:spPr>
           <a:xfrm>
             <a:off x="758300" y="1826927"/>
-            <a:ext cx="9406631" cy="3312158"/>
+            <a:ext cx="9406631" cy="4205736"/>
           </a:xfrm>
           <a:prstGeom prst="rect">
             <a:avLst/>
@@ -16692,7 +18066,7 @@
                   <a:schemeClr val="dk1"/>
                 </a:solidFill>
               </a:rPr>
-              <a:t>Lab </a:t>
+              <a:t>Lab1 </a:t>
             </a:r>
             <a:r>
               <a:rPr lang="en-US" altLang="zh-CN" sz="1800" dirty="0">
@@ -16700,7 +18074,37 @@
                   <a:schemeClr val="dk1"/>
                 </a:solidFill>
               </a:rPr>
-              <a:t>: Medicine &amp; Medical Robot Research Center, </a:t>
+              <a:t>: Medicine &amp; Medical Robot Research Center </a:t>
+            </a:r>
+          </a:p>
+          <a:p>
+            <a:pPr marL="0" lvl="0" indent="0" algn="l" rtl="0">
+              <a:lnSpc>
+                <a:spcPct val="115000"/>
+              </a:lnSpc>
+              <a:spcBef>
+                <a:spcPts val="1000"/>
+              </a:spcBef>
+              <a:spcAft>
+                <a:spcPts val="0"/>
+              </a:spcAft>
+              <a:buNone/>
+            </a:pPr>
+            <a:r>
+              <a:rPr lang="en-US" altLang="zh-CN" sz="1800" b="1" dirty="0">
+                <a:solidFill>
+                  <a:schemeClr val="dk1"/>
+                </a:solidFill>
+              </a:rPr>
+              <a:t>Lab2</a:t>
+            </a:r>
+            <a:r>
+              <a:rPr lang="en-US" altLang="zh-CN" sz="1800" dirty="0">
+                <a:solidFill>
+                  <a:schemeClr val="dk1"/>
+                </a:solidFill>
+              </a:rPr>
+              <a:t> : </a:t>
             </a:r>
             <a:r>
               <a:rPr lang="en-US" altLang="zh-CN" sz="1800" dirty="0" err="1">
@@ -16810,11 +18214,36 @@
               </a:rPr>
               <a:t>neuromorphology</a:t>
             </a:r>
-            <a:endParaRPr lang="en-US" sz="1800" dirty="0">
-              <a:solidFill>
-                <a:schemeClr val="dk1"/>
-              </a:solidFill>
-            </a:endParaRPr>
+            <a:r>
+              <a:rPr lang="en-US" sz="1800" dirty="0">
+                <a:solidFill>
+                  <a:schemeClr val="dk1"/>
+                </a:solidFill>
+              </a:rPr>
+              <a:t>,</a:t>
+            </a:r>
+          </a:p>
+          <a:p>
+            <a:pPr marL="0" lvl="0" indent="0" algn="l" rtl="0">
+              <a:lnSpc>
+                <a:spcPct val="115000"/>
+              </a:lnSpc>
+              <a:spcBef>
+                <a:spcPts val="1000"/>
+              </a:spcBef>
+              <a:spcAft>
+                <a:spcPts val="0"/>
+              </a:spcAft>
+              <a:buNone/>
+            </a:pPr>
+            <a:r>
+              <a:rPr lang="en-US" sz="1800" dirty="0">
+                <a:solidFill>
+                  <a:schemeClr val="dk1"/>
+                </a:solidFill>
+              </a:rPr>
+              <a:t>Memory recall</a:t>
+            </a:r>
           </a:p>
           <a:p>
             <a:pPr marL="0" lvl="0" indent="0" algn="l" rtl="0">
@@ -17105,7 +18534,39 @@
                   <a:schemeClr val="dk1"/>
                 </a:solidFill>
               </a:rPr>
-              <a:t>•  Background Survey: emerge from intrinsic cell properties or as persistent reverberations in selective neural populations coding for different memories</a:t>
+              <a:t>•  Background Survey: emerge from </a:t>
+            </a:r>
+            <a:r>
+              <a:rPr lang="en-US" altLang="zh-CN" sz="1800" dirty="0">
+                <a:solidFill>
+                  <a:srgbClr val="FFC000"/>
+                </a:solidFill>
+              </a:rPr>
+              <a:t>intrinsic cell properties </a:t>
+            </a:r>
+            <a:r>
+              <a:rPr lang="en-US" altLang="zh-CN" sz="1800" dirty="0">
+                <a:solidFill>
+                  <a:schemeClr val="dk1"/>
+                </a:solidFill>
+              </a:rPr>
+              <a:t>or as </a:t>
+            </a:r>
+            <a:r>
+              <a:rPr lang="en-US" altLang="zh-CN" sz="1800" dirty="0">
+                <a:solidFill>
+                  <a:srgbClr val="FFC000"/>
+                </a:solidFill>
+              </a:rPr>
+              <a:t>persistent reverberations</a:t>
+            </a:r>
+            <a:r>
+              <a:rPr lang="en-US" altLang="zh-CN" sz="1800" dirty="0">
+                <a:solidFill>
+                  <a:schemeClr val="dk1"/>
+                </a:solidFill>
+              </a:rPr>
+              <a:t> in selective neural populations coding for different memories</a:t>
             </a:r>
           </a:p>
           <a:p>
@@ -17132,7 +18593,7 @@
                   <a:schemeClr val="dk1"/>
                 </a:solidFill>
               </a:rPr>
-              <a:t>•   What saves working memory?</a:t>
+              <a:t>•   What is the carrier of working memory?</a:t>
             </a:r>
           </a:p>
           <a:p>
@@ -17154,7 +18615,7 @@
                   <a:schemeClr val="dk1"/>
                 </a:solidFill>
               </a:rPr>
-              <a:t>We therefore propose that an item is maintained in the WM state by short-term synaptic facilitation mediated by increased residual calcium levels at the presynaptic terminals of the neurons that code for this item</a:t>
+              <a:t>Authors proposed that an item is maintained in the WM state by short-term synaptic facilitation mediated by increased residual calcium levels at the presynaptic terminals of the neurons that code for this item</a:t>
             </a:r>
           </a:p>
         </p:txBody>
@@ -18215,14 +19676,14 @@
               <a:buNone/>
             </a:pPr>
             <a:r>
-              <a:rPr lang="zh-CN">
+              <a:rPr lang="zh-CN" dirty="0">
                 <a:solidFill>
                   <a:srgbClr val="174473"/>
                 </a:solidFill>
               </a:rPr>
               <a:t>Results</a:t>
             </a:r>
-            <a:endParaRPr/>
+            <a:endParaRPr dirty="0"/>
           </a:p>
         </p:txBody>
       </p:sp>
@@ -18252,36 +19713,6 @@
           </a:ln>
         </p:spPr>
       </p:cxnSp>
-      <p:pic>
-        <p:nvPicPr>
-          <p:cNvPr id="13" name="图片 12">
-            <a:extLst>
-              <a:ext uri="{FF2B5EF4-FFF2-40B4-BE49-F238E27FC236}">
-                <a16:creationId xmlns:a16="http://schemas.microsoft.com/office/drawing/2014/main" id="{6821F8A5-1724-4428-8CDE-55DB8147A960}"/>
-              </a:ext>
-            </a:extLst>
-          </p:cNvPr>
-          <p:cNvPicPr>
-            <a:picLocks noChangeAspect="1"/>
-          </p:cNvPicPr>
-          <p:nvPr/>
-        </p:nvPicPr>
-        <p:blipFill>
-          <a:blip r:embed="rId3"/>
-          <a:stretch>
-            <a:fillRect/>
-          </a:stretch>
-        </p:blipFill>
-        <p:spPr>
-          <a:xfrm>
-            <a:off x="5395260" y="1941828"/>
-            <a:ext cx="3926488" cy="3550711"/>
-          </a:xfrm>
-          <a:prstGeom prst="rect">
-            <a:avLst/>
-          </a:prstGeom>
-        </p:spPr>
-      </p:pic>
       <p:sp>
         <p:nvSpPr>
           <p:cNvPr id="18" name="Google Shape;105;ge9f2884d2e_2_8">
@@ -18344,7 +19775,7 @@
           <p:nvPr/>
         </p:nvPicPr>
         <p:blipFill>
-          <a:blip r:embed="rId4"/>
+          <a:blip r:embed="rId3"/>
           <a:stretch>
             <a:fillRect/>
           </a:stretch>
@@ -18374,7 +19805,7 @@
         <p:spPr>
           <a:xfrm>
             <a:off x="5610476" y="1425457"/>
-            <a:ext cx="3496056" cy="503184"/>
+            <a:ext cx="3844242" cy="503184"/>
           </a:xfrm>
           <a:prstGeom prst="rect">
             <a:avLst/>
@@ -18401,7 +19832,7 @@
                   <a:schemeClr val="dk1"/>
                 </a:solidFill>
               </a:rPr>
-              <a:t>2-neuron 1-stimulus simulation</a:t>
+              <a:t>2-group 1-stimulus simulation(E2E)</a:t>
             </a:r>
           </a:p>
         </p:txBody>
@@ -18423,7 +19854,7 @@
             <p:spPr>
               <a:xfrm>
                 <a:off x="5614416" y="5573785"/>
-                <a:ext cx="3707332" cy="927916"/>
+                <a:ext cx="3840302" cy="1175676"/>
               </a:xfrm>
               <a:prstGeom prst="rect">
                 <a:avLst/>
@@ -18605,7 +20036,16 @@
                           </a:solidFill>
                           <a:latin typeface="Cambria Math" panose="02040503050406030204" pitchFamily="18" charset="0"/>
                         </a:rPr>
-                        <m:t>20</m:t>
+                        <m:t>4</m:t>
+                      </m:r>
+                      <m:r>
+                        <a:rPr lang="en-US" altLang="zh-CN" b="0" i="1" smtClean="0">
+                          <a:solidFill>
+                            <a:schemeClr val="dk1"/>
+                          </a:solidFill>
+                          <a:latin typeface="Cambria Math" panose="02040503050406030204" pitchFamily="18" charset="0"/>
+                        </a:rPr>
+                        <m:t>0</m:t>
                       </m:r>
                       <m:r>
                         <a:rPr lang="en-US" altLang="zh-CN" i="1">
@@ -18659,7 +20099,16 @@
                           </a:solidFill>
                           <a:latin typeface="Cambria Math" panose="02040503050406030204" pitchFamily="18" charset="0"/>
                         </a:rPr>
-                        <m:t>200</m:t>
+                        <m:t>3</m:t>
+                      </m:r>
+                      <m:r>
+                        <a:rPr lang="en-US" altLang="zh-CN" b="0" i="1" smtClean="0">
+                          <a:solidFill>
+                            <a:schemeClr val="dk1"/>
+                          </a:solidFill>
+                          <a:latin typeface="Cambria Math" panose="02040503050406030204" pitchFamily="18" charset="0"/>
+                        </a:rPr>
+                        <m:t>0</m:t>
                       </m:r>
                       <m:r>
                         <a:rPr lang="en-US" altLang="zh-CN" i="1">
@@ -18686,6 +20135,812 @@
                   <a:solidFill>
                     <a:schemeClr val="dk1"/>
                   </a:solidFill>
+                </a:endParaRPr>
+              </a:p>
+              <a:p>
+                <a:pPr>
+                  <a:lnSpc>
+                    <a:spcPct val="115000"/>
+                  </a:lnSpc>
+                </a:pPr>
+                <a14:m>
+                  <m:oMathPara xmlns:m="http://schemas.openxmlformats.org/officeDocument/2006/math">
+                    <m:oMathParaPr>
+                      <m:jc m:val="centerGroup"/>
+                    </m:oMathParaPr>
+                    <m:oMath xmlns:m="http://schemas.openxmlformats.org/officeDocument/2006/math">
+                      <m:sSub>
+                        <m:sSubPr>
+                          <m:ctrlPr>
+                            <a:rPr lang="en-US" altLang="zh-CN" b="0" i="1" smtClean="0">
+                              <a:solidFill>
+                                <a:schemeClr val="dk1"/>
+                              </a:solidFill>
+                              <a:latin typeface="Cambria Math" panose="02040503050406030204" pitchFamily="18" charset="0"/>
+                            </a:rPr>
+                          </m:ctrlPr>
+                        </m:sSubPr>
+                        <m:e>
+                          <m:r>
+                            <a:rPr lang="en-US" altLang="zh-CN" b="0" i="1" smtClean="0">
+                              <a:solidFill>
+                                <a:schemeClr val="dk1"/>
+                              </a:solidFill>
+                              <a:latin typeface="Cambria Math" panose="02040503050406030204" pitchFamily="18" charset="0"/>
+                            </a:rPr>
+                            <m:t>𝑁</m:t>
+                          </m:r>
+                        </m:e>
+                        <m:sub>
+                          <m:r>
+                            <a:rPr lang="en-US" altLang="zh-CN" b="0" i="1" smtClean="0">
+                              <a:solidFill>
+                                <a:schemeClr val="dk1"/>
+                              </a:solidFill>
+                              <a:latin typeface="Cambria Math" panose="02040503050406030204" pitchFamily="18" charset="0"/>
+                            </a:rPr>
+                            <m:t>1</m:t>
+                          </m:r>
+                        </m:sub>
+                      </m:sSub>
+                      <m:r>
+                        <a:rPr lang="en-US" altLang="zh-CN" i="1">
+                          <a:solidFill>
+                            <a:schemeClr val="dk1"/>
+                          </a:solidFill>
+                          <a:latin typeface="Cambria Math" panose="02040503050406030204" pitchFamily="18" charset="0"/>
+                        </a:rPr>
+                        <m:t>=</m:t>
+                      </m:r>
+                      <m:sSub>
+                        <m:sSubPr>
+                          <m:ctrlPr>
+                            <a:rPr lang="en-US" altLang="zh-CN" b="0" i="1" smtClean="0">
+                              <a:solidFill>
+                                <a:schemeClr val="dk1"/>
+                              </a:solidFill>
+                              <a:latin typeface="Cambria Math" panose="02040503050406030204" pitchFamily="18" charset="0"/>
+                            </a:rPr>
+                          </m:ctrlPr>
+                        </m:sSubPr>
+                        <m:e>
+                          <m:r>
+                            <a:rPr lang="en-US" altLang="zh-CN" b="0" i="1" smtClean="0">
+                              <a:solidFill>
+                                <a:schemeClr val="dk1"/>
+                              </a:solidFill>
+                              <a:latin typeface="Cambria Math" panose="02040503050406030204" pitchFamily="18" charset="0"/>
+                            </a:rPr>
+                            <m:t>𝑁</m:t>
+                          </m:r>
+                        </m:e>
+                        <m:sub>
+                          <m:r>
+                            <a:rPr lang="en-US" altLang="zh-CN" b="0" i="1" smtClean="0">
+                              <a:solidFill>
+                                <a:schemeClr val="dk1"/>
+                              </a:solidFill>
+                              <a:latin typeface="Cambria Math" panose="02040503050406030204" pitchFamily="18" charset="0"/>
+                            </a:rPr>
+                            <m:t>2</m:t>
+                          </m:r>
+                        </m:sub>
+                      </m:sSub>
+                      <m:r>
+                        <a:rPr lang="en-US" altLang="zh-CN" b="0" i="1" smtClean="0">
+                          <a:solidFill>
+                            <a:schemeClr val="dk1"/>
+                          </a:solidFill>
+                          <a:latin typeface="Cambria Math" panose="02040503050406030204" pitchFamily="18" charset="0"/>
+                        </a:rPr>
+                        <m:t> </m:t>
+                      </m:r>
+                      <m:r>
+                        <a:rPr lang="en-US" altLang="zh-CN" i="1">
+                          <a:solidFill>
+                            <a:schemeClr val="dk1"/>
+                          </a:solidFill>
+                          <a:latin typeface="Cambria Math" panose="02040503050406030204" pitchFamily="18" charset="0"/>
+                        </a:rPr>
+                        <m:t>=</m:t>
+                      </m:r>
+                      <m:r>
+                        <a:rPr lang="en-US" altLang="zh-CN" b="0" i="1" smtClean="0">
+                          <a:solidFill>
+                            <a:schemeClr val="dk1"/>
+                          </a:solidFill>
+                          <a:latin typeface="Cambria Math" panose="02040503050406030204" pitchFamily="18" charset="0"/>
+                        </a:rPr>
+                        <m:t>100, </m:t>
+                      </m:r>
+                      <m:sSub>
+                        <m:sSubPr>
+                          <m:ctrlPr>
+                            <a:rPr lang="en-US" altLang="zh-CN" b="0" i="1" smtClean="0">
+                              <a:solidFill>
+                                <a:schemeClr val="dk1"/>
+                              </a:solidFill>
+                              <a:latin typeface="Cambria Math" panose="02040503050406030204" pitchFamily="18" charset="0"/>
+                            </a:rPr>
+                          </m:ctrlPr>
+                        </m:sSubPr>
+                        <m:e>
+                          <m:r>
+                            <a:rPr lang="en-US" altLang="zh-CN" b="0" i="1" smtClean="0">
+                              <a:solidFill>
+                                <a:schemeClr val="dk1"/>
+                              </a:solidFill>
+                              <a:latin typeface="Cambria Math" panose="02040503050406030204" pitchFamily="18" charset="0"/>
+                            </a:rPr>
+                            <m:t>𝜏</m:t>
+                          </m:r>
+                        </m:e>
+                        <m:sub>
+                          <m:r>
+                            <a:rPr lang="en-US" altLang="zh-CN" b="0" i="1" smtClean="0">
+                              <a:solidFill>
+                                <a:schemeClr val="dk1"/>
+                              </a:solidFill>
+                              <a:latin typeface="Cambria Math" panose="02040503050406030204" pitchFamily="18" charset="0"/>
+                            </a:rPr>
+                            <m:t>𝐸</m:t>
+                          </m:r>
+                        </m:sub>
+                      </m:sSub>
+                      <m:r>
+                        <a:rPr lang="en-US" altLang="zh-CN" b="0" i="1" smtClean="0">
+                          <a:solidFill>
+                            <a:schemeClr val="dk1"/>
+                          </a:solidFill>
+                          <a:latin typeface="Cambria Math" panose="02040503050406030204" pitchFamily="18" charset="0"/>
+                        </a:rPr>
+                        <m:t>=50 </m:t>
+                      </m:r>
+                      <m:r>
+                        <a:rPr lang="en-US" altLang="zh-CN" b="0" i="1" smtClean="0">
+                          <a:solidFill>
+                            <a:schemeClr val="dk1"/>
+                          </a:solidFill>
+                          <a:latin typeface="Cambria Math" panose="02040503050406030204" pitchFamily="18" charset="0"/>
+                        </a:rPr>
+                        <m:t>𝑚𝑠</m:t>
+                      </m:r>
+                      <m:r>
+                        <a:rPr lang="en-US" altLang="zh-CN" b="0" i="1" smtClean="0">
+                          <a:solidFill>
+                            <a:schemeClr val="dk1"/>
+                          </a:solidFill>
+                          <a:latin typeface="Cambria Math" panose="02040503050406030204" pitchFamily="18" charset="0"/>
+                        </a:rPr>
+                        <m:t>, </m:t>
+                      </m:r>
+                      <m:sSub>
+                        <m:sSubPr>
+                          <m:ctrlPr>
+                            <a:rPr lang="en-US" altLang="zh-CN" b="0" i="1" smtClean="0">
+                              <a:solidFill>
+                                <a:schemeClr val="dk1"/>
+                              </a:solidFill>
+                              <a:latin typeface="Cambria Math" panose="02040503050406030204" pitchFamily="18" charset="0"/>
+                            </a:rPr>
+                          </m:ctrlPr>
+                        </m:sSubPr>
+                        <m:e>
+                          <m:r>
+                            <a:rPr lang="en-US" altLang="zh-CN" b="0" i="1" smtClean="0">
+                              <a:solidFill>
+                                <a:schemeClr val="dk1"/>
+                              </a:solidFill>
+                              <a:latin typeface="Cambria Math" panose="02040503050406030204" pitchFamily="18" charset="0"/>
+                            </a:rPr>
+                            <m:t>𝜏</m:t>
+                          </m:r>
+                        </m:e>
+                        <m:sub>
+                          <m:r>
+                            <a:rPr lang="en-US" altLang="zh-CN" b="0" i="1" smtClean="0">
+                              <a:solidFill>
+                                <a:schemeClr val="dk1"/>
+                              </a:solidFill>
+                              <a:latin typeface="Cambria Math" panose="02040503050406030204" pitchFamily="18" charset="0"/>
+                            </a:rPr>
+                            <m:t>𝐼</m:t>
+                          </m:r>
+                        </m:sub>
+                      </m:sSub>
+                      <m:r>
+                        <a:rPr lang="en-US" altLang="zh-CN" b="0" i="1" smtClean="0">
+                          <a:solidFill>
+                            <a:schemeClr val="dk1"/>
+                          </a:solidFill>
+                          <a:latin typeface="Cambria Math" panose="02040503050406030204" pitchFamily="18" charset="0"/>
+                        </a:rPr>
+                        <m:t>=30 </m:t>
+                      </m:r>
+                      <m:r>
+                        <a:rPr lang="en-US" altLang="zh-CN" b="0" i="1" smtClean="0">
+                          <a:solidFill>
+                            <a:schemeClr val="dk1"/>
+                          </a:solidFill>
+                          <a:latin typeface="Cambria Math" panose="02040503050406030204" pitchFamily="18" charset="0"/>
+                        </a:rPr>
+                        <m:t>𝑚𝑠</m:t>
+                      </m:r>
+                    </m:oMath>
+                  </m:oMathPara>
+                </a14:m>
+                <a:endParaRPr lang="en-US" altLang="zh-CN" b="0" dirty="0">
+                  <a:solidFill>
+                    <a:schemeClr val="dk1"/>
+                  </a:solidFill>
+                </a:endParaRPr>
+              </a:p>
+              <a:p>
+                <a:pPr>
+                  <a:lnSpc>
+                    <a:spcPct val="115000"/>
+                  </a:lnSpc>
+                </a:pPr>
+                <a14:m>
+                  <m:oMathPara xmlns:m="http://schemas.openxmlformats.org/officeDocument/2006/math">
+                    <m:oMathParaPr>
+                      <m:jc m:val="centerGroup"/>
+                    </m:oMathParaPr>
+                    <m:oMath xmlns:m="http://schemas.openxmlformats.org/officeDocument/2006/math">
+                      <m:r>
+                        <a:rPr lang="en-US" altLang="zh-CN" b="0" i="1" smtClean="0">
+                          <a:solidFill>
+                            <a:schemeClr val="dk1"/>
+                          </a:solidFill>
+                          <a:latin typeface="Cambria Math" panose="02040503050406030204" pitchFamily="18" charset="0"/>
+                        </a:rPr>
+                        <m:t>𝑐</m:t>
+                      </m:r>
+                      <m:r>
+                        <a:rPr lang="en-US" altLang="zh-CN" b="0" i="1" smtClean="0">
+                          <a:solidFill>
+                            <a:schemeClr val="dk1"/>
+                          </a:solidFill>
+                          <a:latin typeface="Cambria Math" panose="02040503050406030204" pitchFamily="18" charset="0"/>
+                        </a:rPr>
+                        <m:t>𝑜𝑛𝑛𝑒𝑐𝑡𝑖𝑣𝑖𝑡𝑦</m:t>
+                      </m:r>
+                      <m:r>
+                        <a:rPr lang="en-US" altLang="zh-CN" b="0" i="1" smtClean="0">
+                          <a:solidFill>
+                            <a:schemeClr val="dk1"/>
+                          </a:solidFill>
+                          <a:latin typeface="Cambria Math" panose="02040503050406030204" pitchFamily="18" charset="0"/>
+                        </a:rPr>
+                        <m:t> </m:t>
+                      </m:r>
+                      <m:r>
+                        <a:rPr lang="en-US" altLang="zh-CN" b="0" i="1" smtClean="0">
+                          <a:solidFill>
+                            <a:schemeClr val="dk1"/>
+                          </a:solidFill>
+                          <a:latin typeface="Cambria Math" panose="02040503050406030204" pitchFamily="18" charset="0"/>
+                        </a:rPr>
+                        <m:t>𝑝𝑟𝑜𝑏𝑎𝑏𝑖𝑙𝑖𝑡𝑦</m:t>
+                      </m:r>
+                      <m:r>
+                        <a:rPr lang="en-US" altLang="zh-CN" b="0" i="1" smtClean="0">
+                          <a:solidFill>
+                            <a:schemeClr val="dk1"/>
+                          </a:solidFill>
+                          <a:latin typeface="Cambria Math" panose="02040503050406030204" pitchFamily="18" charset="0"/>
+                        </a:rPr>
+                        <m:t>=0</m:t>
+                      </m:r>
+                      <m:r>
+                        <a:rPr lang="en-US" altLang="zh-CN" b="0" i="1" smtClean="0">
+                          <a:solidFill>
+                            <a:schemeClr val="dk1"/>
+                          </a:solidFill>
+                          <a:latin typeface="Cambria Math" panose="02040503050406030204" pitchFamily="18" charset="0"/>
+                        </a:rPr>
+                        <m:t>.</m:t>
+                      </m:r>
+                      <m:r>
+                        <a:rPr lang="en-US" altLang="zh-CN" b="0" i="1" smtClean="0">
+                          <a:solidFill>
+                            <a:schemeClr val="dk1"/>
+                          </a:solidFill>
+                          <a:latin typeface="Cambria Math" panose="02040503050406030204" pitchFamily="18" charset="0"/>
+                        </a:rPr>
+                        <m:t>2</m:t>
+                      </m:r>
+                    </m:oMath>
+                  </m:oMathPara>
+                </a14:m>
+                <a:endParaRPr lang="en-US" altLang="zh-CN" dirty="0">
+                  <a:solidFill>
+                    <a:schemeClr val="dk1"/>
+                  </a:solidFill>
+                </a:endParaRPr>
+              </a:p>
+            </p:txBody>
+          </p:sp>
+        </mc:Choice>
+        <mc:Fallback>
+          <p:sp>
+            <p:nvSpPr>
+              <p:cNvPr id="14" name="Google Shape;105;ge9f2884d2e_2_8">
+                <a:extLst>
+                  <a:ext uri="{FF2B5EF4-FFF2-40B4-BE49-F238E27FC236}">
+                    <a16:creationId xmlns:a16="http://schemas.microsoft.com/office/drawing/2014/main" id="{83E64A77-5220-4CF1-B62A-BF93D154A3FB}"/>
+                  </a:ext>
+                </a:extLst>
+              </p:cNvPr>
+              <p:cNvSpPr txBox="1">
+                <a:spLocks noRot="1" noChangeAspect="1" noMove="1" noResize="1" noEditPoints="1" noAdjustHandles="1" noChangeArrowheads="1" noChangeShapeType="1" noTextEdit="1"/>
+              </p:cNvSpPr>
+              <p:nvPr/>
+            </p:nvSpPr>
+            <p:spPr>
+              <a:xfrm>
+                <a:off x="5614416" y="5573785"/>
+                <a:ext cx="3840302" cy="1175676"/>
+              </a:xfrm>
+              <a:prstGeom prst="rect">
+                <a:avLst/>
+              </a:prstGeom>
+              <a:blipFill>
+                <a:blip r:embed="rId4"/>
+                <a:stretch>
+                  <a:fillRect/>
+                </a:stretch>
+              </a:blipFill>
+              <a:ln>
+                <a:noFill/>
+              </a:ln>
+            </p:spPr>
+            <p:txBody>
+              <a:bodyPr/>
+              <a:lstStyle/>
+              <a:p>
+                <a:r>
+                  <a:rPr lang="zh-CN" altLang="en-US">
+                    <a:noFill/>
+                  </a:rPr>
+                  <a:t> </a:t>
+                </a:r>
+              </a:p>
+            </p:txBody>
+          </p:sp>
+        </mc:Fallback>
+      </mc:AlternateContent>
+      <p:pic>
+        <p:nvPicPr>
+          <p:cNvPr id="2050" name="Picture 2">
+            <a:extLst>
+              <a:ext uri="{FF2B5EF4-FFF2-40B4-BE49-F238E27FC236}">
+                <a16:creationId xmlns:a16="http://schemas.microsoft.com/office/drawing/2014/main" id="{7C26E6ED-A815-4A13-A026-8F20DC42664E}"/>
+              </a:ext>
+            </a:extLst>
+          </p:cNvPr>
+          <p:cNvPicPr>
+            <a:picLocks noChangeAspect="1" noChangeArrowheads="1"/>
+          </p:cNvPicPr>
+          <p:nvPr/>
+        </p:nvPicPr>
+        <p:blipFill>
+          <a:blip r:embed="rId5">
+            <a:extLst>
+              <a:ext uri="{28A0092B-C50C-407E-A947-70E740481C1C}">
+                <a14:useLocalDpi xmlns:a14="http://schemas.microsoft.com/office/drawing/2010/main" val="0"/>
+              </a:ext>
+            </a:extLst>
+          </a:blip>
+          <a:srcRect/>
+          <a:stretch>
+            <a:fillRect/>
+          </a:stretch>
+        </p:blipFill>
+        <p:spPr bwMode="auto">
+          <a:xfrm>
+            <a:off x="5475822" y="1865959"/>
+            <a:ext cx="4172322" cy="3707826"/>
+          </a:xfrm>
+          <a:prstGeom prst="rect">
+            <a:avLst/>
+          </a:prstGeom>
+          <a:noFill/>
+          <a:extLst>
+            <a:ext uri="{909E8E84-426E-40DD-AFC4-6F175D3DCCD1}">
+              <a14:hiddenFill xmlns:a14="http://schemas.microsoft.com/office/drawing/2010/main">
+                <a:solidFill>
+                  <a:srgbClr val="FFFFFF"/>
+                </a:solidFill>
+              </a14:hiddenFill>
+            </a:ext>
+          </a:extLst>
+        </p:spPr>
+      </p:pic>
+      <mc:AlternateContent xmlns:mc="http://schemas.openxmlformats.org/markup-compatibility/2006">
+        <mc:Choice xmlns:a14="http://schemas.microsoft.com/office/drawing/2010/main" Requires="a14">
+          <p:sp>
+            <p:nvSpPr>
+              <p:cNvPr id="15" name="文本框 14">
+                <a:extLst>
+                  <a:ext uri="{FF2B5EF4-FFF2-40B4-BE49-F238E27FC236}">
+                    <a16:creationId xmlns:a16="http://schemas.microsoft.com/office/drawing/2014/main" id="{55828D7B-05F9-4F3F-A7B7-ECE892420E3E}"/>
+                  </a:ext>
+                </a:extLst>
+              </p:cNvPr>
+              <p:cNvSpPr txBox="1"/>
+              <p:nvPr/>
+            </p:nvSpPr>
+            <p:spPr>
+              <a:xfrm>
+                <a:off x="5786022" y="365125"/>
+                <a:ext cx="3757473" cy="808876"/>
+              </a:xfrm>
+              <a:prstGeom prst="rect">
+                <a:avLst/>
+              </a:prstGeom>
+              <a:noFill/>
+            </p:spPr>
+            <p:txBody>
+              <a:bodyPr wrap="square">
+                <a:spAutoFit/>
+              </a:bodyPr>
+              <a:lstStyle/>
+              <a:p>
+                <a:pPr>
+                  <a:lnSpc>
+                    <a:spcPct val="115000"/>
+                  </a:lnSpc>
+                </a:pPr>
+                <a14:m>
+                  <m:oMathPara xmlns:m="http://schemas.openxmlformats.org/officeDocument/2006/math">
+                    <m:oMathParaPr>
+                      <m:jc m:val="centerGroup"/>
+                    </m:oMathParaPr>
+                    <m:oMath xmlns:m="http://schemas.openxmlformats.org/officeDocument/2006/math">
+                      <m:sSub>
+                        <m:sSubPr>
+                          <m:ctrlPr>
+                            <a:rPr lang="en-US" altLang="zh-CN" b="0" i="1" smtClean="0">
+                              <a:solidFill>
+                                <a:schemeClr val="dk1"/>
+                              </a:solidFill>
+                              <a:latin typeface="Cambria Math" panose="02040503050406030204" pitchFamily="18" charset="0"/>
+                            </a:rPr>
+                          </m:ctrlPr>
+                        </m:sSubPr>
+                        <m:e>
+                          <m:r>
+                            <a:rPr lang="en-US" altLang="zh-CN" b="0" i="1" smtClean="0">
+                              <a:solidFill>
+                                <a:schemeClr val="dk1"/>
+                              </a:solidFill>
+                              <a:latin typeface="Cambria Math" panose="02040503050406030204" pitchFamily="18" charset="0"/>
+                            </a:rPr>
+                            <m:t>𝜏</m:t>
+                          </m:r>
+                        </m:e>
+                        <m:sub>
+                          <m:r>
+                            <a:rPr lang="en-US" altLang="zh-CN" b="0" i="1" smtClean="0">
+                              <a:solidFill>
+                                <a:schemeClr val="dk1"/>
+                              </a:solidFill>
+                              <a:latin typeface="Cambria Math" panose="02040503050406030204" pitchFamily="18" charset="0"/>
+                            </a:rPr>
+                            <m:t>𝑚</m:t>
+                          </m:r>
+                        </m:sub>
+                      </m:sSub>
+                      <m:f>
+                        <m:fPr>
+                          <m:ctrlPr>
+                            <a:rPr lang="en-US" altLang="zh-CN" b="0" i="1" smtClean="0">
+                              <a:solidFill>
+                                <a:schemeClr val="dk1"/>
+                              </a:solidFill>
+                              <a:latin typeface="Cambria Math" panose="02040503050406030204" pitchFamily="18" charset="0"/>
+                            </a:rPr>
+                          </m:ctrlPr>
+                        </m:fPr>
+                        <m:num>
+                          <m:r>
+                            <a:rPr lang="en-US" altLang="zh-CN" b="0" i="1" smtClean="0">
+                              <a:solidFill>
+                                <a:schemeClr val="dk1"/>
+                              </a:solidFill>
+                              <a:latin typeface="Cambria Math" panose="02040503050406030204" pitchFamily="18" charset="0"/>
+                            </a:rPr>
+                            <m:t>𝑑</m:t>
+                          </m:r>
+                          <m:sSub>
+                            <m:sSubPr>
+                              <m:ctrlPr>
+                                <a:rPr lang="en-US" altLang="zh-CN" b="0" i="1" smtClean="0">
+                                  <a:solidFill>
+                                    <a:schemeClr val="dk1"/>
+                                  </a:solidFill>
+                                  <a:latin typeface="Cambria Math" panose="02040503050406030204" pitchFamily="18" charset="0"/>
+                                </a:rPr>
+                              </m:ctrlPr>
+                            </m:sSubPr>
+                            <m:e>
+                              <m:r>
+                                <a:rPr lang="en-US" altLang="zh-CN" b="0" i="1" smtClean="0">
+                                  <a:solidFill>
+                                    <a:schemeClr val="dk1"/>
+                                  </a:solidFill>
+                                  <a:latin typeface="Cambria Math" panose="02040503050406030204" pitchFamily="18" charset="0"/>
+                                </a:rPr>
+                                <m:t>𝑉</m:t>
+                              </m:r>
+                            </m:e>
+                            <m:sub>
+                              <m:r>
+                                <a:rPr lang="en-US" altLang="zh-CN" b="0" i="1" smtClean="0">
+                                  <a:solidFill>
+                                    <a:schemeClr val="dk1"/>
+                                  </a:solidFill>
+                                  <a:latin typeface="Cambria Math" panose="02040503050406030204" pitchFamily="18" charset="0"/>
+                                </a:rPr>
+                                <m:t>𝑖</m:t>
+                              </m:r>
+                            </m:sub>
+                          </m:sSub>
+                        </m:num>
+                        <m:den>
+                          <m:r>
+                            <a:rPr lang="en-US" altLang="zh-CN" b="0" i="1" smtClean="0">
+                              <a:solidFill>
+                                <a:schemeClr val="dk1"/>
+                              </a:solidFill>
+                              <a:latin typeface="Cambria Math" panose="02040503050406030204" pitchFamily="18" charset="0"/>
+                            </a:rPr>
+                            <m:t>𝑑𝑡</m:t>
+                          </m:r>
+                        </m:den>
+                      </m:f>
+                      <m:r>
+                        <a:rPr lang="en-US" altLang="zh-CN" b="0" i="1" smtClean="0">
+                          <a:solidFill>
+                            <a:schemeClr val="dk1"/>
+                          </a:solidFill>
+                          <a:latin typeface="Cambria Math" panose="02040503050406030204" pitchFamily="18" charset="0"/>
+                        </a:rPr>
+                        <m:t>=−</m:t>
+                      </m:r>
+                      <m:sSub>
+                        <m:sSubPr>
+                          <m:ctrlPr>
+                            <a:rPr lang="en-US" altLang="zh-CN" b="0" i="1" smtClean="0">
+                              <a:solidFill>
+                                <a:schemeClr val="dk1"/>
+                              </a:solidFill>
+                              <a:latin typeface="Cambria Math" panose="02040503050406030204" pitchFamily="18" charset="0"/>
+                            </a:rPr>
+                          </m:ctrlPr>
+                        </m:sSubPr>
+                        <m:e>
+                          <m:r>
+                            <a:rPr lang="en-US" altLang="zh-CN" b="0" i="1" smtClean="0">
+                              <a:solidFill>
+                                <a:schemeClr val="dk1"/>
+                              </a:solidFill>
+                              <a:latin typeface="Cambria Math" panose="02040503050406030204" pitchFamily="18" charset="0"/>
+                            </a:rPr>
+                            <m:t>𝑉</m:t>
+                          </m:r>
+                        </m:e>
+                        <m:sub>
+                          <m:r>
+                            <a:rPr lang="en-US" altLang="zh-CN" b="0" i="1" smtClean="0">
+                              <a:solidFill>
+                                <a:schemeClr val="dk1"/>
+                              </a:solidFill>
+                              <a:latin typeface="Cambria Math" panose="02040503050406030204" pitchFamily="18" charset="0"/>
+                            </a:rPr>
+                            <m:t>𝑖</m:t>
+                          </m:r>
+                        </m:sub>
+                      </m:sSub>
+                      <m:r>
+                        <a:rPr lang="en-US" altLang="zh-CN" b="0" i="1" smtClean="0">
+                          <a:solidFill>
+                            <a:schemeClr val="dk1"/>
+                          </a:solidFill>
+                          <a:latin typeface="Cambria Math" panose="02040503050406030204" pitchFamily="18" charset="0"/>
+                        </a:rPr>
+                        <m:t>+</m:t>
+                      </m:r>
+                      <m:sSubSup>
+                        <m:sSubSupPr>
+                          <m:ctrlPr>
+                            <a:rPr lang="en-US" altLang="zh-CN" b="0" i="1" smtClean="0">
+                              <a:solidFill>
+                                <a:schemeClr val="dk1"/>
+                              </a:solidFill>
+                              <a:latin typeface="Cambria Math" panose="02040503050406030204" pitchFamily="18" charset="0"/>
+                            </a:rPr>
+                          </m:ctrlPr>
+                        </m:sSubSupPr>
+                        <m:e>
+                          <m:r>
+                            <a:rPr lang="en-US" altLang="zh-CN" b="0" i="1" smtClean="0">
+                              <a:solidFill>
+                                <a:schemeClr val="dk1"/>
+                              </a:solidFill>
+                              <a:latin typeface="Cambria Math" panose="02040503050406030204" pitchFamily="18" charset="0"/>
+                            </a:rPr>
+                            <m:t>𝐼</m:t>
+                          </m:r>
+                        </m:e>
+                        <m:sub>
+                          <m:r>
+                            <a:rPr lang="en-US" altLang="zh-CN" b="0" i="1" smtClean="0">
+                              <a:solidFill>
+                                <a:schemeClr val="dk1"/>
+                              </a:solidFill>
+                              <a:latin typeface="Cambria Math" panose="02040503050406030204" pitchFamily="18" charset="0"/>
+                            </a:rPr>
+                            <m:t>𝑖</m:t>
+                          </m:r>
+                        </m:sub>
+                        <m:sup>
+                          <m:d>
+                            <m:dPr>
+                              <m:ctrlPr>
+                                <a:rPr lang="en-US" altLang="zh-CN" b="0" i="1" smtClean="0">
+                                  <a:solidFill>
+                                    <a:schemeClr val="dk1"/>
+                                  </a:solidFill>
+                                  <a:latin typeface="Cambria Math" panose="02040503050406030204" pitchFamily="18" charset="0"/>
+                                </a:rPr>
+                              </m:ctrlPr>
+                            </m:dPr>
+                            <m:e>
+                              <m:r>
+                                <a:rPr lang="en-US" altLang="zh-CN" b="0" i="1" smtClean="0">
+                                  <a:solidFill>
+                                    <a:schemeClr val="dk1"/>
+                                  </a:solidFill>
+                                  <a:latin typeface="Cambria Math" panose="02040503050406030204" pitchFamily="18" charset="0"/>
+                                </a:rPr>
+                                <m:t>𝑟𝑒𝑐</m:t>
+                              </m:r>
+                            </m:e>
+                          </m:d>
+                        </m:sup>
+                      </m:sSubSup>
+                      <m:d>
+                        <m:dPr>
+                          <m:ctrlPr>
+                            <a:rPr lang="en-US" altLang="zh-CN" b="0" i="1" smtClean="0">
+                              <a:solidFill>
+                                <a:schemeClr val="dk1"/>
+                              </a:solidFill>
+                              <a:latin typeface="Cambria Math" panose="02040503050406030204" pitchFamily="18" charset="0"/>
+                            </a:rPr>
+                          </m:ctrlPr>
+                        </m:dPr>
+                        <m:e>
+                          <m:r>
+                            <a:rPr lang="en-US" altLang="zh-CN" b="0" i="1" smtClean="0">
+                              <a:solidFill>
+                                <a:schemeClr val="dk1"/>
+                              </a:solidFill>
+                              <a:latin typeface="Cambria Math" panose="02040503050406030204" pitchFamily="18" charset="0"/>
+                            </a:rPr>
+                            <m:t>𝑡</m:t>
+                          </m:r>
+                        </m:e>
+                      </m:d>
+                      <m:r>
+                        <a:rPr lang="en-US" altLang="zh-CN" b="0" i="1" smtClean="0">
+                          <a:solidFill>
+                            <a:schemeClr val="dk1"/>
+                          </a:solidFill>
+                          <a:latin typeface="Cambria Math" panose="02040503050406030204" pitchFamily="18" charset="0"/>
+                        </a:rPr>
+                        <m:t>+</m:t>
+                      </m:r>
+                      <m:sSubSup>
+                        <m:sSubSupPr>
+                          <m:ctrlPr>
+                            <a:rPr lang="en-US" altLang="zh-CN" b="0" i="1" smtClean="0">
+                              <a:solidFill>
+                                <a:schemeClr val="dk1"/>
+                              </a:solidFill>
+                              <a:latin typeface="Cambria Math" panose="02040503050406030204" pitchFamily="18" charset="0"/>
+                            </a:rPr>
+                          </m:ctrlPr>
+                        </m:sSubSupPr>
+                        <m:e>
+                          <m:r>
+                            <a:rPr lang="en-US" altLang="zh-CN" b="0" i="1" smtClean="0">
+                              <a:solidFill>
+                                <a:schemeClr val="dk1"/>
+                              </a:solidFill>
+                              <a:latin typeface="Cambria Math" panose="02040503050406030204" pitchFamily="18" charset="0"/>
+                            </a:rPr>
+                            <m:t>𝐼</m:t>
+                          </m:r>
+                        </m:e>
+                        <m:sub>
+                          <m:r>
+                            <a:rPr lang="en-US" altLang="zh-CN" b="0" i="1" smtClean="0">
+                              <a:solidFill>
+                                <a:schemeClr val="dk1"/>
+                              </a:solidFill>
+                              <a:latin typeface="Cambria Math" panose="02040503050406030204" pitchFamily="18" charset="0"/>
+                            </a:rPr>
+                            <m:t>𝑖</m:t>
+                          </m:r>
+                        </m:sub>
+                        <m:sup>
+                          <m:r>
+                            <a:rPr lang="en-US" altLang="zh-CN" b="0" i="1" smtClean="0">
+                              <a:solidFill>
+                                <a:schemeClr val="dk1"/>
+                              </a:solidFill>
+                              <a:latin typeface="Cambria Math" panose="02040503050406030204" pitchFamily="18" charset="0"/>
+                            </a:rPr>
+                            <m:t>(</m:t>
+                          </m:r>
+                          <m:r>
+                            <a:rPr lang="en-US" altLang="zh-CN" b="0" i="1" smtClean="0">
+                              <a:solidFill>
+                                <a:schemeClr val="dk1"/>
+                              </a:solidFill>
+                              <a:latin typeface="Cambria Math" panose="02040503050406030204" pitchFamily="18" charset="0"/>
+                            </a:rPr>
+                            <m:t>𝑒𝑥𝑡</m:t>
+                          </m:r>
+                          <m:r>
+                            <a:rPr lang="en-US" altLang="zh-CN" b="0" i="1" smtClean="0">
+                              <a:solidFill>
+                                <a:schemeClr val="dk1"/>
+                              </a:solidFill>
+                              <a:latin typeface="Cambria Math" panose="02040503050406030204" pitchFamily="18" charset="0"/>
+                            </a:rPr>
+                            <m:t>)</m:t>
+                          </m:r>
+                        </m:sup>
+                      </m:sSubSup>
+                      <m:r>
+                        <a:rPr lang="en-US" altLang="zh-CN" b="0" i="1" smtClean="0">
+                          <a:solidFill>
+                            <a:schemeClr val="dk1"/>
+                          </a:solidFill>
+                          <a:latin typeface="Cambria Math" panose="02040503050406030204" pitchFamily="18" charset="0"/>
+                        </a:rPr>
+                        <m:t>(</m:t>
+                      </m:r>
+                      <m:r>
+                        <a:rPr lang="en-US" altLang="zh-CN" b="0" i="1" smtClean="0">
+                          <a:solidFill>
+                            <a:schemeClr val="dk1"/>
+                          </a:solidFill>
+                          <a:latin typeface="Cambria Math" panose="02040503050406030204" pitchFamily="18" charset="0"/>
+                        </a:rPr>
+                        <m:t>𝑡</m:t>
+                      </m:r>
+                      <m:r>
+                        <a:rPr lang="en-US" altLang="zh-CN" b="0" i="1" smtClean="0">
+                          <a:solidFill>
+                            <a:schemeClr val="dk1"/>
+                          </a:solidFill>
+                          <a:latin typeface="Cambria Math" panose="02040503050406030204" pitchFamily="18" charset="0"/>
+                        </a:rPr>
+                        <m:t>)</m:t>
+                      </m:r>
+                    </m:oMath>
+                  </m:oMathPara>
+                </a14:m>
+                <a:endParaRPr lang="en-US" altLang="zh-CN" b="0" i="1" dirty="0">
+                  <a:solidFill>
+                    <a:schemeClr val="dk1"/>
+                  </a:solidFill>
+                  <a:latin typeface="Cambria Math" panose="02040503050406030204" pitchFamily="18" charset="0"/>
                 </a:endParaRPr>
               </a:p>
               <a:p>
@@ -18816,7 +21071,7 @@
                     </m:oMath>
                   </m:oMathPara>
                 </a14:m>
-                <a:endParaRPr lang="en-US" altLang="zh-CN" dirty="0">
+                <a:endParaRPr lang="en-US" altLang="zh-CN" b="0" dirty="0">
                   <a:solidFill>
                     <a:schemeClr val="dk1"/>
                   </a:solidFill>
@@ -18828,10 +21083,10 @@
         <mc:Fallback>
           <p:sp>
             <p:nvSpPr>
-              <p:cNvPr id="14" name="Google Shape;105;ge9f2884d2e_2_8">
+              <p:cNvPr id="15" name="文本框 14">
                 <a:extLst>
                   <a:ext uri="{FF2B5EF4-FFF2-40B4-BE49-F238E27FC236}">
-                    <a16:creationId xmlns:a16="http://schemas.microsoft.com/office/drawing/2014/main" id="{83E64A77-5220-4CF1-B62A-BF93D154A3FB}"/>
+                    <a16:creationId xmlns:a16="http://schemas.microsoft.com/office/drawing/2014/main" id="{55828D7B-05F9-4F3F-A7B7-ECE892420E3E}"/>
                   </a:ext>
                 </a:extLst>
               </p:cNvPr>
@@ -18842,21 +21097,18 @@
             </p:nvSpPr>
             <p:spPr>
               <a:xfrm>
-                <a:off x="5614416" y="5573785"/>
-                <a:ext cx="3707332" cy="927916"/>
+                <a:off x="5786022" y="365125"/>
+                <a:ext cx="3757473" cy="808876"/>
               </a:xfrm>
               <a:prstGeom prst="rect">
                 <a:avLst/>
               </a:prstGeom>
               <a:blipFill>
-                <a:blip r:embed="rId5"/>
+                <a:blip r:embed="rId6"/>
                 <a:stretch>
                   <a:fillRect/>
                 </a:stretch>
               </a:blipFill>
-              <a:ln>
-                <a:noFill/>
-              </a:ln>
             </p:spPr>
             <p:txBody>
               <a:bodyPr/>
@@ -18873,36 +21125,6 @@
           </p:sp>
         </mc:Fallback>
       </mc:AlternateContent>
-      <p:pic>
-        <p:nvPicPr>
-          <p:cNvPr id="16" name="图片 15">
-            <a:extLst>
-              <a:ext uri="{FF2B5EF4-FFF2-40B4-BE49-F238E27FC236}">
-                <a16:creationId xmlns:a16="http://schemas.microsoft.com/office/drawing/2014/main" id="{49F8A3AA-0385-4C65-9964-01BEC823D357}"/>
-              </a:ext>
-            </a:extLst>
-          </p:cNvPr>
-          <p:cNvPicPr>
-            <a:picLocks noChangeAspect="1"/>
-          </p:cNvPicPr>
-          <p:nvPr/>
-        </p:nvPicPr>
-        <p:blipFill>
-          <a:blip r:embed="rId6"/>
-          <a:stretch>
-            <a:fillRect/>
-          </a:stretch>
-        </p:blipFill>
-        <p:spPr>
-          <a:xfrm>
-            <a:off x="5891654" y="465931"/>
-            <a:ext cx="2933700" cy="561975"/>
-          </a:xfrm>
-          <a:prstGeom prst="rect">
-            <a:avLst/>
-          </a:prstGeom>
-        </p:spPr>
-      </p:pic>
     </p:spTree>
     <p:extLst>
       <p:ext uri="{BB962C8B-B14F-4D97-AF65-F5344CB8AC3E}">
@@ -19016,66 +21238,6 @@
           </a:ln>
         </p:spPr>
       </p:cxnSp>
-      <p:pic>
-        <p:nvPicPr>
-          <p:cNvPr id="9" name="图片 8">
-            <a:extLst>
-              <a:ext uri="{FF2B5EF4-FFF2-40B4-BE49-F238E27FC236}">
-                <a16:creationId xmlns:a16="http://schemas.microsoft.com/office/drawing/2014/main" id="{65CCB550-B6A0-4FED-BAB9-D7453393C839}"/>
-              </a:ext>
-            </a:extLst>
-          </p:cNvPr>
-          <p:cNvPicPr>
-            <a:picLocks noChangeAspect="1"/>
-          </p:cNvPicPr>
-          <p:nvPr/>
-        </p:nvPicPr>
-        <p:blipFill>
-          <a:blip r:embed="rId3"/>
-          <a:stretch>
-            <a:fillRect/>
-          </a:stretch>
-        </p:blipFill>
-        <p:spPr>
-          <a:xfrm>
-            <a:off x="736591" y="1975518"/>
-            <a:ext cx="4720598" cy="2222000"/>
-          </a:xfrm>
-          <a:prstGeom prst="rect">
-            <a:avLst/>
-          </a:prstGeom>
-        </p:spPr>
-      </p:pic>
-      <p:pic>
-        <p:nvPicPr>
-          <p:cNvPr id="11" name="图片 10">
-            <a:extLst>
-              <a:ext uri="{FF2B5EF4-FFF2-40B4-BE49-F238E27FC236}">
-                <a16:creationId xmlns:a16="http://schemas.microsoft.com/office/drawing/2014/main" id="{B37F1BAE-1DA1-4050-9C04-26C731CDEE35}"/>
-              </a:ext>
-            </a:extLst>
-          </p:cNvPr>
-          <p:cNvPicPr>
-            <a:picLocks noChangeAspect="1"/>
-          </p:cNvPicPr>
-          <p:nvPr/>
-        </p:nvPicPr>
-        <p:blipFill>
-          <a:blip r:embed="rId4"/>
-          <a:stretch>
-            <a:fillRect/>
-          </a:stretch>
-        </p:blipFill>
-        <p:spPr>
-          <a:xfrm>
-            <a:off x="685174" y="4287914"/>
-            <a:ext cx="5147455" cy="2533513"/>
-          </a:xfrm>
-          <a:prstGeom prst="rect">
-            <a:avLst/>
-          </a:prstGeom>
-        </p:spPr>
-      </p:pic>
       <p:sp>
         <p:nvSpPr>
           <p:cNvPr id="18" name="Google Shape;105;ge9f2884d2e_2_8">
@@ -19090,8 +21252,8 @@
         </p:nvSpPr>
         <p:spPr>
           <a:xfrm>
-            <a:off x="838200" y="1566660"/>
-            <a:ext cx="3496056" cy="503184"/>
+            <a:off x="838200" y="1495636"/>
+            <a:ext cx="3991252" cy="503184"/>
           </a:xfrm>
           <a:prstGeom prst="rect">
             <a:avLst/>
@@ -19118,17 +21280,158 @@
                   <a:schemeClr val="dk1"/>
                 </a:solidFill>
               </a:rPr>
-              <a:t>2-neuron stimulation</a:t>
+              <a:t>2-group 1-stimulus stimulation(E2E)</a:t>
+            </a:r>
+          </a:p>
+        </p:txBody>
+      </p:sp>
+      <p:sp>
+        <p:nvSpPr>
+          <p:cNvPr id="25" name="Google Shape;105;ge9f2884d2e_2_8">
+            <a:extLst>
+              <a:ext uri="{FF2B5EF4-FFF2-40B4-BE49-F238E27FC236}">
+                <a16:creationId xmlns:a16="http://schemas.microsoft.com/office/drawing/2014/main" id="{96A6D5CA-39F6-487F-BBBB-BC18D94E0A93}"/>
+              </a:ext>
+            </a:extLst>
+          </p:cNvPr>
+          <p:cNvSpPr txBox="1"/>
+          <p:nvPr/>
+        </p:nvSpPr>
+        <p:spPr>
+          <a:xfrm>
+            <a:off x="6109718" y="1510487"/>
+            <a:ext cx="3891532" cy="503184"/>
+          </a:xfrm>
+          <a:prstGeom prst="rect">
+            <a:avLst/>
+          </a:prstGeom>
+          <a:noFill/>
+          <a:ln>
+            <a:noFill/>
+          </a:ln>
+        </p:spPr>
+        <p:txBody>
+          <a:bodyPr spcFirstLastPara="1" wrap="square" lIns="91425" tIns="91425" rIns="91425" bIns="91425" anchor="t" anchorCtr="0">
+            <a:spAutoFit/>
+          </a:bodyPr>
+          <a:lstStyle/>
+          <a:p>
+            <a:pPr>
+              <a:lnSpc>
+                <a:spcPct val="115000"/>
+              </a:lnSpc>
+            </a:pPr>
+            <a:r>
+              <a:rPr lang="en-US" altLang="zh-CN" sz="1800" dirty="0">
+                <a:solidFill>
+                  <a:schemeClr val="dk1"/>
+                </a:solidFill>
+              </a:rPr>
+              <a:t>2-group 2-stimulus simulation(E2E)</a:t>
             </a:r>
           </a:p>
         </p:txBody>
       </p:sp>
       <p:pic>
         <p:nvPicPr>
-          <p:cNvPr id="1030" name="Picture 6">
+          <p:cNvPr id="1028" name="Picture 4">
             <a:extLst>
               <a:ext uri="{FF2B5EF4-FFF2-40B4-BE49-F238E27FC236}">
-                <a16:creationId xmlns:a16="http://schemas.microsoft.com/office/drawing/2014/main" id="{F148D849-E9F0-40F3-88E9-629CF35B7687}"/>
+                <a16:creationId xmlns:a16="http://schemas.microsoft.com/office/drawing/2014/main" id="{D1FA8B14-FDC1-44A9-B7C7-B2ABD051ED34}"/>
+              </a:ext>
+            </a:extLst>
+          </p:cNvPr>
+          <p:cNvPicPr>
+            <a:picLocks noChangeAspect="1" noChangeArrowheads="1"/>
+          </p:cNvPicPr>
+          <p:nvPr/>
+        </p:nvPicPr>
+        <p:blipFill>
+          <a:blip r:embed="rId3">
+            <a:extLst>
+              <a:ext uri="{28A0092B-C50C-407E-A947-70E740481C1C}">
+                <a14:useLocalDpi xmlns:a14="http://schemas.microsoft.com/office/drawing/2010/main" val="0"/>
+              </a:ext>
+            </a:extLst>
+          </a:blip>
+          <a:srcRect/>
+          <a:stretch>
+            <a:fillRect/>
+          </a:stretch>
+        </p:blipFill>
+        <p:spPr bwMode="auto">
+          <a:xfrm>
+            <a:off x="542924" y="1904493"/>
+            <a:ext cx="5171197" cy="4645997"/>
+          </a:xfrm>
+          <a:prstGeom prst="rect">
+            <a:avLst/>
+          </a:prstGeom>
+          <a:noFill/>
+          <a:extLst>
+            <a:ext uri="{909E8E84-426E-40DD-AFC4-6F175D3DCCD1}">
+              <a14:hiddenFill xmlns:a14="http://schemas.microsoft.com/office/drawing/2010/main">
+                <a:solidFill>
+                  <a:srgbClr val="FFFFFF"/>
+                </a:solidFill>
+              </a14:hiddenFill>
+            </a:ext>
+          </a:extLst>
+        </p:spPr>
+      </p:pic>
+      <p:pic>
+        <p:nvPicPr>
+          <p:cNvPr id="2" name="Picture 6">
+            <a:extLst>
+              <a:ext uri="{FF2B5EF4-FFF2-40B4-BE49-F238E27FC236}">
+                <a16:creationId xmlns:a16="http://schemas.microsoft.com/office/drawing/2014/main" id="{7D90D6BB-3812-4DF5-B26F-29A94C5C8927}"/>
+              </a:ext>
+            </a:extLst>
+          </p:cNvPr>
+          <p:cNvPicPr>
+            <a:picLocks noChangeAspect="1" noChangeArrowheads="1"/>
+          </p:cNvPicPr>
+          <p:nvPr/>
+        </p:nvPicPr>
+        <p:blipFill>
+          <a:blip r:embed="rId4">
+            <a:extLst>
+              <a:ext uri="{28A0092B-C50C-407E-A947-70E740481C1C}">
+                <a14:useLocalDpi xmlns:a14="http://schemas.microsoft.com/office/drawing/2010/main" val="0"/>
+              </a:ext>
+            </a:extLst>
+          </a:blip>
+          <a:srcRect/>
+          <a:stretch>
+            <a:fillRect/>
+          </a:stretch>
+        </p:blipFill>
+        <p:spPr bwMode="auto">
+          <a:xfrm>
+            <a:off x="6082282" y="1877663"/>
+            <a:ext cx="3891531" cy="4986024"/>
+          </a:xfrm>
+          <a:prstGeom prst="rect">
+            <a:avLst/>
+          </a:prstGeom>
+          <a:noFill/>
+          <a:extLst>
+            <a:ext uri="{909E8E84-426E-40DD-AFC4-6F175D3DCCD1}">
+              <a14:hiddenFill xmlns:a14="http://schemas.microsoft.com/office/drawing/2010/main">
+                <a:solidFill>
+                  <a:srgbClr val="FFFFFF"/>
+                </a:solidFill>
+              </a14:hiddenFill>
+            </a:ext>
+          </a:extLst>
+        </p:spPr>
+      </p:pic>
+      <p:pic>
+        <p:nvPicPr>
+          <p:cNvPr id="1032" name="Picture 8">
+            <a:extLst>
+              <a:ext uri="{FF2B5EF4-FFF2-40B4-BE49-F238E27FC236}">
+                <a16:creationId xmlns:a16="http://schemas.microsoft.com/office/drawing/2014/main" id="{4097F998-D05E-4986-A830-4DF2CF63F5A0}"/>
               </a:ext>
             </a:extLst>
           </p:cNvPr>
@@ -19151,9 +21454,9 @@
           </a:stretch>
         </p:blipFill>
         <p:spPr bwMode="auto">
-          <a:xfrm>
-            <a:off x="6096000" y="1975518"/>
-            <a:ext cx="3780495" cy="4843758"/>
+          <a:xfrm rot="16200000">
+            <a:off x="9304759" y="3929665"/>
+            <a:ext cx="3361490" cy="1634787"/>
           </a:xfrm>
           <a:prstGeom prst="rect">
             <a:avLst/>
@@ -19170,53 +21473,504 @@
           </a:extLst>
         </p:spPr>
       </p:pic>
-      <p:sp>
-        <p:nvSpPr>
-          <p:cNvPr id="25" name="Google Shape;105;ge9f2884d2e_2_8">
-            <a:extLst>
-              <a:ext uri="{FF2B5EF4-FFF2-40B4-BE49-F238E27FC236}">
-                <a16:creationId xmlns:a16="http://schemas.microsoft.com/office/drawing/2014/main" id="{96A6D5CA-39F6-487F-BBBB-BC18D94E0A93}"/>
-              </a:ext>
-            </a:extLst>
-          </p:cNvPr>
-          <p:cNvSpPr txBox="1"/>
-          <p:nvPr/>
-        </p:nvSpPr>
-        <p:spPr>
-          <a:xfrm>
-            <a:off x="6109718" y="1581511"/>
-            <a:ext cx="3496056" cy="503184"/>
-          </a:xfrm>
-          <a:prstGeom prst="rect">
-            <a:avLst/>
-          </a:prstGeom>
-          <a:noFill/>
-          <a:ln>
-            <a:noFill/>
-          </a:ln>
-        </p:spPr>
-        <p:txBody>
-          <a:bodyPr spcFirstLastPara="1" wrap="square" lIns="91425" tIns="91425" rIns="91425" bIns="91425" anchor="t" anchorCtr="0">
-            <a:spAutoFit/>
-          </a:bodyPr>
-          <a:lstStyle/>
-          <a:p>
-            <a:pPr>
-              <a:lnSpc>
-                <a:spcPct val="115000"/>
-              </a:lnSpc>
-            </a:pPr>
-            <a:r>
-              <a:rPr lang="en-US" altLang="zh-CN" sz="1800" dirty="0">
-                <a:solidFill>
-                  <a:schemeClr val="dk1"/>
-                </a:solidFill>
-              </a:rPr>
-              <a:t>2-neuron 2-stimulus simulation</a:t>
-            </a:r>
-          </a:p>
-        </p:txBody>
-      </p:sp>
+      <mc:AlternateContent xmlns:mc="http://schemas.openxmlformats.org/markup-compatibility/2006">
+        <mc:Choice xmlns:a14="http://schemas.microsoft.com/office/drawing/2010/main" Requires="a14">
+          <p:sp>
+            <p:nvSpPr>
+              <p:cNvPr id="13" name="Google Shape;105;ge9f2884d2e_2_8">
+                <a:extLst>
+                  <a:ext uri="{FF2B5EF4-FFF2-40B4-BE49-F238E27FC236}">
+                    <a16:creationId xmlns:a16="http://schemas.microsoft.com/office/drawing/2014/main" id="{D0262934-5D54-4B5C-9C50-F5E81254B10C}"/>
+                  </a:ext>
+                </a:extLst>
+              </p:cNvPr>
+              <p:cNvSpPr txBox="1"/>
+              <p:nvPr/>
+            </p:nvSpPr>
+            <p:spPr>
+              <a:xfrm>
+                <a:off x="6174381" y="336456"/>
+                <a:ext cx="3707332" cy="927916"/>
+              </a:xfrm>
+              <a:prstGeom prst="rect">
+                <a:avLst/>
+              </a:prstGeom>
+              <a:noFill/>
+              <a:ln>
+                <a:noFill/>
+              </a:ln>
+            </p:spPr>
+            <p:txBody>
+              <a:bodyPr spcFirstLastPara="1" wrap="square" lIns="91425" tIns="91425" rIns="91425" bIns="91425" anchor="t" anchorCtr="0">
+                <a:spAutoFit/>
+              </a:bodyPr>
+              <a:lstStyle/>
+              <a:p>
+                <a:pPr>
+                  <a:lnSpc>
+                    <a:spcPct val="115000"/>
+                  </a:lnSpc>
+                </a:pPr>
+                <a14:m>
+                  <m:oMathPara xmlns:m="http://schemas.openxmlformats.org/officeDocument/2006/math">
+                    <m:oMathParaPr>
+                      <m:jc m:val="centerGroup"/>
+                    </m:oMathParaPr>
+                    <m:oMath xmlns:m="http://schemas.openxmlformats.org/officeDocument/2006/math">
+                      <m:r>
+                        <a:rPr lang="en-US" altLang="zh-CN" i="1" smtClean="0">
+                          <a:solidFill>
+                            <a:schemeClr val="dk1"/>
+                          </a:solidFill>
+                          <a:latin typeface="Cambria Math" panose="02040503050406030204" pitchFamily="18" charset="0"/>
+                        </a:rPr>
+                        <m:t>𝑡𝑖𝑚𝑒</m:t>
+                      </m:r>
+                      <m:r>
+                        <a:rPr lang="en-US" altLang="zh-CN" i="1">
+                          <a:solidFill>
+                            <a:schemeClr val="dk1"/>
+                          </a:solidFill>
+                          <a:latin typeface="Cambria Math" panose="02040503050406030204" pitchFamily="18" charset="0"/>
+                        </a:rPr>
+                        <m:t>=</m:t>
+                      </m:r>
+                      <m:r>
+                        <a:rPr lang="en-US" altLang="zh-CN" i="1">
+                          <a:solidFill>
+                            <a:schemeClr val="dk1"/>
+                          </a:solidFill>
+                          <a:latin typeface="Cambria Math" panose="02040503050406030204" pitchFamily="18" charset="0"/>
+                        </a:rPr>
+                        <m:t>40</m:t>
+                      </m:r>
+                      <m:r>
+                        <a:rPr lang="en-US" altLang="zh-CN" i="1">
+                          <a:solidFill>
+                            <a:schemeClr val="dk1"/>
+                          </a:solidFill>
+                          <a:latin typeface="Cambria Math" panose="02040503050406030204" pitchFamily="18" charset="0"/>
+                        </a:rPr>
+                        <m:t>0 </m:t>
+                      </m:r>
+                      <m:r>
+                        <a:rPr lang="en-US" altLang="zh-CN" i="1">
+                          <a:solidFill>
+                            <a:schemeClr val="dk1"/>
+                          </a:solidFill>
+                          <a:latin typeface="Cambria Math" panose="02040503050406030204" pitchFamily="18" charset="0"/>
+                        </a:rPr>
+                        <m:t>𝑚𝑠</m:t>
+                      </m:r>
+                      <m:r>
+                        <a:rPr lang="en-US" altLang="zh-CN" i="1">
+                          <a:solidFill>
+                            <a:schemeClr val="dk1"/>
+                          </a:solidFill>
+                          <a:latin typeface="Cambria Math" panose="02040503050406030204" pitchFamily="18" charset="0"/>
+                        </a:rPr>
+                        <m:t>, </m:t>
+                      </m:r>
+                      <m:r>
+                        <a:rPr lang="en-US" altLang="zh-CN" i="1">
+                          <a:solidFill>
+                            <a:schemeClr val="dk1"/>
+                          </a:solidFill>
+                          <a:latin typeface="Cambria Math" panose="02040503050406030204" pitchFamily="18" charset="0"/>
+                        </a:rPr>
+                        <m:t>𝑠𝑡𝑖𝑚𝑢𝑙𝑢𝑠</m:t>
+                      </m:r>
+                      <m:r>
+                        <a:rPr lang="en-US" altLang="zh-CN" i="1">
+                          <a:solidFill>
+                            <a:schemeClr val="dk1"/>
+                          </a:solidFill>
+                          <a:latin typeface="Cambria Math" panose="02040503050406030204" pitchFamily="18" charset="0"/>
+                        </a:rPr>
+                        <m:t>=</m:t>
+                      </m:r>
+                      <m:r>
+                        <a:rPr lang="en-US" altLang="zh-CN" i="1">
+                          <a:solidFill>
+                            <a:schemeClr val="dk1"/>
+                          </a:solidFill>
+                          <a:latin typeface="Cambria Math" panose="02040503050406030204" pitchFamily="18" charset="0"/>
+                        </a:rPr>
+                        <m:t>30</m:t>
+                      </m:r>
+                      <m:r>
+                        <a:rPr lang="en-US" altLang="zh-CN" i="1">
+                          <a:solidFill>
+                            <a:schemeClr val="dk1"/>
+                          </a:solidFill>
+                          <a:latin typeface="Cambria Math" panose="02040503050406030204" pitchFamily="18" charset="0"/>
+                        </a:rPr>
+                        <m:t> </m:t>
+                      </m:r>
+                      <m:r>
+                        <a:rPr lang="en-US" altLang="zh-CN" i="1">
+                          <a:solidFill>
+                            <a:schemeClr val="dk1"/>
+                          </a:solidFill>
+                          <a:latin typeface="Cambria Math" panose="02040503050406030204" pitchFamily="18" charset="0"/>
+                        </a:rPr>
+                        <m:t>𝑚𝑠</m:t>
+                      </m:r>
+                    </m:oMath>
+                  </m:oMathPara>
+                </a14:m>
+                <a:endParaRPr lang="en-US" altLang="zh-CN" dirty="0">
+                  <a:solidFill>
+                    <a:schemeClr val="dk1"/>
+                  </a:solidFill>
+                </a:endParaRPr>
+              </a:p>
+              <a:p>
+                <a:pPr>
+                  <a:lnSpc>
+                    <a:spcPct val="115000"/>
+                  </a:lnSpc>
+                </a:pPr>
+                <a14:m>
+                  <m:oMathPara xmlns:m="http://schemas.openxmlformats.org/officeDocument/2006/math">
+                    <m:oMathParaPr>
+                      <m:jc m:val="centerGroup"/>
+                    </m:oMathParaPr>
+                    <m:oMath xmlns:m="http://schemas.openxmlformats.org/officeDocument/2006/math">
+                      <m:sSub>
+                        <m:sSubPr>
+                          <m:ctrlPr>
+                            <a:rPr lang="en-US" altLang="zh-CN" i="1">
+                              <a:solidFill>
+                                <a:schemeClr val="dk1"/>
+                              </a:solidFill>
+                              <a:latin typeface="Cambria Math" panose="02040503050406030204" pitchFamily="18" charset="0"/>
+                            </a:rPr>
+                          </m:ctrlPr>
+                        </m:sSubPr>
+                        <m:e>
+                          <m:r>
+                            <a:rPr lang="en-US" altLang="zh-CN" i="1">
+                              <a:solidFill>
+                                <a:schemeClr val="dk1"/>
+                              </a:solidFill>
+                              <a:latin typeface="Cambria Math" panose="02040503050406030204" pitchFamily="18" charset="0"/>
+                            </a:rPr>
+                            <m:t>𝑁</m:t>
+                          </m:r>
+                        </m:e>
+                        <m:sub>
+                          <m:r>
+                            <a:rPr lang="en-US" altLang="zh-CN" i="1">
+                              <a:solidFill>
+                                <a:schemeClr val="dk1"/>
+                              </a:solidFill>
+                              <a:latin typeface="Cambria Math" panose="02040503050406030204" pitchFamily="18" charset="0"/>
+                            </a:rPr>
+                            <m:t>1</m:t>
+                          </m:r>
+                        </m:sub>
+                      </m:sSub>
+                      <m:r>
+                        <a:rPr lang="en-US" altLang="zh-CN" i="1">
+                          <a:solidFill>
+                            <a:schemeClr val="dk1"/>
+                          </a:solidFill>
+                          <a:latin typeface="Cambria Math" panose="02040503050406030204" pitchFamily="18" charset="0"/>
+                        </a:rPr>
+                        <m:t>=</m:t>
+                      </m:r>
+                      <m:sSub>
+                        <m:sSubPr>
+                          <m:ctrlPr>
+                            <a:rPr lang="en-US" altLang="zh-CN" i="1">
+                              <a:solidFill>
+                                <a:schemeClr val="dk1"/>
+                              </a:solidFill>
+                              <a:latin typeface="Cambria Math" panose="02040503050406030204" pitchFamily="18" charset="0"/>
+                            </a:rPr>
+                          </m:ctrlPr>
+                        </m:sSubPr>
+                        <m:e>
+                          <m:r>
+                            <a:rPr lang="en-US" altLang="zh-CN" i="1">
+                              <a:solidFill>
+                                <a:schemeClr val="dk1"/>
+                              </a:solidFill>
+                              <a:latin typeface="Cambria Math" panose="02040503050406030204" pitchFamily="18" charset="0"/>
+                            </a:rPr>
+                            <m:t>𝑁</m:t>
+                          </m:r>
+                        </m:e>
+                        <m:sub>
+                          <m:r>
+                            <a:rPr lang="en-US" altLang="zh-CN" i="1">
+                              <a:solidFill>
+                                <a:schemeClr val="dk1"/>
+                              </a:solidFill>
+                              <a:latin typeface="Cambria Math" panose="02040503050406030204" pitchFamily="18" charset="0"/>
+                            </a:rPr>
+                            <m:t>2</m:t>
+                          </m:r>
+                        </m:sub>
+                      </m:sSub>
+                      <m:r>
+                        <a:rPr lang="en-US" altLang="zh-CN" i="1">
+                          <a:solidFill>
+                            <a:schemeClr val="dk1"/>
+                          </a:solidFill>
+                          <a:latin typeface="Cambria Math" panose="02040503050406030204" pitchFamily="18" charset="0"/>
+                        </a:rPr>
+                        <m:t> </m:t>
+                      </m:r>
+                      <m:r>
+                        <a:rPr lang="en-US" altLang="zh-CN" i="1">
+                          <a:solidFill>
+                            <a:schemeClr val="dk1"/>
+                          </a:solidFill>
+                          <a:latin typeface="Cambria Math" panose="02040503050406030204" pitchFamily="18" charset="0"/>
+                        </a:rPr>
+                        <m:t>=</m:t>
+                      </m:r>
+                      <m:r>
+                        <a:rPr lang="en-US" altLang="zh-CN" i="1">
+                          <a:solidFill>
+                            <a:schemeClr val="dk1"/>
+                          </a:solidFill>
+                          <a:latin typeface="Cambria Math" panose="02040503050406030204" pitchFamily="18" charset="0"/>
+                        </a:rPr>
+                        <m:t>100, </m:t>
+                      </m:r>
+                      <m:sSub>
+                        <m:sSubPr>
+                          <m:ctrlPr>
+                            <a:rPr lang="en-US" altLang="zh-CN" i="1">
+                              <a:solidFill>
+                                <a:schemeClr val="dk1"/>
+                              </a:solidFill>
+                              <a:latin typeface="Cambria Math" panose="02040503050406030204" pitchFamily="18" charset="0"/>
+                            </a:rPr>
+                          </m:ctrlPr>
+                        </m:sSubPr>
+                        <m:e>
+                          <m:r>
+                            <a:rPr lang="en-US" altLang="zh-CN" i="1">
+                              <a:solidFill>
+                                <a:schemeClr val="dk1"/>
+                              </a:solidFill>
+                              <a:latin typeface="Cambria Math" panose="02040503050406030204" pitchFamily="18" charset="0"/>
+                            </a:rPr>
+                            <m:t>𝜏</m:t>
+                          </m:r>
+                        </m:e>
+                        <m:sub>
+                          <m:r>
+                            <a:rPr lang="en-US" altLang="zh-CN" i="1">
+                              <a:solidFill>
+                                <a:schemeClr val="dk1"/>
+                              </a:solidFill>
+                              <a:latin typeface="Cambria Math" panose="02040503050406030204" pitchFamily="18" charset="0"/>
+                            </a:rPr>
+                            <m:t>𝐸</m:t>
+                          </m:r>
+                        </m:sub>
+                      </m:sSub>
+                      <m:r>
+                        <a:rPr lang="en-US" altLang="zh-CN" i="1">
+                          <a:solidFill>
+                            <a:schemeClr val="dk1"/>
+                          </a:solidFill>
+                          <a:latin typeface="Cambria Math" panose="02040503050406030204" pitchFamily="18" charset="0"/>
+                        </a:rPr>
+                        <m:t>=50 </m:t>
+                      </m:r>
+                      <m:r>
+                        <a:rPr lang="en-US" altLang="zh-CN" i="1">
+                          <a:solidFill>
+                            <a:schemeClr val="dk1"/>
+                          </a:solidFill>
+                          <a:latin typeface="Cambria Math" panose="02040503050406030204" pitchFamily="18" charset="0"/>
+                        </a:rPr>
+                        <m:t>𝑚𝑠</m:t>
+                      </m:r>
+                      <m:r>
+                        <a:rPr lang="en-US" altLang="zh-CN" i="1">
+                          <a:solidFill>
+                            <a:schemeClr val="dk1"/>
+                          </a:solidFill>
+                          <a:latin typeface="Cambria Math" panose="02040503050406030204" pitchFamily="18" charset="0"/>
+                        </a:rPr>
+                        <m:t>, </m:t>
+                      </m:r>
+                      <m:sSub>
+                        <m:sSubPr>
+                          <m:ctrlPr>
+                            <a:rPr lang="en-US" altLang="zh-CN" i="1">
+                              <a:solidFill>
+                                <a:schemeClr val="dk1"/>
+                              </a:solidFill>
+                              <a:latin typeface="Cambria Math" panose="02040503050406030204" pitchFamily="18" charset="0"/>
+                            </a:rPr>
+                          </m:ctrlPr>
+                        </m:sSubPr>
+                        <m:e>
+                          <m:r>
+                            <a:rPr lang="en-US" altLang="zh-CN" i="1">
+                              <a:solidFill>
+                                <a:schemeClr val="dk1"/>
+                              </a:solidFill>
+                              <a:latin typeface="Cambria Math" panose="02040503050406030204" pitchFamily="18" charset="0"/>
+                            </a:rPr>
+                            <m:t>𝜏</m:t>
+                          </m:r>
+                        </m:e>
+                        <m:sub>
+                          <m:r>
+                            <a:rPr lang="en-US" altLang="zh-CN" i="1">
+                              <a:solidFill>
+                                <a:schemeClr val="dk1"/>
+                              </a:solidFill>
+                              <a:latin typeface="Cambria Math" panose="02040503050406030204" pitchFamily="18" charset="0"/>
+                            </a:rPr>
+                            <m:t>𝐼</m:t>
+                          </m:r>
+                        </m:sub>
+                      </m:sSub>
+                      <m:r>
+                        <a:rPr lang="en-US" altLang="zh-CN" i="1">
+                          <a:solidFill>
+                            <a:schemeClr val="dk1"/>
+                          </a:solidFill>
+                          <a:latin typeface="Cambria Math" panose="02040503050406030204" pitchFamily="18" charset="0"/>
+                        </a:rPr>
+                        <m:t>=30 </m:t>
+                      </m:r>
+                      <m:r>
+                        <a:rPr lang="en-US" altLang="zh-CN" i="1">
+                          <a:solidFill>
+                            <a:schemeClr val="dk1"/>
+                          </a:solidFill>
+                          <a:latin typeface="Cambria Math" panose="02040503050406030204" pitchFamily="18" charset="0"/>
+                        </a:rPr>
+                        <m:t>𝑚𝑠</m:t>
+                      </m:r>
+                    </m:oMath>
+                  </m:oMathPara>
+                </a14:m>
+                <a:endParaRPr lang="en-US" altLang="zh-CN" dirty="0">
+                  <a:solidFill>
+                    <a:schemeClr val="dk1"/>
+                  </a:solidFill>
+                </a:endParaRPr>
+              </a:p>
+              <a:p>
+                <a:pPr>
+                  <a:lnSpc>
+                    <a:spcPct val="115000"/>
+                  </a:lnSpc>
+                </a:pPr>
+                <a14:m>
+                  <m:oMathPara xmlns:m="http://schemas.openxmlformats.org/officeDocument/2006/math">
+                    <m:oMathParaPr>
+                      <m:jc m:val="centerGroup"/>
+                    </m:oMathParaPr>
+                    <m:oMath xmlns:m="http://schemas.openxmlformats.org/officeDocument/2006/math">
+                      <m:r>
+                        <a:rPr lang="en-US" altLang="zh-CN" b="0" i="1" smtClean="0">
+                          <a:solidFill>
+                            <a:schemeClr val="dk1"/>
+                          </a:solidFill>
+                          <a:latin typeface="Cambria Math" panose="02040503050406030204" pitchFamily="18" charset="0"/>
+                        </a:rPr>
+                        <m:t>𝑐𝑜𝑛𝑛𝑒𝑐𝑡𝑖𝑣𝑖𝑡𝑦</m:t>
+                      </m:r>
+                      <m:r>
+                        <a:rPr lang="en-US" altLang="zh-CN" b="0" i="1" smtClean="0">
+                          <a:solidFill>
+                            <a:schemeClr val="dk1"/>
+                          </a:solidFill>
+                          <a:latin typeface="Cambria Math" panose="02040503050406030204" pitchFamily="18" charset="0"/>
+                        </a:rPr>
+                        <m:t> </m:t>
+                      </m:r>
+                      <m:r>
+                        <a:rPr lang="en-US" altLang="zh-CN" b="0" i="1" smtClean="0">
+                          <a:solidFill>
+                            <a:schemeClr val="dk1"/>
+                          </a:solidFill>
+                          <a:latin typeface="Cambria Math" panose="02040503050406030204" pitchFamily="18" charset="0"/>
+                        </a:rPr>
+                        <m:t>𝑝𝑟𝑜𝑏𝑎𝑏𝑖𝑙𝑖𝑡𝑦</m:t>
+                      </m:r>
+                      <m:r>
+                        <a:rPr lang="en-US" altLang="zh-CN" b="0" i="1" smtClean="0">
+                          <a:solidFill>
+                            <a:schemeClr val="dk1"/>
+                          </a:solidFill>
+                          <a:latin typeface="Cambria Math" panose="02040503050406030204" pitchFamily="18" charset="0"/>
+                        </a:rPr>
+                        <m:t>=0.2</m:t>
+                      </m:r>
+                    </m:oMath>
+                  </m:oMathPara>
+                </a14:m>
+                <a:endParaRPr lang="en-US" altLang="zh-CN" dirty="0">
+                  <a:solidFill>
+                    <a:schemeClr val="dk1"/>
+                  </a:solidFill>
+                </a:endParaRPr>
+              </a:p>
+            </p:txBody>
+          </p:sp>
+        </mc:Choice>
+        <mc:Fallback>
+          <p:sp>
+            <p:nvSpPr>
+              <p:cNvPr id="13" name="Google Shape;105;ge9f2884d2e_2_8">
+                <a:extLst>
+                  <a:ext uri="{FF2B5EF4-FFF2-40B4-BE49-F238E27FC236}">
+                    <a16:creationId xmlns:a16="http://schemas.microsoft.com/office/drawing/2014/main" id="{D0262934-5D54-4B5C-9C50-F5E81254B10C}"/>
+                  </a:ext>
+                </a:extLst>
+              </p:cNvPr>
+              <p:cNvSpPr txBox="1">
+                <a:spLocks noRot="1" noChangeAspect="1" noMove="1" noResize="1" noEditPoints="1" noAdjustHandles="1" noChangeArrowheads="1" noChangeShapeType="1" noTextEdit="1"/>
+              </p:cNvSpPr>
+              <p:nvPr/>
+            </p:nvSpPr>
+            <p:spPr>
+              <a:xfrm>
+                <a:off x="6174381" y="336456"/>
+                <a:ext cx="3707332" cy="927916"/>
+              </a:xfrm>
+              <a:prstGeom prst="rect">
+                <a:avLst/>
+              </a:prstGeom>
+              <a:blipFill>
+                <a:blip r:embed="rId6"/>
+                <a:stretch>
+                  <a:fillRect/>
+                </a:stretch>
+              </a:blipFill>
+              <a:ln>
+                <a:noFill/>
+              </a:ln>
+            </p:spPr>
+            <p:txBody>
+              <a:bodyPr/>
+              <a:lstStyle/>
+              <a:p>
+                <a:r>
+                  <a:rPr lang="zh-CN" altLang="en-US">
+                    <a:noFill/>
+                  </a:rPr>
+                  <a:t> </a:t>
+                </a:r>
+              </a:p>
+            </p:txBody>
+          </p:sp>
+        </mc:Fallback>
+      </mc:AlternateContent>
     </p:spTree>
     <p:extLst>
       <p:ext uri="{BB962C8B-B14F-4D97-AF65-F5344CB8AC3E}">
@@ -19293,6 +22047,899 @@
               <a:buNone/>
             </a:pPr>
             <a:r>
+              <a:rPr lang="zh-CN">
+                <a:solidFill>
+                  <a:srgbClr val="174473"/>
+                </a:solidFill>
+              </a:rPr>
+              <a:t>Results</a:t>
+            </a:r>
+            <a:endParaRPr/>
+          </a:p>
+        </p:txBody>
+      </p:sp>
+      <p:cxnSp>
+        <p:nvCxnSpPr>
+          <p:cNvPr id="111" name="Google Shape;111;p20"/>
+          <p:cNvCxnSpPr/>
+          <p:nvPr/>
+        </p:nvCxnSpPr>
+        <p:spPr>
+          <a:xfrm>
+            <a:off x="838200" y="1400175"/>
+            <a:ext cx="9163050" cy="0"/>
+          </a:xfrm>
+          <a:prstGeom prst="straightConnector1">
+            <a:avLst/>
+          </a:prstGeom>
+          <a:noFill/>
+          <a:ln w="38100" cap="flat" cmpd="sng">
+            <a:solidFill>
+              <a:srgbClr val="174473"/>
+            </a:solidFill>
+            <a:prstDash val="solid"/>
+            <a:round/>
+            <a:headEnd type="none" w="sm" len="sm"/>
+            <a:tailEnd type="none" w="sm" len="sm"/>
+          </a:ln>
+        </p:spPr>
+      </p:cxnSp>
+      <p:sp>
+        <p:nvSpPr>
+          <p:cNvPr id="18" name="Google Shape;105;ge9f2884d2e_2_8">
+            <a:extLst>
+              <a:ext uri="{FF2B5EF4-FFF2-40B4-BE49-F238E27FC236}">
+                <a16:creationId xmlns:a16="http://schemas.microsoft.com/office/drawing/2014/main" id="{9CCBF00A-183A-4F70-AACC-B1B51318B651}"/>
+              </a:ext>
+            </a:extLst>
+          </p:cNvPr>
+          <p:cNvSpPr txBox="1"/>
+          <p:nvPr/>
+        </p:nvSpPr>
+        <p:spPr>
+          <a:xfrm>
+            <a:off x="330168" y="1426005"/>
+            <a:ext cx="3991252" cy="503184"/>
+          </a:xfrm>
+          <a:prstGeom prst="rect">
+            <a:avLst/>
+          </a:prstGeom>
+          <a:noFill/>
+          <a:ln>
+            <a:noFill/>
+          </a:ln>
+        </p:spPr>
+        <p:txBody>
+          <a:bodyPr spcFirstLastPara="1" wrap="square" lIns="91425" tIns="91425" rIns="91425" bIns="91425" anchor="t" anchorCtr="0">
+            <a:spAutoFit/>
+          </a:bodyPr>
+          <a:lstStyle/>
+          <a:p>
+            <a:pPr>
+              <a:lnSpc>
+                <a:spcPct val="115000"/>
+              </a:lnSpc>
+            </a:pPr>
+            <a:r>
+              <a:rPr lang="en-US" altLang="zh-CN" sz="1800" dirty="0">
+                <a:solidFill>
+                  <a:schemeClr val="dk1"/>
+                </a:solidFill>
+              </a:rPr>
+              <a:t>2-group 2-stimulus stimulation(E2I)</a:t>
+            </a:r>
+          </a:p>
+        </p:txBody>
+      </p:sp>
+      <p:sp>
+        <p:nvSpPr>
+          <p:cNvPr id="25" name="Google Shape;105;ge9f2884d2e_2_8">
+            <a:extLst>
+              <a:ext uri="{FF2B5EF4-FFF2-40B4-BE49-F238E27FC236}">
+                <a16:creationId xmlns:a16="http://schemas.microsoft.com/office/drawing/2014/main" id="{96A6D5CA-39F6-487F-BBBB-BC18D94E0A93}"/>
+              </a:ext>
+            </a:extLst>
+          </p:cNvPr>
+          <p:cNvSpPr txBox="1"/>
+          <p:nvPr/>
+        </p:nvSpPr>
+        <p:spPr>
+          <a:xfrm>
+            <a:off x="4271559" y="1426005"/>
+            <a:ext cx="3891532" cy="503184"/>
+          </a:xfrm>
+          <a:prstGeom prst="rect">
+            <a:avLst/>
+          </a:prstGeom>
+          <a:noFill/>
+          <a:ln>
+            <a:noFill/>
+          </a:ln>
+        </p:spPr>
+        <p:txBody>
+          <a:bodyPr spcFirstLastPara="1" wrap="square" lIns="91425" tIns="91425" rIns="91425" bIns="91425" anchor="t" anchorCtr="0">
+            <a:spAutoFit/>
+          </a:bodyPr>
+          <a:lstStyle/>
+          <a:p>
+            <a:pPr>
+              <a:lnSpc>
+                <a:spcPct val="115000"/>
+              </a:lnSpc>
+            </a:pPr>
+            <a:r>
+              <a:rPr lang="en-US" altLang="zh-CN" sz="1800" dirty="0">
+                <a:solidFill>
+                  <a:schemeClr val="dk1"/>
+                </a:solidFill>
+              </a:rPr>
+              <a:t>2-group 2-stimulus simulation(I2E)</a:t>
+            </a:r>
+          </a:p>
+        </p:txBody>
+      </p:sp>
+      <p:pic>
+        <p:nvPicPr>
+          <p:cNvPr id="3074" name="Picture 2">
+            <a:extLst>
+              <a:ext uri="{FF2B5EF4-FFF2-40B4-BE49-F238E27FC236}">
+                <a16:creationId xmlns:a16="http://schemas.microsoft.com/office/drawing/2014/main" id="{68E5472A-4833-4DCD-859A-9E4C8CD7C00D}"/>
+              </a:ext>
+            </a:extLst>
+          </p:cNvPr>
+          <p:cNvPicPr>
+            <a:picLocks noChangeAspect="1" noChangeArrowheads="1"/>
+          </p:cNvPicPr>
+          <p:nvPr/>
+        </p:nvPicPr>
+        <p:blipFill>
+          <a:blip r:embed="rId3">
+            <a:extLst>
+              <a:ext uri="{28A0092B-C50C-407E-A947-70E740481C1C}">
+                <a14:useLocalDpi xmlns:a14="http://schemas.microsoft.com/office/drawing/2010/main" val="0"/>
+              </a:ext>
+            </a:extLst>
+          </a:blip>
+          <a:srcRect/>
+          <a:stretch>
+            <a:fillRect/>
+          </a:stretch>
+        </p:blipFill>
+        <p:spPr bwMode="auto">
+          <a:xfrm>
+            <a:off x="380029" y="1851537"/>
+            <a:ext cx="3891531" cy="4986023"/>
+          </a:xfrm>
+          <a:prstGeom prst="rect">
+            <a:avLst/>
+          </a:prstGeom>
+          <a:noFill/>
+          <a:extLst>
+            <a:ext uri="{909E8E84-426E-40DD-AFC4-6F175D3DCCD1}">
+              <a14:hiddenFill xmlns:a14="http://schemas.microsoft.com/office/drawing/2010/main">
+                <a:solidFill>
+                  <a:srgbClr val="FFFFFF"/>
+                </a:solidFill>
+              </a14:hiddenFill>
+            </a:ext>
+          </a:extLst>
+        </p:spPr>
+      </p:pic>
+      <p:pic>
+        <p:nvPicPr>
+          <p:cNvPr id="3076" name="Picture 4">
+            <a:extLst>
+              <a:ext uri="{FF2B5EF4-FFF2-40B4-BE49-F238E27FC236}">
+                <a16:creationId xmlns:a16="http://schemas.microsoft.com/office/drawing/2014/main" id="{D935144C-1240-4574-B3AC-1ECEBA03339B}"/>
+              </a:ext>
+            </a:extLst>
+          </p:cNvPr>
+          <p:cNvPicPr>
+            <a:picLocks noChangeAspect="1" noChangeArrowheads="1"/>
+          </p:cNvPicPr>
+          <p:nvPr/>
+        </p:nvPicPr>
+        <p:blipFill>
+          <a:blip r:embed="rId4">
+            <a:extLst>
+              <a:ext uri="{28A0092B-C50C-407E-A947-70E740481C1C}">
+                <a14:useLocalDpi xmlns:a14="http://schemas.microsoft.com/office/drawing/2010/main" val="0"/>
+              </a:ext>
+            </a:extLst>
+          </a:blip>
+          <a:srcRect/>
+          <a:stretch>
+            <a:fillRect/>
+          </a:stretch>
+        </p:blipFill>
+        <p:spPr bwMode="auto">
+          <a:xfrm>
+            <a:off x="4262682" y="1851537"/>
+            <a:ext cx="3891531" cy="4986024"/>
+          </a:xfrm>
+          <a:prstGeom prst="rect">
+            <a:avLst/>
+          </a:prstGeom>
+          <a:noFill/>
+          <a:extLst>
+            <a:ext uri="{909E8E84-426E-40DD-AFC4-6F175D3DCCD1}">
+              <a14:hiddenFill xmlns:a14="http://schemas.microsoft.com/office/drawing/2010/main">
+                <a:solidFill>
+                  <a:srgbClr val="FFFFFF"/>
+                </a:solidFill>
+              </a14:hiddenFill>
+            </a:ext>
+          </a:extLst>
+        </p:spPr>
+      </p:pic>
+      <p:pic>
+        <p:nvPicPr>
+          <p:cNvPr id="3078" name="Picture 6">
+            <a:extLst>
+              <a:ext uri="{FF2B5EF4-FFF2-40B4-BE49-F238E27FC236}">
+                <a16:creationId xmlns:a16="http://schemas.microsoft.com/office/drawing/2014/main" id="{F3CC2160-439C-40D2-B5C2-F4ABEA05DA8A}"/>
+              </a:ext>
+            </a:extLst>
+          </p:cNvPr>
+          <p:cNvPicPr>
+            <a:picLocks noChangeAspect="1" noChangeArrowheads="1"/>
+          </p:cNvPicPr>
+          <p:nvPr/>
+        </p:nvPicPr>
+        <p:blipFill>
+          <a:blip r:embed="rId5">
+            <a:extLst>
+              <a:ext uri="{28A0092B-C50C-407E-A947-70E740481C1C}">
+                <a14:useLocalDpi xmlns:a14="http://schemas.microsoft.com/office/drawing/2010/main" val="0"/>
+              </a:ext>
+            </a:extLst>
+          </a:blip>
+          <a:srcRect/>
+          <a:stretch>
+            <a:fillRect/>
+          </a:stretch>
+        </p:blipFill>
+        <p:spPr bwMode="auto">
+          <a:xfrm>
+            <a:off x="8028748" y="1851537"/>
+            <a:ext cx="3891531" cy="4986024"/>
+          </a:xfrm>
+          <a:prstGeom prst="rect">
+            <a:avLst/>
+          </a:prstGeom>
+          <a:noFill/>
+          <a:extLst>
+            <a:ext uri="{909E8E84-426E-40DD-AFC4-6F175D3DCCD1}">
+              <a14:hiddenFill xmlns:a14="http://schemas.microsoft.com/office/drawing/2010/main">
+                <a:solidFill>
+                  <a:srgbClr val="FFFFFF"/>
+                </a:solidFill>
+              </a14:hiddenFill>
+            </a:ext>
+          </a:extLst>
+        </p:spPr>
+      </p:pic>
+      <p:sp>
+        <p:nvSpPr>
+          <p:cNvPr id="12" name="Google Shape;105;ge9f2884d2e_2_8">
+            <a:extLst>
+              <a:ext uri="{FF2B5EF4-FFF2-40B4-BE49-F238E27FC236}">
+                <a16:creationId xmlns:a16="http://schemas.microsoft.com/office/drawing/2014/main" id="{A0F7E6C3-A78B-4D34-B191-E4E886C672EC}"/>
+              </a:ext>
+            </a:extLst>
+          </p:cNvPr>
+          <p:cNvSpPr txBox="1"/>
+          <p:nvPr/>
+        </p:nvSpPr>
+        <p:spPr>
+          <a:xfrm>
+            <a:off x="8095919" y="1426005"/>
+            <a:ext cx="3891532" cy="503184"/>
+          </a:xfrm>
+          <a:prstGeom prst="rect">
+            <a:avLst/>
+          </a:prstGeom>
+          <a:noFill/>
+          <a:ln>
+            <a:noFill/>
+          </a:ln>
+        </p:spPr>
+        <p:txBody>
+          <a:bodyPr spcFirstLastPara="1" wrap="square" lIns="91425" tIns="91425" rIns="91425" bIns="91425" anchor="t" anchorCtr="0">
+            <a:spAutoFit/>
+          </a:bodyPr>
+          <a:lstStyle/>
+          <a:p>
+            <a:pPr>
+              <a:lnSpc>
+                <a:spcPct val="115000"/>
+              </a:lnSpc>
+            </a:pPr>
+            <a:r>
+              <a:rPr lang="en-US" altLang="zh-CN" sz="1800" dirty="0">
+                <a:solidFill>
+                  <a:schemeClr val="dk1"/>
+                </a:solidFill>
+              </a:rPr>
+              <a:t>2-group 2-stimulus simulation(I2I)</a:t>
+            </a:r>
+          </a:p>
+        </p:txBody>
+      </p:sp>
+      <mc:AlternateContent xmlns:mc="http://schemas.openxmlformats.org/markup-compatibility/2006">
+        <mc:Choice xmlns:a14="http://schemas.microsoft.com/office/drawing/2010/main" Requires="a14">
+          <p:sp>
+            <p:nvSpPr>
+              <p:cNvPr id="13" name="Google Shape;105;ge9f2884d2e_2_8">
+                <a:extLst>
+                  <a:ext uri="{FF2B5EF4-FFF2-40B4-BE49-F238E27FC236}">
+                    <a16:creationId xmlns:a16="http://schemas.microsoft.com/office/drawing/2014/main" id="{29454C02-F3F3-4234-8D4A-8B90E26556E0}"/>
+                  </a:ext>
+                </a:extLst>
+              </p:cNvPr>
+              <p:cNvSpPr txBox="1"/>
+              <p:nvPr/>
+            </p:nvSpPr>
+            <p:spPr>
+              <a:xfrm>
+                <a:off x="6440040" y="379239"/>
+                <a:ext cx="3707332" cy="927916"/>
+              </a:xfrm>
+              <a:prstGeom prst="rect">
+                <a:avLst/>
+              </a:prstGeom>
+              <a:noFill/>
+              <a:ln>
+                <a:noFill/>
+              </a:ln>
+            </p:spPr>
+            <p:txBody>
+              <a:bodyPr spcFirstLastPara="1" wrap="square" lIns="91425" tIns="91425" rIns="91425" bIns="91425" anchor="t" anchorCtr="0">
+                <a:spAutoFit/>
+              </a:bodyPr>
+              <a:lstStyle/>
+              <a:p>
+                <a:pPr>
+                  <a:lnSpc>
+                    <a:spcPct val="115000"/>
+                  </a:lnSpc>
+                </a:pPr>
+                <a14:m>
+                  <m:oMathPara xmlns:m="http://schemas.openxmlformats.org/officeDocument/2006/math">
+                    <m:oMathParaPr>
+                      <m:jc m:val="centerGroup"/>
+                    </m:oMathParaPr>
+                    <m:oMath xmlns:m="http://schemas.openxmlformats.org/officeDocument/2006/math">
+                      <m:r>
+                        <a:rPr lang="en-US" altLang="zh-CN" i="1" smtClean="0">
+                          <a:solidFill>
+                            <a:schemeClr val="dk1"/>
+                          </a:solidFill>
+                          <a:latin typeface="Cambria Math" panose="02040503050406030204" pitchFamily="18" charset="0"/>
+                        </a:rPr>
+                        <m:t>𝑡𝑖𝑚𝑒</m:t>
+                      </m:r>
+                      <m:r>
+                        <a:rPr lang="en-US" altLang="zh-CN" i="1">
+                          <a:solidFill>
+                            <a:schemeClr val="dk1"/>
+                          </a:solidFill>
+                          <a:latin typeface="Cambria Math" panose="02040503050406030204" pitchFamily="18" charset="0"/>
+                        </a:rPr>
+                        <m:t>=</m:t>
+                      </m:r>
+                      <m:r>
+                        <a:rPr lang="en-US" altLang="zh-CN" i="1">
+                          <a:solidFill>
+                            <a:schemeClr val="dk1"/>
+                          </a:solidFill>
+                          <a:latin typeface="Cambria Math" panose="02040503050406030204" pitchFamily="18" charset="0"/>
+                        </a:rPr>
+                        <m:t>40</m:t>
+                      </m:r>
+                      <m:r>
+                        <a:rPr lang="en-US" altLang="zh-CN" i="1">
+                          <a:solidFill>
+                            <a:schemeClr val="dk1"/>
+                          </a:solidFill>
+                          <a:latin typeface="Cambria Math" panose="02040503050406030204" pitchFamily="18" charset="0"/>
+                        </a:rPr>
+                        <m:t>0 </m:t>
+                      </m:r>
+                      <m:r>
+                        <a:rPr lang="en-US" altLang="zh-CN" i="1">
+                          <a:solidFill>
+                            <a:schemeClr val="dk1"/>
+                          </a:solidFill>
+                          <a:latin typeface="Cambria Math" panose="02040503050406030204" pitchFamily="18" charset="0"/>
+                        </a:rPr>
+                        <m:t>𝑚𝑠</m:t>
+                      </m:r>
+                      <m:r>
+                        <a:rPr lang="en-US" altLang="zh-CN" i="1">
+                          <a:solidFill>
+                            <a:schemeClr val="dk1"/>
+                          </a:solidFill>
+                          <a:latin typeface="Cambria Math" panose="02040503050406030204" pitchFamily="18" charset="0"/>
+                        </a:rPr>
+                        <m:t>, </m:t>
+                      </m:r>
+                      <m:r>
+                        <a:rPr lang="en-US" altLang="zh-CN" i="1">
+                          <a:solidFill>
+                            <a:schemeClr val="dk1"/>
+                          </a:solidFill>
+                          <a:latin typeface="Cambria Math" panose="02040503050406030204" pitchFamily="18" charset="0"/>
+                        </a:rPr>
+                        <m:t>𝑠𝑡𝑖𝑚𝑢𝑙𝑢𝑠</m:t>
+                      </m:r>
+                      <m:r>
+                        <a:rPr lang="en-US" altLang="zh-CN" i="1">
+                          <a:solidFill>
+                            <a:schemeClr val="dk1"/>
+                          </a:solidFill>
+                          <a:latin typeface="Cambria Math" panose="02040503050406030204" pitchFamily="18" charset="0"/>
+                        </a:rPr>
+                        <m:t>=</m:t>
+                      </m:r>
+                      <m:r>
+                        <a:rPr lang="en-US" altLang="zh-CN" i="1">
+                          <a:solidFill>
+                            <a:schemeClr val="dk1"/>
+                          </a:solidFill>
+                          <a:latin typeface="Cambria Math" panose="02040503050406030204" pitchFamily="18" charset="0"/>
+                        </a:rPr>
+                        <m:t>30</m:t>
+                      </m:r>
+                      <m:r>
+                        <a:rPr lang="en-US" altLang="zh-CN" i="1">
+                          <a:solidFill>
+                            <a:schemeClr val="dk1"/>
+                          </a:solidFill>
+                          <a:latin typeface="Cambria Math" panose="02040503050406030204" pitchFamily="18" charset="0"/>
+                        </a:rPr>
+                        <m:t> </m:t>
+                      </m:r>
+                      <m:r>
+                        <a:rPr lang="en-US" altLang="zh-CN" i="1">
+                          <a:solidFill>
+                            <a:schemeClr val="dk1"/>
+                          </a:solidFill>
+                          <a:latin typeface="Cambria Math" panose="02040503050406030204" pitchFamily="18" charset="0"/>
+                        </a:rPr>
+                        <m:t>𝑚𝑠</m:t>
+                      </m:r>
+                    </m:oMath>
+                  </m:oMathPara>
+                </a14:m>
+                <a:endParaRPr lang="en-US" altLang="zh-CN" dirty="0">
+                  <a:solidFill>
+                    <a:schemeClr val="dk1"/>
+                  </a:solidFill>
+                </a:endParaRPr>
+              </a:p>
+              <a:p>
+                <a:pPr>
+                  <a:lnSpc>
+                    <a:spcPct val="115000"/>
+                  </a:lnSpc>
+                </a:pPr>
+                <a14:m>
+                  <m:oMathPara xmlns:m="http://schemas.openxmlformats.org/officeDocument/2006/math">
+                    <m:oMathParaPr>
+                      <m:jc m:val="centerGroup"/>
+                    </m:oMathParaPr>
+                    <m:oMath xmlns:m="http://schemas.openxmlformats.org/officeDocument/2006/math">
+                      <m:sSub>
+                        <m:sSubPr>
+                          <m:ctrlPr>
+                            <a:rPr lang="en-US" altLang="zh-CN" i="1">
+                              <a:solidFill>
+                                <a:schemeClr val="dk1"/>
+                              </a:solidFill>
+                              <a:latin typeface="Cambria Math" panose="02040503050406030204" pitchFamily="18" charset="0"/>
+                            </a:rPr>
+                          </m:ctrlPr>
+                        </m:sSubPr>
+                        <m:e>
+                          <m:r>
+                            <a:rPr lang="en-US" altLang="zh-CN" i="1">
+                              <a:solidFill>
+                                <a:schemeClr val="dk1"/>
+                              </a:solidFill>
+                              <a:latin typeface="Cambria Math" panose="02040503050406030204" pitchFamily="18" charset="0"/>
+                            </a:rPr>
+                            <m:t>𝑁</m:t>
+                          </m:r>
+                        </m:e>
+                        <m:sub>
+                          <m:r>
+                            <a:rPr lang="en-US" altLang="zh-CN" i="1">
+                              <a:solidFill>
+                                <a:schemeClr val="dk1"/>
+                              </a:solidFill>
+                              <a:latin typeface="Cambria Math" panose="02040503050406030204" pitchFamily="18" charset="0"/>
+                            </a:rPr>
+                            <m:t>1</m:t>
+                          </m:r>
+                        </m:sub>
+                      </m:sSub>
+                      <m:r>
+                        <a:rPr lang="en-US" altLang="zh-CN" i="1">
+                          <a:solidFill>
+                            <a:schemeClr val="dk1"/>
+                          </a:solidFill>
+                          <a:latin typeface="Cambria Math" panose="02040503050406030204" pitchFamily="18" charset="0"/>
+                        </a:rPr>
+                        <m:t>=</m:t>
+                      </m:r>
+                      <m:sSub>
+                        <m:sSubPr>
+                          <m:ctrlPr>
+                            <a:rPr lang="en-US" altLang="zh-CN" i="1">
+                              <a:solidFill>
+                                <a:schemeClr val="dk1"/>
+                              </a:solidFill>
+                              <a:latin typeface="Cambria Math" panose="02040503050406030204" pitchFamily="18" charset="0"/>
+                            </a:rPr>
+                          </m:ctrlPr>
+                        </m:sSubPr>
+                        <m:e>
+                          <m:r>
+                            <a:rPr lang="en-US" altLang="zh-CN" i="1">
+                              <a:solidFill>
+                                <a:schemeClr val="dk1"/>
+                              </a:solidFill>
+                              <a:latin typeface="Cambria Math" panose="02040503050406030204" pitchFamily="18" charset="0"/>
+                            </a:rPr>
+                            <m:t>𝑁</m:t>
+                          </m:r>
+                        </m:e>
+                        <m:sub>
+                          <m:r>
+                            <a:rPr lang="en-US" altLang="zh-CN" i="1">
+                              <a:solidFill>
+                                <a:schemeClr val="dk1"/>
+                              </a:solidFill>
+                              <a:latin typeface="Cambria Math" panose="02040503050406030204" pitchFamily="18" charset="0"/>
+                            </a:rPr>
+                            <m:t>2</m:t>
+                          </m:r>
+                        </m:sub>
+                      </m:sSub>
+                      <m:r>
+                        <a:rPr lang="en-US" altLang="zh-CN" i="1">
+                          <a:solidFill>
+                            <a:schemeClr val="dk1"/>
+                          </a:solidFill>
+                          <a:latin typeface="Cambria Math" panose="02040503050406030204" pitchFamily="18" charset="0"/>
+                        </a:rPr>
+                        <m:t> </m:t>
+                      </m:r>
+                      <m:r>
+                        <a:rPr lang="en-US" altLang="zh-CN" i="1">
+                          <a:solidFill>
+                            <a:schemeClr val="dk1"/>
+                          </a:solidFill>
+                          <a:latin typeface="Cambria Math" panose="02040503050406030204" pitchFamily="18" charset="0"/>
+                        </a:rPr>
+                        <m:t>=</m:t>
+                      </m:r>
+                      <m:r>
+                        <a:rPr lang="en-US" altLang="zh-CN" i="1">
+                          <a:solidFill>
+                            <a:schemeClr val="dk1"/>
+                          </a:solidFill>
+                          <a:latin typeface="Cambria Math" panose="02040503050406030204" pitchFamily="18" charset="0"/>
+                        </a:rPr>
+                        <m:t>100, </m:t>
+                      </m:r>
+                      <m:sSub>
+                        <m:sSubPr>
+                          <m:ctrlPr>
+                            <a:rPr lang="en-US" altLang="zh-CN" i="1">
+                              <a:solidFill>
+                                <a:schemeClr val="dk1"/>
+                              </a:solidFill>
+                              <a:latin typeface="Cambria Math" panose="02040503050406030204" pitchFamily="18" charset="0"/>
+                            </a:rPr>
+                          </m:ctrlPr>
+                        </m:sSubPr>
+                        <m:e>
+                          <m:r>
+                            <a:rPr lang="en-US" altLang="zh-CN" i="1">
+                              <a:solidFill>
+                                <a:schemeClr val="dk1"/>
+                              </a:solidFill>
+                              <a:latin typeface="Cambria Math" panose="02040503050406030204" pitchFamily="18" charset="0"/>
+                            </a:rPr>
+                            <m:t>𝜏</m:t>
+                          </m:r>
+                        </m:e>
+                        <m:sub>
+                          <m:r>
+                            <a:rPr lang="en-US" altLang="zh-CN" i="1">
+                              <a:solidFill>
+                                <a:schemeClr val="dk1"/>
+                              </a:solidFill>
+                              <a:latin typeface="Cambria Math" panose="02040503050406030204" pitchFamily="18" charset="0"/>
+                            </a:rPr>
+                            <m:t>𝐸</m:t>
+                          </m:r>
+                        </m:sub>
+                      </m:sSub>
+                      <m:r>
+                        <a:rPr lang="en-US" altLang="zh-CN" i="1">
+                          <a:solidFill>
+                            <a:schemeClr val="dk1"/>
+                          </a:solidFill>
+                          <a:latin typeface="Cambria Math" panose="02040503050406030204" pitchFamily="18" charset="0"/>
+                        </a:rPr>
+                        <m:t>=50 </m:t>
+                      </m:r>
+                      <m:r>
+                        <a:rPr lang="en-US" altLang="zh-CN" i="1">
+                          <a:solidFill>
+                            <a:schemeClr val="dk1"/>
+                          </a:solidFill>
+                          <a:latin typeface="Cambria Math" panose="02040503050406030204" pitchFamily="18" charset="0"/>
+                        </a:rPr>
+                        <m:t>𝑚𝑠</m:t>
+                      </m:r>
+                      <m:r>
+                        <a:rPr lang="en-US" altLang="zh-CN" i="1">
+                          <a:solidFill>
+                            <a:schemeClr val="dk1"/>
+                          </a:solidFill>
+                          <a:latin typeface="Cambria Math" panose="02040503050406030204" pitchFamily="18" charset="0"/>
+                        </a:rPr>
+                        <m:t>, </m:t>
+                      </m:r>
+                      <m:sSub>
+                        <m:sSubPr>
+                          <m:ctrlPr>
+                            <a:rPr lang="en-US" altLang="zh-CN" i="1">
+                              <a:solidFill>
+                                <a:schemeClr val="dk1"/>
+                              </a:solidFill>
+                              <a:latin typeface="Cambria Math" panose="02040503050406030204" pitchFamily="18" charset="0"/>
+                            </a:rPr>
+                          </m:ctrlPr>
+                        </m:sSubPr>
+                        <m:e>
+                          <m:r>
+                            <a:rPr lang="en-US" altLang="zh-CN" i="1">
+                              <a:solidFill>
+                                <a:schemeClr val="dk1"/>
+                              </a:solidFill>
+                              <a:latin typeface="Cambria Math" panose="02040503050406030204" pitchFamily="18" charset="0"/>
+                            </a:rPr>
+                            <m:t>𝜏</m:t>
+                          </m:r>
+                        </m:e>
+                        <m:sub>
+                          <m:r>
+                            <a:rPr lang="en-US" altLang="zh-CN" i="1">
+                              <a:solidFill>
+                                <a:schemeClr val="dk1"/>
+                              </a:solidFill>
+                              <a:latin typeface="Cambria Math" panose="02040503050406030204" pitchFamily="18" charset="0"/>
+                            </a:rPr>
+                            <m:t>𝐼</m:t>
+                          </m:r>
+                        </m:sub>
+                      </m:sSub>
+                      <m:r>
+                        <a:rPr lang="en-US" altLang="zh-CN" i="1">
+                          <a:solidFill>
+                            <a:schemeClr val="dk1"/>
+                          </a:solidFill>
+                          <a:latin typeface="Cambria Math" panose="02040503050406030204" pitchFamily="18" charset="0"/>
+                        </a:rPr>
+                        <m:t>=30 </m:t>
+                      </m:r>
+                      <m:r>
+                        <a:rPr lang="en-US" altLang="zh-CN" i="1">
+                          <a:solidFill>
+                            <a:schemeClr val="dk1"/>
+                          </a:solidFill>
+                          <a:latin typeface="Cambria Math" panose="02040503050406030204" pitchFamily="18" charset="0"/>
+                        </a:rPr>
+                        <m:t>𝑚𝑠</m:t>
+                      </m:r>
+                    </m:oMath>
+                  </m:oMathPara>
+                </a14:m>
+                <a:endParaRPr lang="en-US" altLang="zh-CN" dirty="0">
+                  <a:solidFill>
+                    <a:schemeClr val="dk1"/>
+                  </a:solidFill>
+                </a:endParaRPr>
+              </a:p>
+              <a:p>
+                <a:pPr>
+                  <a:lnSpc>
+                    <a:spcPct val="115000"/>
+                  </a:lnSpc>
+                </a:pPr>
+                <a14:m>
+                  <m:oMathPara xmlns:m="http://schemas.openxmlformats.org/officeDocument/2006/math">
+                    <m:oMathParaPr>
+                      <m:jc m:val="centerGroup"/>
+                    </m:oMathParaPr>
+                    <m:oMath xmlns:m="http://schemas.openxmlformats.org/officeDocument/2006/math">
+                      <m:r>
+                        <a:rPr lang="en-US" altLang="zh-CN" b="0" i="1" smtClean="0">
+                          <a:solidFill>
+                            <a:schemeClr val="dk1"/>
+                          </a:solidFill>
+                          <a:latin typeface="Cambria Math" panose="02040503050406030204" pitchFamily="18" charset="0"/>
+                        </a:rPr>
+                        <m:t>𝑐𝑜𝑛𝑛𝑒𝑐𝑡𝑖𝑣𝑖𝑡𝑦</m:t>
+                      </m:r>
+                      <m:r>
+                        <a:rPr lang="en-US" altLang="zh-CN" b="0" i="1" smtClean="0">
+                          <a:solidFill>
+                            <a:schemeClr val="dk1"/>
+                          </a:solidFill>
+                          <a:latin typeface="Cambria Math" panose="02040503050406030204" pitchFamily="18" charset="0"/>
+                        </a:rPr>
+                        <m:t> </m:t>
+                      </m:r>
+                      <m:r>
+                        <a:rPr lang="en-US" altLang="zh-CN" b="0" i="1" smtClean="0">
+                          <a:solidFill>
+                            <a:schemeClr val="dk1"/>
+                          </a:solidFill>
+                          <a:latin typeface="Cambria Math" panose="02040503050406030204" pitchFamily="18" charset="0"/>
+                        </a:rPr>
+                        <m:t>𝑝𝑟𝑜𝑏𝑎𝑏𝑖𝑙𝑖𝑡𝑦</m:t>
+                      </m:r>
+                      <m:r>
+                        <a:rPr lang="en-US" altLang="zh-CN" b="0" i="1" smtClean="0">
+                          <a:solidFill>
+                            <a:schemeClr val="dk1"/>
+                          </a:solidFill>
+                          <a:latin typeface="Cambria Math" panose="02040503050406030204" pitchFamily="18" charset="0"/>
+                        </a:rPr>
+                        <m:t>=0.2</m:t>
+                      </m:r>
+                    </m:oMath>
+                  </m:oMathPara>
+                </a14:m>
+                <a:endParaRPr lang="en-US" altLang="zh-CN" dirty="0">
+                  <a:solidFill>
+                    <a:schemeClr val="dk1"/>
+                  </a:solidFill>
+                </a:endParaRPr>
+              </a:p>
+            </p:txBody>
+          </p:sp>
+        </mc:Choice>
+        <mc:Fallback>
+          <p:sp>
+            <p:nvSpPr>
+              <p:cNvPr id="13" name="Google Shape;105;ge9f2884d2e_2_8">
+                <a:extLst>
+                  <a:ext uri="{FF2B5EF4-FFF2-40B4-BE49-F238E27FC236}">
+                    <a16:creationId xmlns:a16="http://schemas.microsoft.com/office/drawing/2014/main" id="{29454C02-F3F3-4234-8D4A-8B90E26556E0}"/>
+                  </a:ext>
+                </a:extLst>
+              </p:cNvPr>
+              <p:cNvSpPr txBox="1">
+                <a:spLocks noRot="1" noChangeAspect="1" noMove="1" noResize="1" noEditPoints="1" noAdjustHandles="1" noChangeArrowheads="1" noChangeShapeType="1" noTextEdit="1"/>
+              </p:cNvSpPr>
+              <p:nvPr/>
+            </p:nvSpPr>
+            <p:spPr>
+              <a:xfrm>
+                <a:off x="6440040" y="379239"/>
+                <a:ext cx="3707332" cy="927916"/>
+              </a:xfrm>
+              <a:prstGeom prst="rect">
+                <a:avLst/>
+              </a:prstGeom>
+              <a:blipFill>
+                <a:blip r:embed="rId6"/>
+                <a:stretch>
+                  <a:fillRect/>
+                </a:stretch>
+              </a:blipFill>
+              <a:ln>
+                <a:noFill/>
+              </a:ln>
+            </p:spPr>
+            <p:txBody>
+              <a:bodyPr/>
+              <a:lstStyle/>
+              <a:p>
+                <a:r>
+                  <a:rPr lang="zh-CN" altLang="en-US">
+                    <a:noFill/>
+                  </a:rPr>
+                  <a:t> </a:t>
+                </a:r>
+              </a:p>
+            </p:txBody>
+          </p:sp>
+        </mc:Fallback>
+      </mc:AlternateContent>
+    </p:spTree>
+    <p:extLst>
+      <p:ext uri="{BB962C8B-B14F-4D97-AF65-F5344CB8AC3E}">
+        <p14:creationId xmlns:p14="http://schemas.microsoft.com/office/powerpoint/2010/main" val="3018540882"/>
+      </p:ext>
+    </p:extLst>
+  </p:cSld>
+  <p:clrMapOvr>
+    <a:masterClrMapping/>
+  </p:clrMapOvr>
+</p:sld>
+</file>
+
+<file path=ppt/slides/slide9.xml><?xml version="1.0" encoding="utf-8"?>
+<p:sld xmlns:a="http://schemas.openxmlformats.org/drawingml/2006/main" xmlns:r="http://schemas.openxmlformats.org/officeDocument/2006/relationships" xmlns:p="http://schemas.openxmlformats.org/presentationml/2006/main">
+  <p:cSld>
+    <p:spTree>
+      <p:nvGrpSpPr>
+        <p:cNvPr id="1" name="Shape 109"/>
+        <p:cNvGrpSpPr/>
+        <p:nvPr/>
+      </p:nvGrpSpPr>
+      <p:grpSpPr>
+        <a:xfrm>
+          <a:off x="0" y="0"/>
+          <a:ext cx="0" cy="0"/>
+          <a:chOff x="0" y="0"/>
+          <a:chExt cx="0" cy="0"/>
+        </a:xfrm>
+      </p:grpSpPr>
+      <p:sp>
+        <p:nvSpPr>
+          <p:cNvPr id="110" name="Google Shape;110;p20"/>
+          <p:cNvSpPr txBox="1">
+            <a:spLocks noGrp="1"/>
+          </p:cNvSpPr>
+          <p:nvPr>
+            <p:ph type="title"/>
+          </p:nvPr>
+        </p:nvSpPr>
+        <p:spPr>
+          <a:xfrm>
+            <a:off x="838200" y="365125"/>
+            <a:ext cx="10515600" cy="1325563"/>
+          </a:xfrm>
+          <a:prstGeom prst="rect">
+            <a:avLst/>
+          </a:prstGeom>
+          <a:noFill/>
+          <a:ln>
+            <a:noFill/>
+          </a:ln>
+        </p:spPr>
+        <p:txBody>
+          <a:bodyPr spcFirstLastPara="1" wrap="square" lIns="91425" tIns="45700" rIns="91425" bIns="45700" anchor="ctr" anchorCtr="0">
+            <a:normAutofit/>
+          </a:bodyPr>
+          <a:lstStyle/>
+          <a:p>
+            <a:pPr marL="0" lvl="0" indent="0" algn="l" rtl="0">
+              <a:lnSpc>
+                <a:spcPct val="90000"/>
+              </a:lnSpc>
+              <a:spcBef>
+                <a:spcPts val="0"/>
+              </a:spcBef>
+              <a:spcAft>
+                <a:spcPts val="0"/>
+              </a:spcAft>
+              <a:buClr>
+                <a:schemeClr val="dk1"/>
+              </a:buClr>
+              <a:buSzPts val="1800"/>
+              <a:buNone/>
+            </a:pPr>
+            <a:r>
               <a:rPr lang="zh-CN" dirty="0">
                 <a:solidFill>
                   <a:srgbClr val="174473"/>
@@ -19330,66 +22977,6 @@
           </a:ln>
         </p:spPr>
       </p:cxnSp>
-      <p:pic>
-        <p:nvPicPr>
-          <p:cNvPr id="3" name="图片 2">
-            <a:extLst>
-              <a:ext uri="{FF2B5EF4-FFF2-40B4-BE49-F238E27FC236}">
-                <a16:creationId xmlns:a16="http://schemas.microsoft.com/office/drawing/2014/main" id="{6B2D3126-645A-4BFD-8B4B-FCCF991B4257}"/>
-              </a:ext>
-            </a:extLst>
-          </p:cNvPr>
-          <p:cNvPicPr>
-            <a:picLocks noChangeAspect="1"/>
-          </p:cNvPicPr>
-          <p:nvPr/>
-        </p:nvPicPr>
-        <p:blipFill>
-          <a:blip r:embed="rId3"/>
-          <a:stretch>
-            <a:fillRect/>
-          </a:stretch>
-        </p:blipFill>
-        <p:spPr>
-          <a:xfrm>
-            <a:off x="1138982" y="2069844"/>
-            <a:ext cx="4622343" cy="2275059"/>
-          </a:xfrm>
-          <a:prstGeom prst="rect">
-            <a:avLst/>
-          </a:prstGeom>
-        </p:spPr>
-      </p:pic>
-      <p:pic>
-        <p:nvPicPr>
-          <p:cNvPr id="15" name="图片 14">
-            <a:extLst>
-              <a:ext uri="{FF2B5EF4-FFF2-40B4-BE49-F238E27FC236}">
-                <a16:creationId xmlns:a16="http://schemas.microsoft.com/office/drawing/2014/main" id="{A2ECA31A-84B2-4F4C-9B7B-8296E628A03A}"/>
-              </a:ext>
-            </a:extLst>
-          </p:cNvPr>
-          <p:cNvPicPr>
-            <a:picLocks noChangeAspect="1"/>
-          </p:cNvPicPr>
-          <p:nvPr/>
-        </p:nvPicPr>
-        <p:blipFill>
-          <a:blip r:embed="rId4"/>
-          <a:stretch>
-            <a:fillRect/>
-          </a:stretch>
-        </p:blipFill>
-        <p:spPr>
-          <a:xfrm rot="10800000" flipH="1" flipV="1">
-            <a:off x="1138982" y="4385946"/>
-            <a:ext cx="4622343" cy="2275060"/>
-          </a:xfrm>
-          <a:prstGeom prst="rect">
-            <a:avLst/>
-          </a:prstGeom>
-        </p:spPr>
-      </p:pic>
       <p:sp>
         <p:nvSpPr>
           <p:cNvPr id="18" name="Google Shape;105;ge9f2884d2e_2_8">
@@ -19452,7 +23039,7 @@
           <p:nvPr/>
         </p:nvPicPr>
         <p:blipFill>
-          <a:blip r:embed="rId5"/>
+          <a:blip r:embed="rId3"/>
           <a:stretch>
             <a:fillRect/>
           </a:stretch>
@@ -19483,8 +23070,8 @@
             </p:nvSpPr>
             <p:spPr>
               <a:xfrm>
-                <a:off x="7079232" y="429507"/>
-                <a:ext cx="3707332" cy="680156"/>
+                <a:off x="6400114" y="371115"/>
+                <a:ext cx="3707332" cy="927916"/>
               </a:xfrm>
               <a:prstGeom prst="rect">
                 <a:avLst/>
@@ -19770,6 +23357,126 @@
                     </m:oMath>
                   </m:oMathPara>
                 </a14:m>
+                <a:endParaRPr lang="en-US" altLang="zh-CN" b="0" dirty="0">
+                  <a:solidFill>
+                    <a:schemeClr val="dk1"/>
+                  </a:solidFill>
+                </a:endParaRPr>
+              </a:p>
+              <a:p>
+                <a:pPr>
+                  <a:lnSpc>
+                    <a:spcPct val="115000"/>
+                  </a:lnSpc>
+                </a:pPr>
+                <a14:m>
+                  <m:oMathPara xmlns:m="http://schemas.openxmlformats.org/officeDocument/2006/math">
+                    <m:oMathParaPr>
+                      <m:jc m:val="centerGroup"/>
+                    </m:oMathParaPr>
+                    <m:oMath xmlns:m="http://schemas.openxmlformats.org/officeDocument/2006/math">
+                      <m:r>
+                        <a:rPr lang="en-US" altLang="zh-CN" b="0" i="1" smtClean="0">
+                          <a:solidFill>
+                            <a:schemeClr val="dk1"/>
+                          </a:solidFill>
+                          <a:latin typeface="Cambria Math" panose="02040503050406030204" pitchFamily="18" charset="0"/>
+                        </a:rPr>
+                        <m:t>𝑡𝑖𝑚𝑒</m:t>
+                      </m:r>
+                      <m:r>
+                        <a:rPr lang="en-US" altLang="zh-CN" i="1">
+                          <a:solidFill>
+                            <a:schemeClr val="dk1"/>
+                          </a:solidFill>
+                          <a:latin typeface="Cambria Math" panose="02040503050406030204" pitchFamily="18" charset="0"/>
+                        </a:rPr>
+                        <m:t>=</m:t>
+                      </m:r>
+                      <m:r>
+                        <a:rPr lang="en-US" altLang="zh-CN" b="0" i="1" smtClean="0">
+                          <a:solidFill>
+                            <a:schemeClr val="dk1"/>
+                          </a:solidFill>
+                          <a:latin typeface="Cambria Math" panose="02040503050406030204" pitchFamily="18" charset="0"/>
+                        </a:rPr>
+                        <m:t>40</m:t>
+                      </m:r>
+                      <m:r>
+                        <a:rPr lang="en-US" altLang="zh-CN" i="1">
+                          <a:solidFill>
+                            <a:schemeClr val="dk1"/>
+                          </a:solidFill>
+                          <a:latin typeface="Cambria Math" panose="02040503050406030204" pitchFamily="18" charset="0"/>
+                        </a:rPr>
+                        <m:t>0 </m:t>
+                      </m:r>
+                      <m:r>
+                        <a:rPr lang="en-US" altLang="zh-CN" i="1">
+                          <a:solidFill>
+                            <a:schemeClr val="dk1"/>
+                          </a:solidFill>
+                          <a:latin typeface="Cambria Math" panose="02040503050406030204" pitchFamily="18" charset="0"/>
+                        </a:rPr>
+                        <m:t>𝑚𝑠</m:t>
+                      </m:r>
+                      <m:r>
+                        <a:rPr lang="en-US" altLang="zh-CN" i="1">
+                          <a:solidFill>
+                            <a:schemeClr val="dk1"/>
+                          </a:solidFill>
+                          <a:latin typeface="Cambria Math" panose="02040503050406030204" pitchFamily="18" charset="0"/>
+                        </a:rPr>
+                        <m:t>, </m:t>
+                      </m:r>
+                      <m:r>
+                        <a:rPr lang="en-US" altLang="zh-CN" b="0" i="1" smtClean="0">
+                          <a:solidFill>
+                            <a:schemeClr val="dk1"/>
+                          </a:solidFill>
+                          <a:latin typeface="Cambria Math" panose="02040503050406030204" pitchFamily="18" charset="0"/>
+                        </a:rPr>
+                        <m:t>𝑠𝑡𝑖𝑚𝑢𝑙𝑢𝑠</m:t>
+                      </m:r>
+                      <m:r>
+                        <a:rPr lang="en-US" altLang="zh-CN" i="1">
+                          <a:solidFill>
+                            <a:schemeClr val="dk1"/>
+                          </a:solidFill>
+                          <a:latin typeface="Cambria Math" panose="02040503050406030204" pitchFamily="18" charset="0"/>
+                        </a:rPr>
+                        <m:t>=</m:t>
+                      </m:r>
+                      <m:r>
+                        <a:rPr lang="en-US" altLang="zh-CN" b="0" i="1" smtClean="0">
+                          <a:solidFill>
+                            <a:schemeClr val="dk1"/>
+                          </a:solidFill>
+                          <a:latin typeface="Cambria Math" panose="02040503050406030204" pitchFamily="18" charset="0"/>
+                        </a:rPr>
+                        <m:t>30</m:t>
+                      </m:r>
+                      <m:r>
+                        <a:rPr lang="en-US" altLang="zh-CN" i="1">
+                          <a:solidFill>
+                            <a:schemeClr val="dk1"/>
+                          </a:solidFill>
+                          <a:latin typeface="Cambria Math" panose="02040503050406030204" pitchFamily="18" charset="0"/>
+                        </a:rPr>
+                        <m:t> </m:t>
+                      </m:r>
+                      <m:r>
+                        <a:rPr lang="en-US" altLang="zh-CN" i="1">
+                          <a:solidFill>
+                            <a:schemeClr val="dk1"/>
+                          </a:solidFill>
+                          <a:latin typeface="Cambria Math" panose="02040503050406030204" pitchFamily="18" charset="0"/>
+                        </a:rPr>
+                        <m:t>𝑚𝑠</m:t>
+                      </m:r>
+                    </m:oMath>
+                  </m:oMathPara>
+                </a14:m>
                 <a:endParaRPr lang="en-US" altLang="zh-CN" dirty="0">
                   <a:solidFill>
                     <a:schemeClr val="dk1"/>
@@ -19796,14 +23503,14 @@
             </p:nvSpPr>
             <p:spPr>
               <a:xfrm>
-                <a:off x="7079232" y="429507"/>
-                <a:ext cx="3707332" cy="680156"/>
+                <a:off x="6400114" y="371115"/>
+                <a:ext cx="3707332" cy="927916"/>
               </a:xfrm>
               <a:prstGeom prst="rect">
                 <a:avLst/>
               </a:prstGeom>
               <a:blipFill>
-                <a:blip r:embed="rId6"/>
+                <a:blip r:embed="rId4"/>
                 <a:stretch>
                   <a:fillRect/>
                 </a:stretch>
@@ -19827,278 +23534,158 @@
           </p:sp>
         </mc:Fallback>
       </mc:AlternateContent>
-    </p:spTree>
-    <p:extLst>
-      <p:ext uri="{BB962C8B-B14F-4D97-AF65-F5344CB8AC3E}">
-        <p14:creationId xmlns:p14="http://schemas.microsoft.com/office/powerpoint/2010/main" val="3920169598"/>
-      </p:ext>
-    </p:extLst>
-  </p:cSld>
-  <p:clrMapOvr>
-    <a:masterClrMapping/>
-  </p:clrMapOvr>
-</p:sld>
-</file>
-
-<file path=ppt/slides/slide9.xml><?xml version="1.0" encoding="utf-8"?>
-<p:sld xmlns:a="http://schemas.openxmlformats.org/drawingml/2006/main" xmlns:r="http://schemas.openxmlformats.org/officeDocument/2006/relationships" xmlns:p="http://schemas.openxmlformats.org/presentationml/2006/main">
-  <p:cSld>
-    <p:spTree>
-      <p:nvGrpSpPr>
-        <p:cNvPr id="1" name="Shape 109"/>
-        <p:cNvGrpSpPr/>
-        <p:nvPr/>
-      </p:nvGrpSpPr>
-      <p:grpSpPr>
-        <a:xfrm>
-          <a:off x="0" y="0"/>
-          <a:ext cx="0" cy="0"/>
-          <a:chOff x="0" y="0"/>
-          <a:chExt cx="0" cy="0"/>
-        </a:xfrm>
-      </p:grpSpPr>
-      <p:sp>
-        <p:nvSpPr>
-          <p:cNvPr id="110" name="Google Shape;110;p20"/>
-          <p:cNvSpPr txBox="1">
-            <a:spLocks noGrp="1"/>
-          </p:cNvSpPr>
-          <p:nvPr>
-            <p:ph type="title"/>
-          </p:nvPr>
-        </p:nvSpPr>
-        <p:spPr>
+      <p:pic>
+        <p:nvPicPr>
+          <p:cNvPr id="4104" name="Picture 8">
+            <a:extLst>
+              <a:ext uri="{FF2B5EF4-FFF2-40B4-BE49-F238E27FC236}">
+                <a16:creationId xmlns:a16="http://schemas.microsoft.com/office/drawing/2014/main" id="{D39CF90C-D02B-4C4E-B180-99EC36961A94}"/>
+              </a:ext>
+            </a:extLst>
+          </p:cNvPr>
+          <p:cNvPicPr>
+            <a:picLocks noChangeAspect="1" noChangeArrowheads="1"/>
+          </p:cNvPicPr>
+          <p:nvPr/>
+        </p:nvPicPr>
+        <p:blipFill>
+          <a:blip r:embed="rId5">
+            <a:extLst>
+              <a:ext uri="{28A0092B-C50C-407E-A947-70E740481C1C}">
+                <a14:useLocalDpi xmlns:a14="http://schemas.microsoft.com/office/drawing/2010/main" val="0"/>
+              </a:ext>
+            </a:extLst>
+          </a:blip>
+          <a:srcRect/>
+          <a:stretch>
+            <a:fillRect/>
+          </a:stretch>
+        </p:blipFill>
+        <p:spPr bwMode="auto">
           <a:xfrm>
-            <a:off x="838200" y="365125"/>
-            <a:ext cx="10515600" cy="1325563"/>
+            <a:off x="648070" y="1974542"/>
+            <a:ext cx="4876800" cy="2400300"/>
           </a:xfrm>
           <a:prstGeom prst="rect">
             <a:avLst/>
           </a:prstGeom>
           <a:noFill/>
-          <a:ln>
-            <a:noFill/>
-          </a:ln>
+          <a:extLst>
+            <a:ext uri="{909E8E84-426E-40DD-AFC4-6F175D3DCCD1}">
+              <a14:hiddenFill xmlns:a14="http://schemas.microsoft.com/office/drawing/2010/main">
+                <a:solidFill>
+                  <a:srgbClr val="FFFFFF"/>
+                </a:solidFill>
+              </a14:hiddenFill>
+            </a:ext>
+          </a:extLst>
         </p:spPr>
-        <p:txBody>
-          <a:bodyPr spcFirstLastPara="1" wrap="square" lIns="91425" tIns="45700" rIns="91425" bIns="45700" anchor="ctr" anchorCtr="0">
-            <a:normAutofit/>
-          </a:bodyPr>
-          <a:lstStyle/>
-          <a:p>
-            <a:pPr marL="0" lvl="0" indent="0" algn="l" rtl="0">
-              <a:lnSpc>
-                <a:spcPct val="90000"/>
-              </a:lnSpc>
-              <a:spcBef>
-                <a:spcPts val="0"/>
-              </a:spcBef>
-              <a:spcAft>
-                <a:spcPts val="0"/>
-              </a:spcAft>
-              <a:buClr>
-                <a:schemeClr val="dk1"/>
-              </a:buClr>
-              <a:buSzPts val="1800"/>
-              <a:buNone/>
-            </a:pPr>
-            <a:r>
-              <a:rPr lang="zh-CN">
-                <a:solidFill>
-                  <a:srgbClr val="174473"/>
-                </a:solidFill>
-              </a:rPr>
-              <a:t>Results</a:t>
-            </a:r>
-            <a:endParaRPr/>
-          </a:p>
-        </p:txBody>
-      </p:sp>
-      <p:cxnSp>
-        <p:nvCxnSpPr>
-          <p:cNvPr id="111" name="Google Shape;111;p20"/>
-          <p:cNvCxnSpPr/>
-          <p:nvPr/>
-        </p:nvCxnSpPr>
-        <p:spPr>
-          <a:xfrm>
-            <a:off x="838200" y="1400175"/>
-            <a:ext cx="9163050" cy="0"/>
-          </a:xfrm>
-          <a:prstGeom prst="straightConnector1">
-            <a:avLst/>
-          </a:prstGeom>
-          <a:noFill/>
-          <a:ln w="38100" cap="flat" cmpd="sng">
-            <a:solidFill>
-              <a:srgbClr val="174473"/>
-            </a:solidFill>
-            <a:prstDash val="solid"/>
-            <a:round/>
-            <a:headEnd type="none" w="sm" len="sm"/>
-            <a:tailEnd type="none" w="sm" len="sm"/>
-          </a:ln>
-        </p:spPr>
-      </p:cxnSp>
-      <p:sp>
-        <p:nvSpPr>
-          <p:cNvPr id="4" name="Google Shape;105;ge9f2884d2e_2_8">
+      </p:pic>
+      <p:pic>
+        <p:nvPicPr>
+          <p:cNvPr id="4106" name="Picture 10">
             <a:extLst>
               <a:ext uri="{FF2B5EF4-FFF2-40B4-BE49-F238E27FC236}">
-                <a16:creationId xmlns:a16="http://schemas.microsoft.com/office/drawing/2014/main" id="{ED81B6DA-02D6-4910-A36E-3F80CB5A4013}"/>
+                <a16:creationId xmlns:a16="http://schemas.microsoft.com/office/drawing/2014/main" id="{EC2AF140-C6F5-4F0F-8810-E17790F398D4}"/>
               </a:ext>
             </a:extLst>
           </p:cNvPr>
-          <p:cNvSpPr txBox="1"/>
+          <p:cNvPicPr>
+            <a:picLocks noChangeAspect="1" noChangeArrowheads="1"/>
+          </p:cNvPicPr>
           <p:nvPr/>
-        </p:nvSpPr>
-        <p:spPr>
+        </p:nvPicPr>
+        <p:blipFill>
+          <a:blip r:embed="rId6">
+            <a:extLst>
+              <a:ext uri="{28A0092B-C50C-407E-A947-70E740481C1C}">
+                <a14:useLocalDpi xmlns:a14="http://schemas.microsoft.com/office/drawing/2010/main" val="0"/>
+              </a:ext>
+            </a:extLst>
+          </a:blip>
+          <a:srcRect/>
+          <a:stretch>
+            <a:fillRect/>
+          </a:stretch>
+        </p:blipFill>
+        <p:spPr bwMode="auto">
           <a:xfrm>
-            <a:off x="838200" y="2443146"/>
-            <a:ext cx="5257800" cy="3688672"/>
+            <a:off x="648070" y="4374842"/>
+            <a:ext cx="4876800" cy="2400300"/>
           </a:xfrm>
           <a:prstGeom prst="rect">
             <a:avLst/>
           </a:prstGeom>
           <a:noFill/>
-          <a:ln>
-            <a:noFill/>
-          </a:ln>
-        </p:spPr>
-        <p:txBody>
-          <a:bodyPr spcFirstLastPara="1" wrap="square" lIns="91425" tIns="91425" rIns="91425" bIns="91425" anchor="t" anchorCtr="0">
-            <a:spAutoFit/>
-          </a:bodyPr>
-          <a:lstStyle/>
-          <a:p>
-            <a:pPr>
-              <a:lnSpc>
-                <a:spcPct val="115000"/>
-              </a:lnSpc>
-            </a:pPr>
-            <a:r>
-              <a:rPr lang="en-US" altLang="zh-CN" sz="1800" dirty="0">
-                <a:solidFill>
-                  <a:schemeClr val="dk1"/>
-                </a:solidFill>
-              </a:rPr>
-              <a:t>Robustness to noise and two-item memory. The first item is loaded into memory at t = 0 (dark shading). The second item is loaded into memory at t = 2.7 s. Teal shading indicates a random nonspecific input to 15% of the excitatory neurons. (A) Periodic sequence of nonspecific external inputs is used to refresh the memory (gray shading). (B) Persistent PSs. Dots, </a:t>
-            </a:r>
-            <a:r>
-              <a:rPr lang="en-US" altLang="zh-CN" sz="1800" dirty="0" err="1">
-                <a:solidFill>
-                  <a:schemeClr val="dk1"/>
-                </a:solidFill>
-              </a:rPr>
-              <a:t>rasters</a:t>
-            </a:r>
-            <a:r>
-              <a:rPr lang="en-US" altLang="zh-CN" sz="1800" dirty="0">
-                <a:solidFill>
-                  <a:schemeClr val="dk1"/>
-                </a:solidFill>
-              </a:rPr>
-              <a:t> of 10% of the first (0 to 79) and second (80 to 159) populations' neurons; red and blue curves, same</a:t>
-            </a:r>
-          </a:p>
-          <a:p>
-            <a:pPr>
-              <a:lnSpc>
-                <a:spcPct val="115000"/>
-              </a:lnSpc>
-            </a:pPr>
-            <a:r>
-              <a:rPr lang="en-US" altLang="zh-CN" sz="1800" dirty="0">
-                <a:solidFill>
-                  <a:schemeClr val="dk1"/>
-                </a:solidFill>
-              </a:rPr>
-              <a:t>as in Fig. 2.</a:t>
-            </a:r>
-          </a:p>
-        </p:txBody>
-      </p:sp>
-      <p:pic>
-        <p:nvPicPr>
-          <p:cNvPr id="3" name="图片 2">
-            <a:extLst>
-              <a:ext uri="{FF2B5EF4-FFF2-40B4-BE49-F238E27FC236}">
-                <a16:creationId xmlns:a16="http://schemas.microsoft.com/office/drawing/2014/main" id="{69558E13-9AC3-4FCF-B66E-E155AB5CA2C4}"/>
-              </a:ext>
-            </a:extLst>
-          </p:cNvPr>
-          <p:cNvPicPr>
-            <a:picLocks noChangeAspect="1"/>
-          </p:cNvPicPr>
-          <p:nvPr/>
-        </p:nvPicPr>
-        <p:blipFill>
-          <a:blip r:embed="rId3"/>
-          <a:stretch>
-            <a:fillRect/>
-          </a:stretch>
-        </p:blipFill>
-        <p:spPr>
-          <a:xfrm>
-            <a:off x="6096000" y="1538516"/>
-            <a:ext cx="4849368" cy="4958220"/>
-          </a:xfrm>
-          <a:prstGeom prst="rect">
-            <a:avLst/>
-          </a:prstGeom>
+          <a:extLst>
+            <a:ext uri="{909E8E84-426E-40DD-AFC4-6F175D3DCCD1}">
+              <a14:hiddenFill xmlns:a14="http://schemas.microsoft.com/office/drawing/2010/main">
+                <a:solidFill>
+                  <a:srgbClr val="FFFFFF"/>
+                </a:solidFill>
+              </a14:hiddenFill>
+            </a:ext>
+          </a:extLst>
         </p:spPr>
       </p:pic>
       <p:sp>
         <p:nvSpPr>
-          <p:cNvPr id="7" name="Google Shape;105;ge9f2884d2e_2_8">
+          <p:cNvPr id="2" name="椭圆 1">
             <a:extLst>
               <a:ext uri="{FF2B5EF4-FFF2-40B4-BE49-F238E27FC236}">
-                <a16:creationId xmlns:a16="http://schemas.microsoft.com/office/drawing/2014/main" id="{B56BEFCB-6231-470E-A2EF-CDF528C2E29D}"/>
+                <a16:creationId xmlns:a16="http://schemas.microsoft.com/office/drawing/2014/main" id="{759FC710-59E6-47DF-9512-7DBD78E41D98}"/>
               </a:ext>
             </a:extLst>
           </p:cNvPr>
-          <p:cNvSpPr txBox="1"/>
+          <p:cNvSpPr/>
           <p:nvPr/>
         </p:nvSpPr>
         <p:spPr>
           <a:xfrm>
-            <a:off x="838200" y="1566660"/>
-            <a:ext cx="3496056" cy="503184"/>
+            <a:off x="1642369" y="2618913"/>
+            <a:ext cx="541538" cy="1251751"/>
           </a:xfrm>
-          <a:prstGeom prst="rect">
+          <a:prstGeom prst="ellipse">
             <a:avLst/>
           </a:prstGeom>
           <a:noFill/>
-          <a:ln>
-            <a:noFill/>
+          <a:ln w="38100" cap="flat" cmpd="sng" algn="ctr">
+            <a:solidFill>
+              <a:schemeClr val="accent2"/>
+            </a:solidFill>
+            <a:prstDash val="sysDash"/>
+            <a:round/>
+            <a:headEnd type="none" w="med" len="med"/>
+            <a:tailEnd type="none" w="med" len="med"/>
           </a:ln>
         </p:spPr>
+        <p:style>
+          <a:lnRef idx="0">
+            <a:scrgbClr r="0" g="0" b="0"/>
+          </a:lnRef>
+          <a:fillRef idx="0">
+            <a:scrgbClr r="0" g="0" b="0"/>
+          </a:fillRef>
+          <a:effectRef idx="0">
+            <a:scrgbClr r="0" g="0" b="0"/>
+          </a:effectRef>
+          <a:fontRef idx="minor">
+            <a:schemeClr val="accent2"/>
+          </a:fontRef>
+        </p:style>
         <p:txBody>
-          <a:bodyPr spcFirstLastPara="1" wrap="square" lIns="91425" tIns="91425" rIns="91425" bIns="91425" anchor="t" anchorCtr="0">
-            <a:spAutoFit/>
-          </a:bodyPr>
+          <a:bodyPr rtlCol="0" anchor="ctr"/>
           <a:lstStyle/>
           <a:p>
-            <a:pPr>
-              <a:lnSpc>
-                <a:spcPct val="115000"/>
-              </a:lnSpc>
-            </a:pPr>
-            <a:r>
-              <a:rPr lang="en-US" altLang="zh-CN" sz="1800" dirty="0">
-                <a:solidFill>
-                  <a:schemeClr val="dk1"/>
-                </a:solidFill>
-              </a:rPr>
-              <a:t>Two-item Network stimulation</a:t>
-            </a:r>
+            <a:pPr algn="ctr"/>
+            <a:endParaRPr lang="zh-CN" altLang="en-US"/>
           </a:p>
         </p:txBody>
       </p:sp>
     </p:spTree>
     <p:extLst>
       <p:ext uri="{BB962C8B-B14F-4D97-AF65-F5344CB8AC3E}">
-        <p14:creationId xmlns:p14="http://schemas.microsoft.com/office/powerpoint/2010/main" val="3231462266"/>
+        <p14:creationId xmlns:p14="http://schemas.microsoft.com/office/powerpoint/2010/main" val="3920169598"/>
       </p:ext>
     </p:extLst>
   </p:cSld>
